--- a/HRRP Presentation.pptx
+++ b/HRRP Presentation.pptx
@@ -2,71 +2,71 @@
 <file path=ppt/presentation.xml><?xml version="1.0" encoding="utf-8"?>
 <p:presentation xmlns:a="http://schemas.openxmlformats.org/drawingml/2006/main" xmlns:r="http://schemas.openxmlformats.org/officeDocument/2006/relationships" xmlns:mc="http://schemas.openxmlformats.org/markup-compatibility/2006" xmlns:mv="urn:schemas-microsoft-com:mac:vml" xmlns:p="http://schemas.openxmlformats.org/presentationml/2006/main" xmlns:c="http://schemas.openxmlformats.org/drawingml/2006/chart" xmlns:dgm="http://schemas.openxmlformats.org/drawingml/2006/diagram" xmlns:o="urn:schemas-microsoft-com:office:office" xmlns:v="urn:schemas-microsoft-com:vml" xmlns:pvml="urn:schemas-microsoft-com:office:powerpoint" xmlns:com="http://schemas.openxmlformats.org/drawingml/2006/compatibility" xmlns:p14="http://schemas.microsoft.com/office/powerpoint/2010/main" xmlns:p15="http://schemas.microsoft.com/office/powerpoint/2012/main" xmlns:ahyp="http://schemas.microsoft.com/office/drawing/2018/hyperlinkcolor" autoCompressPictures="0" embedTrueTypeFonts="1" strictFirstAndLastChars="0" saveSubsetFonts="1">
   <p:sldMasterIdLst>
-    <p:sldMasterId id="2147483659" r:id="rId5"/>
+    <p:sldMasterId id="2147483659" r:id="rId4"/>
   </p:sldMasterIdLst>
   <p:notesMasterIdLst>
-    <p:notesMasterId r:id="rId6"/>
+    <p:notesMasterId r:id="rId5"/>
   </p:notesMasterIdLst>
   <p:sldIdLst>
-    <p:sldId id="256" r:id="rId7"/>
-    <p:sldId id="257" r:id="rId8"/>
-    <p:sldId id="258" r:id="rId9"/>
-    <p:sldId id="259" r:id="rId10"/>
-    <p:sldId id="260" r:id="rId11"/>
-    <p:sldId id="261" r:id="rId12"/>
-    <p:sldId id="262" r:id="rId13"/>
-    <p:sldId id="263" r:id="rId14"/>
-    <p:sldId id="264" r:id="rId15"/>
-    <p:sldId id="265" r:id="rId16"/>
-    <p:sldId id="266" r:id="rId17"/>
-    <p:sldId id="267" r:id="rId18"/>
-    <p:sldId id="268" r:id="rId19"/>
-    <p:sldId id="269" r:id="rId20"/>
-    <p:sldId id="270" r:id="rId21"/>
-    <p:sldId id="271" r:id="rId22"/>
-    <p:sldId id="272" r:id="rId23"/>
-    <p:sldId id="273" r:id="rId24"/>
-    <p:sldId id="274" r:id="rId25"/>
-    <p:sldId id="275" r:id="rId26"/>
-    <p:sldId id="276" r:id="rId27"/>
-    <p:sldId id="277" r:id="rId28"/>
-    <p:sldId id="278" r:id="rId29"/>
-    <p:sldId id="279" r:id="rId30"/>
-    <p:sldId id="280" r:id="rId31"/>
-    <p:sldId id="281" r:id="rId32"/>
-    <p:sldId id="282" r:id="rId33"/>
-    <p:sldId id="283" r:id="rId34"/>
-    <p:sldId id="284" r:id="rId35"/>
-    <p:sldId id="285" r:id="rId36"/>
-    <p:sldId id="286" r:id="rId37"/>
-    <p:sldId id="287" r:id="rId38"/>
-    <p:sldId id="288" r:id="rId39"/>
-    <p:sldId id="289" r:id="rId40"/>
-    <p:sldId id="290" r:id="rId41"/>
-    <p:sldId id="291" r:id="rId42"/>
+    <p:sldId id="256" r:id="rId6"/>
+    <p:sldId id="257" r:id="rId7"/>
+    <p:sldId id="258" r:id="rId8"/>
+    <p:sldId id="259" r:id="rId9"/>
+    <p:sldId id="260" r:id="rId10"/>
+    <p:sldId id="261" r:id="rId11"/>
+    <p:sldId id="262" r:id="rId12"/>
+    <p:sldId id="263" r:id="rId13"/>
+    <p:sldId id="264" r:id="rId14"/>
+    <p:sldId id="265" r:id="rId15"/>
+    <p:sldId id="266" r:id="rId16"/>
+    <p:sldId id="267" r:id="rId17"/>
+    <p:sldId id="268" r:id="rId18"/>
+    <p:sldId id="269" r:id="rId19"/>
+    <p:sldId id="270" r:id="rId20"/>
+    <p:sldId id="271" r:id="rId21"/>
+    <p:sldId id="272" r:id="rId22"/>
+    <p:sldId id="273" r:id="rId23"/>
+    <p:sldId id="274" r:id="rId24"/>
+    <p:sldId id="275" r:id="rId25"/>
+    <p:sldId id="276" r:id="rId26"/>
+    <p:sldId id="277" r:id="rId27"/>
+    <p:sldId id="278" r:id="rId28"/>
+    <p:sldId id="279" r:id="rId29"/>
+    <p:sldId id="280" r:id="rId30"/>
+    <p:sldId id="281" r:id="rId31"/>
+    <p:sldId id="282" r:id="rId32"/>
+    <p:sldId id="283" r:id="rId33"/>
+    <p:sldId id="284" r:id="rId34"/>
+    <p:sldId id="285" r:id="rId35"/>
+    <p:sldId id="286" r:id="rId36"/>
+    <p:sldId id="287" r:id="rId37"/>
+    <p:sldId id="288" r:id="rId38"/>
+    <p:sldId id="289" r:id="rId39"/>
+    <p:sldId id="290" r:id="rId40"/>
+    <p:sldId id="291" r:id="rId41"/>
   </p:sldIdLst>
   <p:sldSz cy="5143500" cx="9144000"/>
   <p:notesSz cx="6858000" cy="9144000"/>
   <p:embeddedFontLst>
     <p:embeddedFont>
       <p:font typeface="Roboto"/>
-      <p:regular r:id="rId43"/>
-      <p:bold r:id="rId44"/>
-      <p:italic r:id="rId45"/>
-      <p:boldItalic r:id="rId46"/>
+      <p:regular r:id="rId42"/>
+      <p:bold r:id="rId43"/>
+      <p:italic r:id="rId44"/>
+      <p:boldItalic r:id="rId45"/>
     </p:embeddedFont>
     <p:embeddedFont>
       <p:font typeface="Lobster"/>
+      <p:regular r:id="rId46"/>
+    </p:embeddedFont>
+    <p:embeddedFont>
+      <p:font typeface="Average"/>
       <p:regular r:id="rId47"/>
     </p:embeddedFont>
     <p:embeddedFont>
-      <p:font typeface="Average"/>
+      <p:font typeface="Oswald"/>
       <p:regular r:id="rId48"/>
-    </p:embeddedFont>
-    <p:embeddedFont>
-      <p:font typeface="Oswald"/>
-      <p:regular r:id="rId49"/>
-      <p:bold r:id="rId50"/>
+      <p:bold r:id="rId49"/>
     </p:embeddedFont>
   </p:embeddedFontLst>
   <p:defaultTextStyle>
@@ -316,43 +316,240 @@
             <a:srgbClr val="9AA0A6"/>
           </p15:clr>
         </p15:guide>
+        <p15:guide id="4" pos="2976">
+          <p15:clr>
+            <a:srgbClr val="9AA0A6"/>
+          </p15:clr>
+        </p15:guide>
+        <p15:guide id="5" pos="3072">
+          <p15:clr>
+            <a:srgbClr val="9AA0A6"/>
+          </p15:clr>
+        </p15:guide>
+        <p15:guide id="6" pos="3168">
+          <p15:clr>
+            <a:srgbClr val="9AA0A6"/>
+          </p15:clr>
+        </p15:guide>
+        <p15:guide id="7" pos="3264">
+          <p15:clr>
+            <a:srgbClr val="9AA0A6"/>
+          </p15:clr>
+        </p15:guide>
+        <p15:guide id="8" pos="3360">
+          <p15:clr>
+            <a:srgbClr val="9AA0A6"/>
+          </p15:clr>
+        </p15:guide>
+        <p15:guide id="9" pos="3456">
+          <p15:clr>
+            <a:srgbClr val="9AA0A6"/>
+          </p15:clr>
+        </p15:guide>
+        <p15:guide id="10" pos="3552">
+          <p15:clr>
+            <a:srgbClr val="9AA0A6"/>
+          </p15:clr>
+        </p15:guide>
+        <p15:guide id="11" pos="3648">
+          <p15:clr>
+            <a:srgbClr val="9AA0A6"/>
+          </p15:clr>
+        </p15:guide>
+        <p15:guide id="12" pos="3744">
+          <p15:clr>
+            <a:srgbClr val="9AA0A6"/>
+          </p15:clr>
+        </p15:guide>
+        <p15:guide id="13" pos="3840">
+          <p15:clr>
+            <a:srgbClr val="9AA0A6"/>
+          </p15:clr>
+        </p15:guide>
+        <p15:guide id="14" pos="3936">
+          <p15:clr>
+            <a:srgbClr val="9AA0A6"/>
+          </p15:clr>
+        </p15:guide>
+        <p15:guide id="15" pos="4032">
+          <p15:clr>
+            <a:srgbClr val="9AA0A6"/>
+          </p15:clr>
+        </p15:guide>
+        <p15:guide id="16" pos="4128">
+          <p15:clr>
+            <a:srgbClr val="9AA0A6"/>
+          </p15:clr>
+        </p15:guide>
+        <p15:guide id="17" pos="4224">
+          <p15:clr>
+            <a:srgbClr val="9AA0A6"/>
+          </p15:clr>
+        </p15:guide>
+        <p15:guide id="18" pos="4320">
+          <p15:clr>
+            <a:srgbClr val="9AA0A6"/>
+          </p15:clr>
+        </p15:guide>
+        <p15:guide id="19" pos="4416">
+          <p15:clr>
+            <a:srgbClr val="9AA0A6"/>
+          </p15:clr>
+        </p15:guide>
+        <p15:guide id="20" pos="4512">
+          <p15:clr>
+            <a:srgbClr val="9AA0A6"/>
+          </p15:clr>
+        </p15:guide>
+        <p15:guide id="21" pos="4608">
+          <p15:clr>
+            <a:srgbClr val="9AA0A6"/>
+          </p15:clr>
+        </p15:guide>
+        <p15:guide id="22" pos="4704">
+          <p15:clr>
+            <a:srgbClr val="9AA0A6"/>
+          </p15:clr>
+        </p15:guide>
+        <p15:guide id="23" pos="4800">
+          <p15:clr>
+            <a:srgbClr val="9AA0A6"/>
+          </p15:clr>
+        </p15:guide>
+        <p15:guide id="24" pos="4896">
+          <p15:clr>
+            <a:srgbClr val="9AA0A6"/>
+          </p15:clr>
+        </p15:guide>
+        <p15:guide id="25" pos="4992">
+          <p15:clr>
+            <a:srgbClr val="9AA0A6"/>
+          </p15:clr>
+        </p15:guide>
+        <p15:guide id="26" pos="5088">
+          <p15:clr>
+            <a:srgbClr val="9AA0A6"/>
+          </p15:clr>
+        </p15:guide>
+        <p15:guide id="27" pos="5184">
+          <p15:clr>
+            <a:srgbClr val="9AA0A6"/>
+          </p15:clr>
+        </p15:guide>
+        <p15:guide id="28" pos="5280">
+          <p15:clr>
+            <a:srgbClr val="9AA0A6"/>
+          </p15:clr>
+        </p15:guide>
+        <p15:guide id="29" pos="5376">
+          <p15:clr>
+            <a:srgbClr val="9AA0A6"/>
+          </p15:clr>
+        </p15:guide>
+        <p15:guide id="30" pos="5472">
+          <p15:clr>
+            <a:srgbClr val="9AA0A6"/>
+          </p15:clr>
+        </p15:guide>
+        <p15:guide id="31" pos="5568">
+          <p15:clr>
+            <a:srgbClr val="9AA0A6"/>
+          </p15:clr>
+        </p15:guide>
+        <p15:guide id="32" pos="5664">
+          <p15:clr>
+            <a:srgbClr val="9AA0A6"/>
+          </p15:clr>
+        </p15:guide>
+        <p15:guide id="33" pos="5760">
+          <p15:clr>
+            <a:srgbClr val="9AA0A6"/>
+          </p15:clr>
+        </p15:guide>
+        <p15:guide id="34" orient="horz" pos="1716">
+          <p15:clr>
+            <a:srgbClr val="9AA0A6"/>
+          </p15:clr>
+        </p15:guide>
+        <p15:guide id="35" orient="horz" pos="1812">
+          <p15:clr>
+            <a:srgbClr val="9AA0A6"/>
+          </p15:clr>
+        </p15:guide>
+        <p15:guide id="36" orient="horz" pos="1908">
+          <p15:clr>
+            <a:srgbClr val="9AA0A6"/>
+          </p15:clr>
+        </p15:guide>
+        <p15:guide id="37" orient="horz" pos="2004">
+          <p15:clr>
+            <a:srgbClr val="9AA0A6"/>
+          </p15:clr>
+        </p15:guide>
+        <p15:guide id="38" orient="horz" pos="2100">
+          <p15:clr>
+            <a:srgbClr val="9AA0A6"/>
+          </p15:clr>
+        </p15:guide>
+        <p15:guide id="39" orient="horz" pos="2196">
+          <p15:clr>
+            <a:srgbClr val="9AA0A6"/>
+          </p15:clr>
+        </p15:guide>
+        <p15:guide id="40" orient="horz" pos="2292">
+          <p15:clr>
+            <a:srgbClr val="9AA0A6"/>
+          </p15:clr>
+        </p15:guide>
+        <p15:guide id="41" orient="horz" pos="2388">
+          <p15:clr>
+            <a:srgbClr val="9AA0A6"/>
+          </p15:clr>
+        </p15:guide>
+        <p15:guide id="42" orient="horz" pos="2484">
+          <p15:clr>
+            <a:srgbClr val="9AA0A6"/>
+          </p15:clr>
+        </p15:guide>
+        <p15:guide id="43" orient="horz" pos="2580">
+          <p15:clr>
+            <a:srgbClr val="9AA0A6"/>
+          </p15:clr>
+        </p15:guide>
+        <p15:guide id="44" orient="horz" pos="2676">
+          <p15:clr>
+            <a:srgbClr val="9AA0A6"/>
+          </p15:clr>
+        </p15:guide>
+        <p15:guide id="45" orient="horz" pos="2772">
+          <p15:clr>
+            <a:srgbClr val="9AA0A6"/>
+          </p15:clr>
+        </p15:guide>
+        <p15:guide id="46" orient="horz" pos="2868">
+          <p15:clr>
+            <a:srgbClr val="9AA0A6"/>
+          </p15:clr>
+        </p15:guide>
+        <p15:guide id="47" orient="horz" pos="2964">
+          <p15:clr>
+            <a:srgbClr val="9AA0A6"/>
+          </p15:clr>
+        </p15:guide>
+        <p15:guide id="48" orient="horz" pos="3060">
+          <p15:clr>
+            <a:srgbClr val="9AA0A6"/>
+          </p15:clr>
+        </p15:guide>
+        <p15:guide id="49" orient="horz" pos="3156">
+          <p15:clr>
+            <a:srgbClr val="9AA0A6"/>
+          </p15:clr>
+        </p15:guide>
       </p15:sldGuideLst>
     </p:ext>
   </p:extLst>
 </p:presentation>
-</file>
-
-<file path=ppt/commentAuthors.xml><?xml version="1.0" encoding="utf-8"?>
-<p:cmAuthorLst xmlns:a="http://schemas.openxmlformats.org/drawingml/2006/main" xmlns:r="http://schemas.openxmlformats.org/officeDocument/2006/relationships" xmlns:mc="http://schemas.openxmlformats.org/markup-compatibility/2006" xmlns:mv="urn:schemas-microsoft-com:mac:vml" xmlns:p="http://schemas.openxmlformats.org/presentationml/2006/main" xmlns:c="http://schemas.openxmlformats.org/drawingml/2006/chart" xmlns:dgm="http://schemas.openxmlformats.org/drawingml/2006/diagram" xmlns:o="urn:schemas-microsoft-com:office:office" xmlns:v="urn:schemas-microsoft-com:vml" xmlns:pvml="urn:schemas-microsoft-com:office:powerpoint" xmlns:com="http://schemas.openxmlformats.org/drawingml/2006/compatibility" xmlns:p14="http://schemas.microsoft.com/office/powerpoint/2010/main" xmlns:p15="http://schemas.microsoft.com/office/powerpoint/2012/main" xmlns:ahyp="http://schemas.microsoft.com/office/drawing/2018/hyperlinkcolor">
-  <p:cmAuthor clrIdx="0" id="0" initials="" lastIdx="3" name="Shay Agarwal"/>
-</p:cmAuthorLst>
-</file>
-
-<file path=ppt/comments/comment1.xml><?xml version="1.0" encoding="utf-8"?>
-<p:cmLst xmlns:a="http://schemas.openxmlformats.org/drawingml/2006/main" xmlns:r="http://schemas.openxmlformats.org/officeDocument/2006/relationships" xmlns:mc="http://schemas.openxmlformats.org/markup-compatibility/2006" xmlns:mv="urn:schemas-microsoft-com:mac:vml" xmlns:p="http://schemas.openxmlformats.org/presentationml/2006/main" xmlns:c="http://schemas.openxmlformats.org/drawingml/2006/chart" xmlns:dgm="http://schemas.openxmlformats.org/drawingml/2006/diagram" xmlns:o="urn:schemas-microsoft-com:office:office" xmlns:v="urn:schemas-microsoft-com:vml" xmlns:pvml="urn:schemas-microsoft-com:office:powerpoint" xmlns:com="http://schemas.openxmlformats.org/drawingml/2006/compatibility" xmlns:p14="http://schemas.microsoft.com/office/powerpoint/2010/main" xmlns:p15="http://schemas.microsoft.com/office/powerpoint/2012/main" xmlns:ahyp="http://schemas.microsoft.com/office/drawing/2018/hyperlinkcolor">
-  <p:cm authorId="0" idx="1" dt="2020-12-21T08:14:40.202">
-    <p:pos x="6000" y="0"/>
-    <p:text>Add combined ROC charts</p:text>
-  </p:cm>
-</p:cmLst>
-</file>
-
-<file path=ppt/comments/comment2.xml><?xml version="1.0" encoding="utf-8"?>
-<p:cmLst xmlns:a="http://schemas.openxmlformats.org/drawingml/2006/main" xmlns:r="http://schemas.openxmlformats.org/officeDocument/2006/relationships" xmlns:mc="http://schemas.openxmlformats.org/markup-compatibility/2006" xmlns:mv="urn:schemas-microsoft-com:mac:vml" xmlns:p="http://schemas.openxmlformats.org/presentationml/2006/main" xmlns:c="http://schemas.openxmlformats.org/drawingml/2006/chart" xmlns:dgm="http://schemas.openxmlformats.org/drawingml/2006/diagram" xmlns:o="urn:schemas-microsoft-com:office:office" xmlns:v="urn:schemas-microsoft-com:vml" xmlns:pvml="urn:schemas-microsoft-com:office:powerpoint" xmlns:com="http://schemas.openxmlformats.org/drawingml/2006/compatibility" xmlns:p14="http://schemas.microsoft.com/office/powerpoint/2010/main" xmlns:p15="http://schemas.microsoft.com/office/powerpoint/2012/main" xmlns:ahyp="http://schemas.microsoft.com/office/drawing/2018/hyperlinkcolor">
-  <p:cm authorId="0" idx="2" dt="2020-12-21T08:14:28.480">
-    <p:pos x="6000" y="0"/>
-    <p:text>add combined ROC Charts</p:text>
-  </p:cm>
-</p:cmLst>
-</file>
-
-<file path=ppt/comments/comment3.xml><?xml version="1.0" encoding="utf-8"?>
-<p:cmLst xmlns:a="http://schemas.openxmlformats.org/drawingml/2006/main" xmlns:r="http://schemas.openxmlformats.org/officeDocument/2006/relationships" xmlns:mc="http://schemas.openxmlformats.org/markup-compatibility/2006" xmlns:mv="urn:schemas-microsoft-com:mac:vml" xmlns:p="http://schemas.openxmlformats.org/presentationml/2006/main" xmlns:c="http://schemas.openxmlformats.org/drawingml/2006/chart" xmlns:dgm="http://schemas.openxmlformats.org/drawingml/2006/diagram" xmlns:o="urn:schemas-microsoft-com:office:office" xmlns:v="urn:schemas-microsoft-com:vml" xmlns:pvml="urn:schemas-microsoft-com:office:powerpoint" xmlns:com="http://schemas.openxmlformats.org/drawingml/2006/compatibility" xmlns:p14="http://schemas.microsoft.com/office/powerpoint/2010/main" xmlns:p15="http://schemas.microsoft.com/office/powerpoint/2012/main" xmlns:ahyp="http://schemas.microsoft.com/office/drawing/2018/hyperlinkcolor">
-  <p:cm authorId="0" idx="3" dt="2020-12-21T08:17:09.346">
-    <p:pos x="6000" y="0"/>
-    <p:text>show combined ROC charts</p:text>
-  </p:cm>
-</p:cmLst>
 </file>
 
 <file path=ppt/notesMasters/notesMaster1.xml><?xml version="1.0" encoding="utf-8"?>
@@ -2790,7 +2987,7 @@
   <p:cSld>
     <p:spTree>
       <p:nvGrpSpPr>
-        <p:cNvPr id="273" name="Shape 273"/>
+        <p:cNvPr id="275" name="Shape 275"/>
         <p:cNvGrpSpPr/>
         <p:nvPr/>
       </p:nvGrpSpPr>
@@ -2804,7 +3001,7 @@
       </p:grpSpPr>
       <p:sp>
         <p:nvSpPr>
-          <p:cNvPr id="274" name="Google Shape;274;gb20140a1fb_0_12:notes"/>
+          <p:cNvPr id="276" name="Google Shape;276;gb20140a1fb_0_12:notes"/>
           <p:cNvSpPr/>
           <p:nvPr>
             <p:ph idx="2" type="sldImg"/>
@@ -2839,7 +3036,7 @@
       </p:sp>
       <p:sp>
         <p:nvSpPr>
-          <p:cNvPr id="275" name="Google Shape;275;gb20140a1fb_0_12:notes"/>
+          <p:cNvPr id="277" name="Google Shape;277;gb20140a1fb_0_12:notes"/>
           <p:cNvSpPr txBox="1"/>
           <p:nvPr>
             <p:ph idx="1" type="body"/>
@@ -2889,7 +3086,7 @@
   <p:cSld>
     <p:spTree>
       <p:nvGrpSpPr>
-        <p:cNvPr id="279" name="Shape 279"/>
+        <p:cNvPr id="281" name="Shape 281"/>
         <p:cNvGrpSpPr/>
         <p:nvPr/>
       </p:nvGrpSpPr>
@@ -2903,7 +3100,7 @@
       </p:grpSpPr>
       <p:sp>
         <p:nvSpPr>
-          <p:cNvPr id="280" name="Google Shape;280;gb20140a1fb_0_62:notes"/>
+          <p:cNvPr id="282" name="Google Shape;282;gb20140a1fb_0_62:notes"/>
           <p:cNvSpPr/>
           <p:nvPr>
             <p:ph idx="2" type="sldImg"/>
@@ -2938,7 +3135,7 @@
       </p:sp>
       <p:sp>
         <p:nvSpPr>
-          <p:cNvPr id="281" name="Google Shape;281;gb20140a1fb_0_62:notes"/>
+          <p:cNvPr id="283" name="Google Shape;283;gb20140a1fb_0_62:notes"/>
           <p:cNvSpPr txBox="1"/>
           <p:nvPr>
             <p:ph idx="1" type="body"/>
@@ -2993,7 +3190,7 @@
   <p:cSld>
     <p:spTree>
       <p:nvGrpSpPr>
-        <p:cNvPr id="288" name="Shape 288"/>
+        <p:cNvPr id="290" name="Shape 290"/>
         <p:cNvGrpSpPr/>
         <p:nvPr/>
       </p:nvGrpSpPr>
@@ -3007,7 +3204,7 @@
       </p:grpSpPr>
       <p:sp>
         <p:nvSpPr>
-          <p:cNvPr id="289" name="Google Shape;289;gb23ae9a76a_0_22:notes"/>
+          <p:cNvPr id="291" name="Google Shape;291;gb23ae9a76a_0_22:notes"/>
           <p:cNvSpPr/>
           <p:nvPr>
             <p:ph idx="2" type="sldImg"/>
@@ -3042,7 +3239,7 @@
       </p:sp>
       <p:sp>
         <p:nvSpPr>
-          <p:cNvPr id="290" name="Google Shape;290;gb23ae9a76a_0_22:notes"/>
+          <p:cNvPr id="292" name="Google Shape;292;gb23ae9a76a_0_22:notes"/>
           <p:cNvSpPr txBox="1"/>
           <p:nvPr>
             <p:ph idx="1" type="body"/>
@@ -3097,7 +3294,7 @@
   <p:cSld>
     <p:spTree>
       <p:nvGrpSpPr>
-        <p:cNvPr id="296" name="Shape 296"/>
+        <p:cNvPr id="298" name="Shape 298"/>
         <p:cNvGrpSpPr/>
         <p:nvPr/>
       </p:nvGrpSpPr>
@@ -3111,7 +3308,7 @@
       </p:grpSpPr>
       <p:sp>
         <p:nvSpPr>
-          <p:cNvPr id="297" name="Google Shape;297;gb23ae9a76a_0_27:notes"/>
+          <p:cNvPr id="299" name="Google Shape;299;gb23ae9a76a_0_27:notes"/>
           <p:cNvSpPr/>
           <p:nvPr>
             <p:ph idx="2" type="sldImg"/>
@@ -3146,7 +3343,7 @@
       </p:sp>
       <p:sp>
         <p:nvSpPr>
-          <p:cNvPr id="298" name="Google Shape;298;gb23ae9a76a_0_27:notes"/>
+          <p:cNvPr id="300" name="Google Shape;300;gb23ae9a76a_0_27:notes"/>
           <p:cNvSpPr txBox="1"/>
           <p:nvPr>
             <p:ph idx="1" type="body"/>
@@ -3201,7 +3398,7 @@
   <p:cSld>
     <p:spTree>
       <p:nvGrpSpPr>
-        <p:cNvPr id="305" name="Shape 305"/>
+        <p:cNvPr id="306" name="Shape 306"/>
         <p:cNvGrpSpPr/>
         <p:nvPr/>
       </p:nvGrpSpPr>
@@ -3215,7 +3412,7 @@
       </p:grpSpPr>
       <p:sp>
         <p:nvSpPr>
-          <p:cNvPr id="306" name="Google Shape;306;gb23b7bb42e_1_0:notes"/>
+          <p:cNvPr id="307" name="Google Shape;307;gb23b7bb42e_1_0:notes"/>
           <p:cNvSpPr/>
           <p:nvPr>
             <p:ph idx="2" type="sldImg"/>
@@ -3250,7 +3447,7 @@
       </p:sp>
       <p:sp>
         <p:nvSpPr>
-          <p:cNvPr id="307" name="Google Shape;307;gb23b7bb42e_1_0:notes"/>
+          <p:cNvPr id="308" name="Google Shape;308;gb23b7bb42e_1_0:notes"/>
           <p:cNvSpPr txBox="1"/>
           <p:nvPr>
             <p:ph idx="1" type="body"/>
@@ -3305,7 +3502,7 @@
   <p:cSld>
     <p:spTree>
       <p:nvGrpSpPr>
-        <p:cNvPr id="315" name="Shape 315"/>
+        <p:cNvPr id="313" name="Shape 313"/>
         <p:cNvGrpSpPr/>
         <p:nvPr/>
       </p:nvGrpSpPr>
@@ -3319,7 +3516,7 @@
       </p:grpSpPr>
       <p:sp>
         <p:nvSpPr>
-          <p:cNvPr id="316" name="Google Shape;316;gb20140a1fb_0_17:notes"/>
+          <p:cNvPr id="314" name="Google Shape;314;gb20140a1fb_0_17:notes"/>
           <p:cNvSpPr/>
           <p:nvPr>
             <p:ph idx="2" type="sldImg"/>
@@ -3354,7 +3551,7 @@
       </p:sp>
       <p:sp>
         <p:nvSpPr>
-          <p:cNvPr id="317" name="Google Shape;317;gb20140a1fb_0_17:notes"/>
+          <p:cNvPr id="315" name="Google Shape;315;gb20140a1fb_0_17:notes"/>
           <p:cNvSpPr txBox="1"/>
           <p:nvPr>
             <p:ph idx="1" type="body"/>
@@ -3503,7 +3700,7 @@
   <p:cSld>
     <p:spTree>
       <p:nvGrpSpPr>
-        <p:cNvPr id="321" name="Shape 321"/>
+        <p:cNvPr id="319" name="Shape 319"/>
         <p:cNvGrpSpPr/>
         <p:nvPr/>
       </p:nvGrpSpPr>
@@ -3517,7 +3714,7 @@
       </p:grpSpPr>
       <p:sp>
         <p:nvSpPr>
-          <p:cNvPr id="322" name="Google Shape;322;gb20140a1fb_0_74:notes"/>
+          <p:cNvPr id="320" name="Google Shape;320;gb20140a1fb_0_74:notes"/>
           <p:cNvSpPr/>
           <p:nvPr>
             <p:ph idx="2" type="sldImg"/>
@@ -3552,7 +3749,7 @@
       </p:sp>
       <p:sp>
         <p:nvSpPr>
-          <p:cNvPr id="323" name="Google Shape;323;gb20140a1fb_0_74:notes"/>
+          <p:cNvPr id="321" name="Google Shape;321;gb20140a1fb_0_74:notes"/>
           <p:cNvSpPr txBox="1"/>
           <p:nvPr>
             <p:ph idx="1" type="body"/>
@@ -3607,7 +3804,7 @@
   <p:cSld>
     <p:spTree>
       <p:nvGrpSpPr>
-        <p:cNvPr id="328" name="Shape 328"/>
+        <p:cNvPr id="326" name="Shape 326"/>
         <p:cNvGrpSpPr/>
         <p:nvPr/>
       </p:nvGrpSpPr>
@@ -3621,7 +3818,7 @@
       </p:grpSpPr>
       <p:sp>
         <p:nvSpPr>
-          <p:cNvPr id="329" name="Google Shape;329;gb23b7bb42e_1_22:notes"/>
+          <p:cNvPr id="327" name="Google Shape;327;gb23b7bb42e_1_22:notes"/>
           <p:cNvSpPr/>
           <p:nvPr>
             <p:ph idx="2" type="sldImg"/>
@@ -3656,7 +3853,7 @@
       </p:sp>
       <p:sp>
         <p:nvSpPr>
-          <p:cNvPr id="330" name="Google Shape;330;gb23b7bb42e_1_22:notes"/>
+          <p:cNvPr id="328" name="Google Shape;328;gb23b7bb42e_1_22:notes"/>
           <p:cNvSpPr txBox="1"/>
           <p:nvPr>
             <p:ph idx="1" type="body"/>
@@ -3711,7 +3908,7 @@
   <p:cSld>
     <p:spTree>
       <p:nvGrpSpPr>
-        <p:cNvPr id="336" name="Shape 336"/>
+        <p:cNvPr id="334" name="Shape 334"/>
         <p:cNvGrpSpPr/>
         <p:nvPr/>
       </p:nvGrpSpPr>
@@ -3725,7 +3922,7 @@
       </p:grpSpPr>
       <p:sp>
         <p:nvSpPr>
-          <p:cNvPr id="337" name="Google Shape;337;gc6f980f91_0_48:notes"/>
+          <p:cNvPr id="335" name="Google Shape;335;gb23b7bb42e_1_5:notes"/>
           <p:cNvSpPr/>
           <p:nvPr>
             <p:ph idx="2" type="sldImg"/>
@@ -3733,8 +3930,8 @@
         </p:nvSpPr>
         <p:spPr>
           <a:xfrm>
-            <a:off x="381188" y="685800"/>
-            <a:ext cx="6096300" cy="3429000"/>
+            <a:off x="381300" y="685800"/>
+            <a:ext cx="6096000" cy="3429000"/>
           </a:xfrm>
           <a:custGeom>
             <a:rect b="b" l="l" r="r" t="t"/>
@@ -3760,7 +3957,7 @@
       </p:sp>
       <p:sp>
         <p:nvSpPr>
-          <p:cNvPr id="338" name="Google Shape;338;gc6f980f91_0_48:notes"/>
+          <p:cNvPr id="336" name="Google Shape;336;gb23b7bb42e_1_5:notes"/>
           <p:cNvSpPr txBox="1"/>
           <p:nvPr>
             <p:ph idx="1" type="body"/>
@@ -3788,6 +3985,11 @@
               <a:spcAft>
                 <a:spcPts val="0"/>
               </a:spcAft>
+              <a:buClr>
+                <a:schemeClr val="dk1"/>
+              </a:buClr>
+              <a:buSzPts val="1100"/>
+              <a:buFont typeface="Arial"/>
               <a:buNone/>
             </a:pPr>
             <a:r>
@@ -3810,7 +4012,7 @@
   <p:cSld>
     <p:spTree>
       <p:nvGrpSpPr>
-        <p:cNvPr id="369" name="Shape 369"/>
+        <p:cNvPr id="341" name="Shape 341"/>
         <p:cNvGrpSpPr/>
         <p:nvPr/>
       </p:nvGrpSpPr>
@@ -3824,7 +4026,7 @@
       </p:grpSpPr>
       <p:sp>
         <p:nvSpPr>
-          <p:cNvPr id="370" name="Google Shape;370;gb23b7bb42e_1_5:notes"/>
+          <p:cNvPr id="342" name="Google Shape;342;gb1bdc574fa_1_28:notes"/>
           <p:cNvSpPr/>
           <p:nvPr>
             <p:ph idx="2" type="sldImg"/>
@@ -3859,7 +4061,7 @@
       </p:sp>
       <p:sp>
         <p:nvSpPr>
-          <p:cNvPr id="371" name="Google Shape;371;gb23b7bb42e_1_5:notes"/>
+          <p:cNvPr id="343" name="Google Shape;343;gb1bdc574fa_1_28:notes"/>
           <p:cNvSpPr txBox="1"/>
           <p:nvPr>
             <p:ph idx="1" type="body"/>
@@ -3914,7 +4116,7 @@
   <p:cSld>
     <p:spTree>
       <p:nvGrpSpPr>
-        <p:cNvPr id="376" name="Shape 376"/>
+        <p:cNvPr id="351" name="Shape 351"/>
         <p:cNvGrpSpPr/>
         <p:nvPr/>
       </p:nvGrpSpPr>
@@ -3928,7 +4130,7 @@
       </p:grpSpPr>
       <p:sp>
         <p:nvSpPr>
-          <p:cNvPr id="377" name="Google Shape;377;gb1bdc574fa_1_28:notes"/>
+          <p:cNvPr id="352" name="Google Shape;352;gc6f980f91_0_42:notes"/>
           <p:cNvSpPr/>
           <p:nvPr>
             <p:ph idx="2" type="sldImg"/>
@@ -3936,8 +4138,8 @@
         </p:nvSpPr>
         <p:spPr>
           <a:xfrm>
-            <a:off x="381300" y="685800"/>
-            <a:ext cx="6096000" cy="3429000"/>
+            <a:off x="381188" y="685800"/>
+            <a:ext cx="6096300" cy="3429000"/>
           </a:xfrm>
           <a:custGeom>
             <a:rect b="b" l="l" r="r" t="t"/>
@@ -3963,7 +4165,7 @@
       </p:sp>
       <p:sp>
         <p:nvSpPr>
-          <p:cNvPr id="378" name="Google Shape;378;gb1bdc574fa_1_28:notes"/>
+          <p:cNvPr id="353" name="Google Shape;353;gc6f980f91_0_42:notes"/>
           <p:cNvSpPr txBox="1"/>
           <p:nvPr>
             <p:ph idx="1" type="body"/>
@@ -3991,11 +4193,6 @@
               <a:spcAft>
                 <a:spcPts val="0"/>
               </a:spcAft>
-              <a:buClr>
-                <a:schemeClr val="dk1"/>
-              </a:buClr>
-              <a:buSzPts val="1100"/>
-              <a:buFont typeface="Arial"/>
               <a:buNone/>
             </a:pPr>
             <a:r>
@@ -4018,7 +4215,7 @@
   <p:cSld>
     <p:spTree>
       <p:nvGrpSpPr>
-        <p:cNvPr id="385" name="Shape 385"/>
+        <p:cNvPr id="358" name="Shape 358"/>
         <p:cNvGrpSpPr/>
         <p:nvPr/>
       </p:nvGrpSpPr>
@@ -4032,7 +4229,7 @@
       </p:grpSpPr>
       <p:sp>
         <p:nvSpPr>
-          <p:cNvPr id="386" name="Google Shape;386;gc6f980f91_0_42:notes"/>
+          <p:cNvPr id="359" name="Google Shape;359;ga95aa12bdd_3_2:notes"/>
           <p:cNvSpPr/>
           <p:nvPr>
             <p:ph idx="2" type="sldImg"/>
@@ -4040,8 +4237,8 @@
         </p:nvSpPr>
         <p:spPr>
           <a:xfrm>
-            <a:off x="381188" y="685800"/>
-            <a:ext cx="6096300" cy="3429000"/>
+            <a:off x="381300" y="685800"/>
+            <a:ext cx="6096000" cy="3429000"/>
           </a:xfrm>
           <a:custGeom>
             <a:rect b="b" l="l" r="r" t="t"/>
@@ -4067,7 +4264,7 @@
       </p:sp>
       <p:sp>
         <p:nvSpPr>
-          <p:cNvPr id="387" name="Google Shape;387;gc6f980f91_0_42:notes"/>
+          <p:cNvPr id="360" name="Google Shape;360;ga95aa12bdd_3_2:notes"/>
           <p:cNvSpPr txBox="1"/>
           <p:nvPr>
             <p:ph idx="1" type="body"/>
@@ -4095,6 +4292,11 @@
               <a:spcAft>
                 <a:spcPts val="0"/>
               </a:spcAft>
+              <a:buClr>
+                <a:schemeClr val="dk1"/>
+              </a:buClr>
+              <a:buSzPts val="1100"/>
+              <a:buFont typeface="Arial"/>
               <a:buNone/>
             </a:pPr>
             <a:r>
@@ -4117,7 +4319,7 @@
   <p:cSld>
     <p:spTree>
       <p:nvGrpSpPr>
-        <p:cNvPr id="392" name="Shape 392"/>
+        <p:cNvPr id="364" name="Shape 364"/>
         <p:cNvGrpSpPr/>
         <p:nvPr/>
       </p:nvGrpSpPr>
@@ -4131,7 +4333,7 @@
       </p:grpSpPr>
       <p:sp>
         <p:nvSpPr>
-          <p:cNvPr id="393" name="Google Shape;393;ga95aa12bdd_0_6:notes"/>
+          <p:cNvPr id="365" name="Google Shape;365;ga95aa12bdd_0_6:notes"/>
           <p:cNvSpPr/>
           <p:nvPr>
             <p:ph idx="2" type="sldImg"/>
@@ -4166,7 +4368,7 @@
       </p:sp>
       <p:sp>
         <p:nvSpPr>
-          <p:cNvPr id="394" name="Google Shape;394;ga95aa12bdd_0_6:notes"/>
+          <p:cNvPr id="366" name="Google Shape;366;ga95aa12bdd_0_6:notes"/>
           <p:cNvSpPr txBox="1"/>
           <p:nvPr>
             <p:ph idx="1" type="body"/>
@@ -11014,7 +11216,7 @@
         </p:blipFill>
         <p:spPr>
           <a:xfrm>
-            <a:off x="570525" y="1372938"/>
+            <a:off x="570525" y="1379913"/>
             <a:ext cx="4714875" cy="3400425"/>
           </a:xfrm>
           <a:prstGeom prst="rect">
@@ -11192,7 +11394,7 @@
         </p:nvSpPr>
         <p:spPr>
           <a:xfrm>
-            <a:off x="5488100" y="2317588"/>
+            <a:off x="5488100" y="2088988"/>
             <a:ext cx="3500100" cy="1627500"/>
           </a:xfrm>
           <a:prstGeom prst="rect">
@@ -11217,7 +11419,7 @@
             </a:pPr>
             <a:r>
               <a:rPr lang="en" sz="1400"/>
-              <a:t>An A1c test is a blood test that reflects your average blood glucose levels over the past 3 months. </a:t>
+              <a:t>A1c test:  blood test that reflects average blood glucose levels over a 3 month period</a:t>
             </a:r>
             <a:endParaRPr sz="1400"/>
           </a:p>
@@ -11234,7 +11436,24 @@
             </a:pPr>
             <a:r>
               <a:rPr lang="en" sz="1400"/>
-              <a:t>The A1c test is sometimes called the hemoglobin A1c, HbA1c, glycated hemoglobin, or glycohemoglobin test.</a:t>
+              <a:t>A1c test is sometimes called the hemoglobin A1c, HbA1c, glycated hemoglobin, or glycohemoglobin test.</a:t>
+            </a:r>
+            <a:endParaRPr sz="1400"/>
+          </a:p>
+          <a:p>
+            <a:pPr indent="-317500" lvl="0" marL="457200" rtl="0" algn="l">
+              <a:spcBef>
+                <a:spcPts val="0"/>
+              </a:spcBef>
+              <a:spcAft>
+                <a:spcPts val="0"/>
+              </a:spcAft>
+              <a:buSzPts val="1400"/>
+              <a:buChar char="●"/>
+            </a:pPr>
+            <a:r>
+              <a:rPr lang="en" sz="1400"/>
+              <a:t>A1c over 8% indicates poorly controlled diabetes</a:t>
             </a:r>
             <a:endParaRPr sz="1400"/>
           </a:p>
@@ -11256,7 +11475,7 @@
         </p:blipFill>
         <p:spPr>
           <a:xfrm>
-            <a:off x="570525" y="1399600"/>
+            <a:off x="570525" y="1378725"/>
             <a:ext cx="4772025" cy="3400425"/>
           </a:xfrm>
           <a:prstGeom prst="rect">
@@ -11871,7 +12090,7 @@
         </p:blipFill>
         <p:spPr>
           <a:xfrm>
-            <a:off x="570525" y="1360525"/>
+            <a:off x="570525" y="1374450"/>
             <a:ext cx="4772025" cy="3400425"/>
           </a:xfrm>
           <a:prstGeom prst="rect">
@@ -12222,8 +12441,8 @@
         </p:blipFill>
         <p:spPr>
           <a:xfrm>
-            <a:off x="570525" y="1328500"/>
-            <a:ext cx="4769199" cy="3469856"/>
+            <a:off x="570525" y="1440475"/>
+            <a:ext cx="4586575" cy="3336975"/>
           </a:xfrm>
           <a:prstGeom prst="rect">
             <a:avLst/>
@@ -12250,7 +12469,7 @@
         </p:blipFill>
         <p:spPr>
           <a:xfrm>
-            <a:off x="2888550" y="2386863"/>
+            <a:off x="2658925" y="2443813"/>
             <a:ext cx="2101475" cy="1497375"/>
           </a:xfrm>
           <a:prstGeom prst="rect">
@@ -12272,7 +12491,7 @@
         </p:nvSpPr>
         <p:spPr>
           <a:xfrm>
-            <a:off x="5520850" y="1644225"/>
+            <a:off x="5472150" y="1609425"/>
             <a:ext cx="3500100" cy="1497300"/>
           </a:xfrm>
           <a:prstGeom prst="rect">
@@ -12345,7 +12564,7 @@
         </p:nvSpPr>
         <p:spPr>
           <a:xfrm>
-            <a:off x="5520850" y="2974893"/>
+            <a:off x="5472150" y="2940093"/>
             <a:ext cx="3500100" cy="1497000"/>
           </a:xfrm>
           <a:prstGeom prst="rect">
@@ -12584,8 +12803,8 @@
         </p:nvSpPr>
         <p:spPr>
           <a:xfrm>
-            <a:off x="5040975" y="1661850"/>
-            <a:ext cx="3500100" cy="1497300"/>
+            <a:off x="5455975" y="1501800"/>
+            <a:ext cx="3395700" cy="1497300"/>
           </a:xfrm>
           <a:prstGeom prst="rect">
             <a:avLst/>
@@ -12657,7 +12876,7 @@
         </p:nvSpPr>
         <p:spPr>
           <a:xfrm>
-            <a:off x="5040975" y="2731551"/>
+            <a:off x="5455975" y="2759401"/>
             <a:ext cx="3500100" cy="1647300"/>
           </a:xfrm>
           <a:prstGeom prst="rect">
@@ -12787,7 +13006,7 @@
         </p:blipFill>
         <p:spPr>
           <a:xfrm>
-            <a:off x="570525" y="1415250"/>
+            <a:off x="570525" y="1450025"/>
             <a:ext cx="4408025" cy="3325675"/>
           </a:xfrm>
           <a:prstGeom prst="rect">
@@ -12941,7 +13160,7 @@
         </p:nvSpPr>
         <p:spPr>
           <a:xfrm>
-            <a:off x="5440875" y="2366955"/>
+            <a:off x="5517400" y="2366955"/>
             <a:ext cx="3500100" cy="1497000"/>
           </a:xfrm>
           <a:prstGeom prst="rect">
@@ -13054,7 +13273,7 @@
         </p:blipFill>
         <p:spPr>
           <a:xfrm>
-            <a:off x="570525" y="1415238"/>
+            <a:off x="570525" y="1373488"/>
             <a:ext cx="4772025" cy="3400425"/>
           </a:xfrm>
           <a:prstGeom prst="rect">
@@ -13360,7 +13579,7 @@
         </p:blipFill>
         <p:spPr>
           <a:xfrm>
-            <a:off x="570525" y="1415250"/>
+            <a:off x="570525" y="1373475"/>
             <a:ext cx="4772025" cy="3400425"/>
           </a:xfrm>
           <a:prstGeom prst="rect">
@@ -14097,7 +14316,7 @@
         <p:spPr>
           <a:xfrm>
             <a:off x="570525" y="1450075"/>
-            <a:ext cx="3232800" cy="3173100"/>
+            <a:ext cx="3619800" cy="3173100"/>
           </a:xfrm>
           <a:prstGeom prst="rect">
             <a:avLst/>
@@ -14113,7 +14332,7 @@
           </a:bodyPr>
           <a:lstStyle/>
           <a:p>
-            <a:pPr indent="-317500" lvl="0" marL="457200" rtl="0" algn="l">
+            <a:pPr indent="-323850" lvl="0" marL="457200" rtl="0" algn="l">
               <a:lnSpc>
                 <a:spcPct val="115000"/>
               </a:lnSpc>
@@ -14126,12 +14345,12 @@
               <a:buClr>
                 <a:schemeClr val="accent3"/>
               </a:buClr>
-              <a:buSzPts val="1400"/>
+              <a:buSzPts val="1500"/>
               <a:buFont typeface="Average"/>
               <a:buChar char="●"/>
             </a:pPr>
             <a:r>
-              <a:rPr lang="en">
+              <a:rPr lang="en" sz="1500">
                 <a:solidFill>
                   <a:schemeClr val="accent3"/>
                 </a:solidFill>
@@ -14142,7 +14361,7 @@
               </a:rPr>
               <a:t>Individual codes grouped into 9 IDC-9 clinical categories</a:t>
             </a:r>
-            <a:endParaRPr>
+            <a:endParaRPr sz="1500">
               <a:solidFill>
                 <a:schemeClr val="accent3"/>
               </a:solidFill>
@@ -14153,7 +14372,7 @@
             </a:endParaRPr>
           </a:p>
           <a:p>
-            <a:pPr indent="-317500" lvl="0" marL="457200" rtl="0" algn="l">
+            <a:pPr indent="-323850" lvl="0" marL="457200" rtl="0" algn="l">
               <a:lnSpc>
                 <a:spcPct val="115000"/>
               </a:lnSpc>
@@ -14166,12 +14385,12 @@
               <a:buClr>
                 <a:schemeClr val="accent3"/>
               </a:buClr>
-              <a:buSzPts val="1400"/>
+              <a:buSzPts val="1500"/>
               <a:buFont typeface="Average"/>
               <a:buChar char="●"/>
             </a:pPr>
             <a:r>
-              <a:rPr lang="en">
+              <a:rPr lang="en" sz="1500">
                 <a:solidFill>
                   <a:schemeClr val="accent3"/>
                 </a:solidFill>
@@ -14182,7 +14401,7 @@
               </a:rPr>
               <a:t>Symptoms grouped with major categories</a:t>
             </a:r>
-            <a:endParaRPr>
+            <a:endParaRPr sz="1500">
               <a:solidFill>
                 <a:schemeClr val="accent3"/>
               </a:solidFill>
@@ -14193,7 +14412,7 @@
             </a:endParaRPr>
           </a:p>
           <a:p>
-            <a:pPr indent="-317500" lvl="0" marL="457200" rtl="0" algn="l">
+            <a:pPr indent="-323850" lvl="0" marL="457200" rtl="0" algn="l">
               <a:lnSpc>
                 <a:spcPct val="115000"/>
               </a:lnSpc>
@@ -14206,12 +14425,12 @@
               <a:buClr>
                 <a:schemeClr val="accent3"/>
               </a:buClr>
-              <a:buSzPts val="1400"/>
+              <a:buSzPts val="1500"/>
               <a:buFont typeface="Average"/>
               <a:buChar char="●"/>
             </a:pPr>
             <a:r>
-              <a:rPr lang="en">
+              <a:rPr lang="en" sz="1500">
                 <a:solidFill>
                   <a:schemeClr val="accent3"/>
                 </a:solidFill>
@@ -14222,7 +14441,7 @@
               </a:rPr>
               <a:t>Diag_1, 2, and 3 were consolidated into these categories</a:t>
             </a:r>
-            <a:endParaRPr>
+            <a:endParaRPr sz="1500">
               <a:solidFill>
                 <a:schemeClr val="accent3"/>
               </a:solidFill>
@@ -14233,7 +14452,7 @@
             </a:endParaRPr>
           </a:p>
           <a:p>
-            <a:pPr indent="-317500" lvl="0" marL="457200" rtl="0" algn="l">
+            <a:pPr indent="-323850" lvl="0" marL="457200" rtl="0" algn="l">
               <a:lnSpc>
                 <a:spcPct val="115000"/>
               </a:lnSpc>
@@ -14246,12 +14465,12 @@
               <a:buClr>
                 <a:schemeClr val="accent3"/>
               </a:buClr>
-              <a:buSzPts val="1400"/>
+              <a:buSzPts val="1500"/>
               <a:buFont typeface="Average"/>
               <a:buChar char="●"/>
             </a:pPr>
             <a:r>
-              <a:rPr lang="en" u="sng">
+              <a:rPr lang="en" sz="1500" u="sng">
                 <a:solidFill>
                   <a:schemeClr val="accent3"/>
                 </a:solidFill>
@@ -14263,7 +14482,7 @@
               <a:t>Result</a:t>
             </a:r>
             <a:r>
-              <a:rPr lang="en">
+              <a:rPr lang="en" sz="1500">
                 <a:solidFill>
                   <a:schemeClr val="accent3"/>
                 </a:solidFill>
@@ -14274,7 +14493,7 @@
               </a:rPr>
               <a:t>:     9 features &gt;&gt;&gt;</a:t>
             </a:r>
-            <a:endParaRPr>
+            <a:endParaRPr sz="1500">
               <a:solidFill>
                 <a:schemeClr val="accent3"/>
               </a:solidFill>
@@ -14294,7 +14513,7 @@
         </p:nvSpPr>
         <p:spPr>
           <a:xfrm>
-            <a:off x="4572000" y="1450075"/>
+            <a:off x="4857300" y="1450075"/>
             <a:ext cx="3276600" cy="3036600"/>
           </a:xfrm>
           <a:prstGeom prst="rect">
@@ -14311,7 +14530,7 @@
           </a:bodyPr>
           <a:lstStyle/>
           <a:p>
-            <a:pPr indent="-317500" lvl="0" marL="457200" rtl="0" algn="l">
+            <a:pPr indent="-323850" lvl="0" marL="457200" rtl="0" algn="l">
               <a:lnSpc>
                 <a:spcPct val="115000"/>
               </a:lnSpc>
@@ -14324,12 +14543,12 @@
               <a:buClr>
                 <a:schemeClr val="accent3"/>
               </a:buClr>
-              <a:buSzPts val="1400"/>
+              <a:buSzPts val="1500"/>
               <a:buFont typeface="Average"/>
               <a:buChar char="●"/>
             </a:pPr>
             <a:r>
-              <a:rPr lang="en">
+              <a:rPr lang="en" sz="1500">
                 <a:solidFill>
                   <a:schemeClr val="accent3"/>
                 </a:solidFill>
@@ -14340,7 +14559,7 @@
               </a:rPr>
               <a:t>Circulatory</a:t>
             </a:r>
-            <a:endParaRPr>
+            <a:endParaRPr sz="1500">
               <a:solidFill>
                 <a:schemeClr val="accent3"/>
               </a:solidFill>
@@ -14351,7 +14570,7 @@
             </a:endParaRPr>
           </a:p>
           <a:p>
-            <a:pPr indent="-317500" lvl="0" marL="457200" rtl="0" algn="l">
+            <a:pPr indent="-323850" lvl="0" marL="457200" rtl="0" algn="l">
               <a:lnSpc>
                 <a:spcPct val="115000"/>
               </a:lnSpc>
@@ -14364,12 +14583,12 @@
               <a:buClr>
                 <a:schemeClr val="accent3"/>
               </a:buClr>
-              <a:buSzPts val="1400"/>
+              <a:buSzPts val="1500"/>
               <a:buFont typeface="Average"/>
               <a:buChar char="●"/>
             </a:pPr>
             <a:r>
-              <a:rPr lang="en">
+              <a:rPr lang="en" sz="1500">
                 <a:solidFill>
                   <a:schemeClr val="accent3"/>
                 </a:solidFill>
@@ -14380,7 +14599,7 @@
               </a:rPr>
               <a:t>Respiratory</a:t>
             </a:r>
-            <a:endParaRPr>
+            <a:endParaRPr sz="1500">
               <a:solidFill>
                 <a:schemeClr val="accent3"/>
               </a:solidFill>
@@ -14391,7 +14610,7 @@
             </a:endParaRPr>
           </a:p>
           <a:p>
-            <a:pPr indent="-317500" lvl="0" marL="457200" rtl="0" algn="l">
+            <a:pPr indent="-323850" lvl="0" marL="457200" rtl="0" algn="l">
               <a:lnSpc>
                 <a:spcPct val="115000"/>
               </a:lnSpc>
@@ -14404,12 +14623,12 @@
               <a:buClr>
                 <a:schemeClr val="accent3"/>
               </a:buClr>
-              <a:buSzPts val="1400"/>
+              <a:buSzPts val="1500"/>
               <a:buFont typeface="Average"/>
               <a:buChar char="●"/>
             </a:pPr>
             <a:r>
-              <a:rPr lang="en">
+              <a:rPr lang="en" sz="1500">
                 <a:solidFill>
                   <a:schemeClr val="accent3"/>
                 </a:solidFill>
@@ -14420,7 +14639,7 @@
               </a:rPr>
               <a:t>Digestive</a:t>
             </a:r>
-            <a:endParaRPr>
+            <a:endParaRPr sz="1500">
               <a:solidFill>
                 <a:schemeClr val="accent3"/>
               </a:solidFill>
@@ -14431,7 +14650,7 @@
             </a:endParaRPr>
           </a:p>
           <a:p>
-            <a:pPr indent="-317500" lvl="0" marL="457200" rtl="0" algn="l">
+            <a:pPr indent="-323850" lvl="0" marL="457200" rtl="0" algn="l">
               <a:lnSpc>
                 <a:spcPct val="115000"/>
               </a:lnSpc>
@@ -14444,12 +14663,12 @@
               <a:buClr>
                 <a:schemeClr val="accent3"/>
               </a:buClr>
-              <a:buSzPts val="1400"/>
+              <a:buSzPts val="1500"/>
               <a:buFont typeface="Average"/>
               <a:buChar char="●"/>
             </a:pPr>
             <a:r>
-              <a:rPr lang="en">
+              <a:rPr lang="en" sz="1500">
                 <a:solidFill>
                   <a:schemeClr val="accent3"/>
                 </a:solidFill>
@@ -14460,7 +14679,7 @@
               </a:rPr>
               <a:t>Diabetes </a:t>
             </a:r>
-            <a:endParaRPr>
+            <a:endParaRPr sz="1500">
               <a:solidFill>
                 <a:schemeClr val="accent3"/>
               </a:solidFill>
@@ -14471,7 +14690,7 @@
             </a:endParaRPr>
           </a:p>
           <a:p>
-            <a:pPr indent="-317500" lvl="0" marL="457200" rtl="0" algn="l">
+            <a:pPr indent="-323850" lvl="0" marL="457200" rtl="0" algn="l">
               <a:lnSpc>
                 <a:spcPct val="115000"/>
               </a:lnSpc>
@@ -14484,12 +14703,12 @@
               <a:buClr>
                 <a:schemeClr val="accent3"/>
               </a:buClr>
-              <a:buSzPts val="1400"/>
+              <a:buSzPts val="1500"/>
               <a:buFont typeface="Average"/>
               <a:buChar char="●"/>
             </a:pPr>
             <a:r>
-              <a:rPr lang="en">
+              <a:rPr lang="en" sz="1500">
                 <a:solidFill>
                   <a:schemeClr val="accent3"/>
                 </a:solidFill>
@@ -14500,7 +14719,7 @@
               </a:rPr>
               <a:t>Injury </a:t>
             </a:r>
-            <a:endParaRPr>
+            <a:endParaRPr sz="1500">
               <a:solidFill>
                 <a:schemeClr val="accent3"/>
               </a:solidFill>
@@ -14511,7 +14730,7 @@
             </a:endParaRPr>
           </a:p>
           <a:p>
-            <a:pPr indent="-317500" lvl="0" marL="457200" rtl="0" algn="l">
+            <a:pPr indent="-323850" lvl="0" marL="457200" rtl="0" algn="l">
               <a:lnSpc>
                 <a:spcPct val="115000"/>
               </a:lnSpc>
@@ -14524,12 +14743,12 @@
               <a:buClr>
                 <a:schemeClr val="accent3"/>
               </a:buClr>
-              <a:buSzPts val="1400"/>
+              <a:buSzPts val="1500"/>
               <a:buFont typeface="Average"/>
               <a:buChar char="●"/>
             </a:pPr>
             <a:r>
-              <a:rPr lang="en">
+              <a:rPr lang="en" sz="1500">
                 <a:solidFill>
                   <a:schemeClr val="accent3"/>
                 </a:solidFill>
@@ -14540,7 +14759,7 @@
               </a:rPr>
               <a:t>Genitourinary </a:t>
             </a:r>
-            <a:endParaRPr>
+            <a:endParaRPr sz="1500">
               <a:solidFill>
                 <a:schemeClr val="accent3"/>
               </a:solidFill>
@@ -14551,7 +14770,7 @@
             </a:endParaRPr>
           </a:p>
           <a:p>
-            <a:pPr indent="-317500" lvl="0" marL="457200" rtl="0" algn="l">
+            <a:pPr indent="-323850" lvl="0" marL="457200" rtl="0" algn="l">
               <a:lnSpc>
                 <a:spcPct val="115000"/>
               </a:lnSpc>
@@ -14564,12 +14783,12 @@
               <a:buClr>
                 <a:schemeClr val="accent3"/>
               </a:buClr>
-              <a:buSzPts val="1400"/>
+              <a:buSzPts val="1500"/>
               <a:buFont typeface="Average"/>
               <a:buChar char="●"/>
             </a:pPr>
             <a:r>
-              <a:rPr lang="en">
+              <a:rPr lang="en" sz="1500">
                 <a:solidFill>
                   <a:schemeClr val="accent3"/>
                 </a:solidFill>
@@ -14580,7 +14799,7 @@
               </a:rPr>
               <a:t>Musculoskeletal </a:t>
             </a:r>
-            <a:endParaRPr>
+            <a:endParaRPr sz="1500">
               <a:solidFill>
                 <a:schemeClr val="accent3"/>
               </a:solidFill>
@@ -14591,7 +14810,7 @@
             </a:endParaRPr>
           </a:p>
           <a:p>
-            <a:pPr indent="-317500" lvl="0" marL="457200" rtl="0" algn="l">
+            <a:pPr indent="-323850" lvl="0" marL="457200" rtl="0" algn="l">
               <a:lnSpc>
                 <a:spcPct val="115000"/>
               </a:lnSpc>
@@ -14604,12 +14823,12 @@
               <a:buClr>
                 <a:schemeClr val="accent3"/>
               </a:buClr>
-              <a:buSzPts val="1400"/>
+              <a:buSzPts val="1500"/>
               <a:buFont typeface="Average"/>
               <a:buChar char="●"/>
             </a:pPr>
             <a:r>
-              <a:rPr lang="en">
+              <a:rPr lang="en" sz="1500">
                 <a:solidFill>
                   <a:schemeClr val="accent3"/>
                 </a:solidFill>
@@ -14620,7 +14839,7 @@
               </a:rPr>
               <a:t>Neoplasms </a:t>
             </a:r>
-            <a:endParaRPr>
+            <a:endParaRPr sz="1500">
               <a:solidFill>
                 <a:schemeClr val="accent3"/>
               </a:solidFill>
@@ -14631,7 +14850,7 @@
             </a:endParaRPr>
           </a:p>
           <a:p>
-            <a:pPr indent="-317500" lvl="0" marL="457200" rtl="0" algn="l">
+            <a:pPr indent="-323850" lvl="0" marL="457200" rtl="0" algn="l">
               <a:lnSpc>
                 <a:spcPct val="115000"/>
               </a:lnSpc>
@@ -14644,12 +14863,12 @@
               <a:buClr>
                 <a:schemeClr val="accent3"/>
               </a:buClr>
-              <a:buSzPts val="1400"/>
+              <a:buSzPts val="1500"/>
               <a:buFont typeface="Average"/>
               <a:buChar char="●"/>
             </a:pPr>
             <a:r>
-              <a:rPr lang="en">
+              <a:rPr lang="en" sz="1500">
                 <a:solidFill>
                   <a:schemeClr val="accent3"/>
                 </a:solidFill>
@@ -14660,7 +14879,7 @@
               </a:rPr>
               <a:t>Other</a:t>
             </a:r>
-            <a:endParaRPr>
+            <a:endParaRPr sz="1500">
               <a:latin typeface="Average"/>
               <a:ea typeface="Average"/>
               <a:cs typeface="Average"/>
@@ -14768,7 +14987,7 @@
             </a:pPr>
             <a:r>
               <a:rPr b="1" lang="en" sz="1900" u="sng"/>
-              <a:t>Unbalanced  Readmission:</a:t>
+              <a:t>Unbalanced  Readmission</a:t>
             </a:r>
             <a:endParaRPr b="1" sz="1900" u="sng"/>
           </a:p>
@@ -14805,7 +15024,7 @@
         </p:blipFill>
         <p:spPr>
           <a:xfrm>
-            <a:off x="454925" y="1554150"/>
+            <a:off x="447950" y="1586163"/>
             <a:ext cx="4377100" cy="3190375"/>
           </a:xfrm>
           <a:prstGeom prst="rect">
@@ -14825,7 +15044,7 @@
         </p:nvSpPr>
         <p:spPr>
           <a:xfrm>
-            <a:off x="6121250" y="1016350"/>
+            <a:off x="5704975" y="981575"/>
             <a:ext cx="2697600" cy="1318500"/>
           </a:xfrm>
           <a:prstGeom prst="rect">
@@ -15002,7 +15221,7 @@
         </p:nvSpPr>
         <p:spPr>
           <a:xfrm>
-            <a:off x="6121250" y="2467925"/>
+            <a:off x="5704975" y="2433150"/>
             <a:ext cx="2697600" cy="1173300"/>
           </a:xfrm>
           <a:prstGeom prst="rect">
@@ -15193,7 +15412,7 @@
         </p:nvSpPr>
         <p:spPr>
           <a:xfrm>
-            <a:off x="6121250" y="3774300"/>
+            <a:off x="5704975" y="3739525"/>
             <a:ext cx="2697600" cy="1248600"/>
           </a:xfrm>
           <a:prstGeom prst="rect">
@@ -15475,7 +15694,7 @@
             </a:pPr>
             <a:r>
               <a:rPr b="1" lang="en" sz="2000" u="sng"/>
-              <a:t>Recursive Feature Elimination with Cross Validation (RFECV)</a:t>
+              <a:t>Recursive Feature Elimination w/CV (RFECV)</a:t>
             </a:r>
             <a:endParaRPr b="1" sz="2000" u="sng"/>
           </a:p>
@@ -15565,484 +15784,6 @@
       <p:sp>
         <p:nvSpPr>
           <p:cNvPr id="270" name="Google Shape;270;p35"/>
-          <p:cNvSpPr txBox="1"/>
-          <p:nvPr/>
-        </p:nvSpPr>
-        <p:spPr>
-          <a:xfrm>
-            <a:off x="5149350" y="2772550"/>
-            <a:ext cx="2697600" cy="1173300"/>
-          </a:xfrm>
-          <a:prstGeom prst="rect">
-            <a:avLst/>
-          </a:prstGeom>
-          <a:noFill/>
-          <a:ln>
-            <a:noFill/>
-          </a:ln>
-        </p:spPr>
-        <p:txBody>
-          <a:bodyPr anchorCtr="0" anchor="t" bIns="91425" lIns="91425" spcFirstLastPara="1" rIns="91425" wrap="square" tIns="91425">
-            <a:noAutofit/>
-          </a:bodyPr>
-          <a:lstStyle/>
-          <a:p>
-            <a:pPr indent="0" lvl="0" marL="0" rtl="0" algn="l">
-              <a:spcBef>
-                <a:spcPts val="0"/>
-              </a:spcBef>
-              <a:spcAft>
-                <a:spcPts val="0"/>
-              </a:spcAft>
-              <a:buNone/>
-            </a:pPr>
-            <a:r>
-              <a:rPr b="1" lang="en" sz="1300" u="sng">
-                <a:solidFill>
-                  <a:srgbClr val="EFEFEF"/>
-                </a:solidFill>
-                <a:latin typeface="Average"/>
-                <a:ea typeface="Average"/>
-                <a:cs typeface="Average"/>
-                <a:sym typeface="Average"/>
-              </a:rPr>
-              <a:t>Readmission By Gender </a:t>
-            </a:r>
-            <a:r>
-              <a:rPr b="1" lang="en" sz="1300" u="sng">
-                <a:solidFill>
-                  <a:srgbClr val="EFEFEF"/>
-                </a:solidFill>
-                <a:latin typeface="Average"/>
-                <a:ea typeface="Average"/>
-                <a:cs typeface="Average"/>
-                <a:sym typeface="Average"/>
-              </a:rPr>
-              <a:t>(Train):</a:t>
-            </a:r>
-            <a:endParaRPr b="1" sz="1300" u="sng">
-              <a:solidFill>
-                <a:srgbClr val="EFEFEF"/>
-              </a:solidFill>
-              <a:latin typeface="Average"/>
-              <a:ea typeface="Average"/>
-              <a:cs typeface="Average"/>
-              <a:sym typeface="Average"/>
-            </a:endParaRPr>
-          </a:p>
-          <a:p>
-            <a:pPr indent="0" lvl="0" marL="0" rtl="0" algn="l">
-              <a:spcBef>
-                <a:spcPts val="0"/>
-              </a:spcBef>
-              <a:spcAft>
-                <a:spcPts val="0"/>
-              </a:spcAft>
-              <a:buNone/>
-            </a:pPr>
-            <a:r>
-              <a:t/>
-            </a:r>
-            <a:endParaRPr sz="1300" u="sng">
-              <a:solidFill>
-                <a:srgbClr val="EFEFEF"/>
-              </a:solidFill>
-              <a:latin typeface="Average"/>
-              <a:ea typeface="Average"/>
-              <a:cs typeface="Average"/>
-              <a:sym typeface="Average"/>
-            </a:endParaRPr>
-          </a:p>
-          <a:p>
-            <a:pPr indent="0" lvl="0" marL="0" rtl="0" algn="l">
-              <a:spcBef>
-                <a:spcPts val="0"/>
-              </a:spcBef>
-              <a:spcAft>
-                <a:spcPts val="0"/>
-              </a:spcAft>
-              <a:buNone/>
-            </a:pPr>
-            <a:r>
-              <a:rPr lang="en" sz="1300">
-                <a:solidFill>
-                  <a:srgbClr val="EFEFEF"/>
-                </a:solidFill>
-                <a:latin typeface="Average"/>
-                <a:ea typeface="Average"/>
-                <a:cs typeface="Average"/>
-                <a:sym typeface="Average"/>
-              </a:rPr>
-              <a:t>Male</a:t>
-            </a:r>
-            <a:r>
-              <a:rPr lang="en" sz="1300">
-                <a:solidFill>
-                  <a:srgbClr val="EFEFEF"/>
-                </a:solidFill>
-                <a:latin typeface="Average"/>
-                <a:ea typeface="Average"/>
-                <a:cs typeface="Average"/>
-                <a:sym typeface="Average"/>
-              </a:rPr>
-              <a:t>         :   </a:t>
-            </a:r>
-            <a:r>
-              <a:rPr lang="en" sz="1300">
-                <a:solidFill>
-                  <a:srgbClr val="EFEFEF"/>
-                </a:solidFill>
-                <a:latin typeface="Average"/>
-                <a:ea typeface="Average"/>
-                <a:cs typeface="Average"/>
-                <a:sym typeface="Average"/>
-              </a:rPr>
-              <a:t>0.040445</a:t>
-            </a:r>
-            <a:endParaRPr sz="1300">
-              <a:solidFill>
-                <a:srgbClr val="EFEFEF"/>
-              </a:solidFill>
-              <a:latin typeface="Average"/>
-              <a:ea typeface="Average"/>
-              <a:cs typeface="Average"/>
-              <a:sym typeface="Average"/>
-            </a:endParaRPr>
-          </a:p>
-          <a:p>
-            <a:pPr indent="0" lvl="0" marL="0" rtl="0" algn="l">
-              <a:spcBef>
-                <a:spcPts val="0"/>
-              </a:spcBef>
-              <a:spcAft>
-                <a:spcPts val="0"/>
-              </a:spcAft>
-              <a:buNone/>
-            </a:pPr>
-            <a:r>
-              <a:rPr lang="en" sz="1300">
-                <a:solidFill>
-                  <a:srgbClr val="EFEFEF"/>
-                </a:solidFill>
-                <a:latin typeface="Average"/>
-                <a:ea typeface="Average"/>
-                <a:cs typeface="Average"/>
-                <a:sym typeface="Average"/>
-              </a:rPr>
-              <a:t>Female</a:t>
-            </a:r>
-            <a:r>
-              <a:rPr lang="en" sz="1300">
-                <a:solidFill>
-                  <a:schemeClr val="lt1"/>
-                </a:solidFill>
-                <a:latin typeface="Average"/>
-                <a:ea typeface="Average"/>
-                <a:cs typeface="Average"/>
-                <a:sym typeface="Average"/>
-              </a:rPr>
-              <a:t>.</a:t>
-            </a:r>
-            <a:r>
-              <a:rPr lang="en" sz="1300">
-                <a:solidFill>
-                  <a:srgbClr val="EFEFEF"/>
-                </a:solidFill>
-                <a:latin typeface="Average"/>
-                <a:ea typeface="Average"/>
-                <a:cs typeface="Average"/>
-                <a:sym typeface="Average"/>
-              </a:rPr>
-              <a:t>     :   </a:t>
-            </a:r>
-            <a:r>
-              <a:rPr lang="en" sz="1300">
-                <a:solidFill>
-                  <a:srgbClr val="EFEFEF"/>
-                </a:solidFill>
-                <a:latin typeface="Average"/>
-                <a:ea typeface="Average"/>
-                <a:cs typeface="Average"/>
-                <a:sym typeface="Average"/>
-              </a:rPr>
-              <a:t>0.047541</a:t>
-            </a:r>
-            <a:endParaRPr sz="1300">
-              <a:solidFill>
-                <a:srgbClr val="EFEFEF"/>
-              </a:solidFill>
-              <a:latin typeface="Average"/>
-              <a:ea typeface="Average"/>
-              <a:cs typeface="Average"/>
-              <a:sym typeface="Average"/>
-            </a:endParaRPr>
-          </a:p>
-          <a:p>
-            <a:pPr indent="0" lvl="0" marL="0" rtl="0" algn="l">
-              <a:spcBef>
-                <a:spcPts val="0"/>
-              </a:spcBef>
-              <a:spcAft>
-                <a:spcPts val="0"/>
-              </a:spcAft>
-              <a:buNone/>
-            </a:pPr>
-            <a:r>
-              <a:t/>
-            </a:r>
-            <a:endParaRPr sz="1300">
-              <a:solidFill>
-                <a:srgbClr val="EFEFEF"/>
-              </a:solidFill>
-              <a:latin typeface="Average"/>
-              <a:ea typeface="Average"/>
-              <a:cs typeface="Average"/>
-              <a:sym typeface="Average"/>
-            </a:endParaRPr>
-          </a:p>
-          <a:p>
-            <a:pPr indent="0" lvl="0" marL="0" rtl="0" algn="l">
-              <a:spcBef>
-                <a:spcPts val="0"/>
-              </a:spcBef>
-              <a:spcAft>
-                <a:spcPts val="0"/>
-              </a:spcAft>
-              <a:buNone/>
-            </a:pPr>
-            <a:r>
-              <a:t/>
-            </a:r>
-            <a:endParaRPr sz="1300">
-              <a:solidFill>
-                <a:srgbClr val="EFEFEF"/>
-              </a:solidFill>
-              <a:latin typeface="Average"/>
-              <a:ea typeface="Average"/>
-              <a:cs typeface="Average"/>
-              <a:sym typeface="Average"/>
-            </a:endParaRPr>
-          </a:p>
-        </p:txBody>
-      </p:sp>
-      <p:sp>
-        <p:nvSpPr>
-          <p:cNvPr id="271" name="Google Shape;271;p35"/>
-          <p:cNvSpPr txBox="1"/>
-          <p:nvPr/>
-        </p:nvSpPr>
-        <p:spPr>
-          <a:xfrm>
-            <a:off x="5149350" y="3802650"/>
-            <a:ext cx="2697600" cy="1173300"/>
-          </a:xfrm>
-          <a:prstGeom prst="rect">
-            <a:avLst/>
-          </a:prstGeom>
-          <a:noFill/>
-          <a:ln>
-            <a:noFill/>
-          </a:ln>
-        </p:spPr>
-        <p:txBody>
-          <a:bodyPr anchorCtr="0" anchor="t" bIns="91425" lIns="91425" spcFirstLastPara="1" rIns="91425" wrap="square" tIns="91425">
-            <a:noAutofit/>
-          </a:bodyPr>
-          <a:lstStyle/>
-          <a:p>
-            <a:pPr indent="0" lvl="0" marL="0" rtl="0" algn="l">
-              <a:spcBef>
-                <a:spcPts val="0"/>
-              </a:spcBef>
-              <a:spcAft>
-                <a:spcPts val="0"/>
-              </a:spcAft>
-              <a:buNone/>
-            </a:pPr>
-            <a:r>
-              <a:rPr b="1" lang="en" sz="1300" u="sng">
-                <a:solidFill>
-                  <a:srgbClr val="EFEFEF"/>
-                </a:solidFill>
-                <a:latin typeface="Average"/>
-                <a:ea typeface="Average"/>
-                <a:cs typeface="Average"/>
-                <a:sym typeface="Average"/>
-              </a:rPr>
-              <a:t>Readmission By Gender (Test):</a:t>
-            </a:r>
-            <a:endParaRPr b="1" sz="1300" u="sng">
-              <a:solidFill>
-                <a:srgbClr val="EFEFEF"/>
-              </a:solidFill>
-              <a:latin typeface="Average"/>
-              <a:ea typeface="Average"/>
-              <a:cs typeface="Average"/>
-              <a:sym typeface="Average"/>
-            </a:endParaRPr>
-          </a:p>
-          <a:p>
-            <a:pPr indent="0" lvl="0" marL="0" rtl="0" algn="l">
-              <a:spcBef>
-                <a:spcPts val="0"/>
-              </a:spcBef>
-              <a:spcAft>
-                <a:spcPts val="0"/>
-              </a:spcAft>
-              <a:buNone/>
-            </a:pPr>
-            <a:r>
-              <a:t/>
-            </a:r>
-            <a:endParaRPr sz="1300" u="sng">
-              <a:solidFill>
-                <a:srgbClr val="EFEFEF"/>
-              </a:solidFill>
-              <a:latin typeface="Average"/>
-              <a:ea typeface="Average"/>
-              <a:cs typeface="Average"/>
-              <a:sym typeface="Average"/>
-            </a:endParaRPr>
-          </a:p>
-          <a:p>
-            <a:pPr indent="0" lvl="0" marL="0" rtl="0" algn="l">
-              <a:spcBef>
-                <a:spcPts val="0"/>
-              </a:spcBef>
-              <a:spcAft>
-                <a:spcPts val="0"/>
-              </a:spcAft>
-              <a:buNone/>
-            </a:pPr>
-            <a:r>
-              <a:rPr lang="en" sz="1300">
-                <a:solidFill>
-                  <a:srgbClr val="EFEFEF"/>
-                </a:solidFill>
-                <a:latin typeface="Average"/>
-                <a:ea typeface="Average"/>
-                <a:cs typeface="Average"/>
-                <a:sym typeface="Average"/>
-              </a:rPr>
-              <a:t>Male         :   0.042576</a:t>
-            </a:r>
-            <a:endParaRPr sz="1300">
-              <a:solidFill>
-                <a:srgbClr val="EFEFEF"/>
-              </a:solidFill>
-              <a:latin typeface="Average"/>
-              <a:ea typeface="Average"/>
-              <a:cs typeface="Average"/>
-              <a:sym typeface="Average"/>
-            </a:endParaRPr>
-          </a:p>
-          <a:p>
-            <a:pPr indent="0" lvl="0" marL="0" rtl="0" algn="l">
-              <a:spcBef>
-                <a:spcPts val="0"/>
-              </a:spcBef>
-              <a:spcAft>
-                <a:spcPts val="0"/>
-              </a:spcAft>
-              <a:buNone/>
-            </a:pPr>
-            <a:r>
-              <a:rPr lang="en" sz="1300">
-                <a:solidFill>
-                  <a:srgbClr val="EFEFEF"/>
-                </a:solidFill>
-                <a:latin typeface="Average"/>
-                <a:ea typeface="Average"/>
-                <a:cs typeface="Average"/>
-                <a:sym typeface="Average"/>
-              </a:rPr>
-              <a:t>Female</a:t>
-            </a:r>
-            <a:r>
-              <a:rPr lang="en" sz="1300">
-                <a:solidFill>
-                  <a:schemeClr val="lt1"/>
-                </a:solidFill>
-                <a:latin typeface="Average"/>
-                <a:ea typeface="Average"/>
-                <a:cs typeface="Average"/>
-                <a:sym typeface="Average"/>
-              </a:rPr>
-              <a:t>.</a:t>
-            </a:r>
-            <a:r>
-              <a:rPr lang="en" sz="1300">
-                <a:solidFill>
-                  <a:srgbClr val="EFEFEF"/>
-                </a:solidFill>
-                <a:latin typeface="Average"/>
-                <a:ea typeface="Average"/>
-                <a:cs typeface="Average"/>
-                <a:sym typeface="Average"/>
-              </a:rPr>
-              <a:t>     :   0.045442</a:t>
-            </a:r>
-            <a:endParaRPr sz="1300">
-              <a:solidFill>
-                <a:srgbClr val="EFEFEF"/>
-              </a:solidFill>
-              <a:latin typeface="Average"/>
-              <a:ea typeface="Average"/>
-              <a:cs typeface="Average"/>
-              <a:sym typeface="Average"/>
-            </a:endParaRPr>
-          </a:p>
-          <a:p>
-            <a:pPr indent="0" lvl="0" marL="0" rtl="0" algn="l">
-              <a:spcBef>
-                <a:spcPts val="0"/>
-              </a:spcBef>
-              <a:spcAft>
-                <a:spcPts val="0"/>
-              </a:spcAft>
-              <a:buNone/>
-            </a:pPr>
-            <a:r>
-              <a:t/>
-            </a:r>
-            <a:endParaRPr sz="1300">
-              <a:solidFill>
-                <a:srgbClr val="EFEFEF"/>
-              </a:solidFill>
-              <a:latin typeface="Average"/>
-              <a:ea typeface="Average"/>
-              <a:cs typeface="Average"/>
-              <a:sym typeface="Average"/>
-            </a:endParaRPr>
-          </a:p>
-          <a:p>
-            <a:pPr indent="0" lvl="0" marL="0" rtl="0" algn="l">
-              <a:spcBef>
-                <a:spcPts val="0"/>
-              </a:spcBef>
-              <a:spcAft>
-                <a:spcPts val="0"/>
-              </a:spcAft>
-              <a:buNone/>
-            </a:pPr>
-            <a:r>
-              <a:t/>
-            </a:r>
-            <a:endParaRPr sz="1300">
-              <a:solidFill>
-                <a:srgbClr val="EFEFEF"/>
-              </a:solidFill>
-              <a:latin typeface="Average"/>
-              <a:ea typeface="Average"/>
-              <a:cs typeface="Average"/>
-              <a:sym typeface="Average"/>
-            </a:endParaRPr>
-          </a:p>
-        </p:txBody>
-      </p:sp>
-      <p:sp>
-        <p:nvSpPr>
-          <p:cNvPr id="272" name="Google Shape;272;p35"/>
           <p:cNvSpPr txBox="1"/>
           <p:nvPr/>
         </p:nvSpPr>
@@ -16087,7 +15828,7 @@
                 <a:cs typeface="Average"/>
                 <a:sym typeface="Average"/>
               </a:rPr>
-              <a:t>Test / Train split</a:t>
+              <a:t>Test / Train Split</a:t>
             </a:r>
             <a:endParaRPr b="1" sz="2000" u="sng">
               <a:solidFill>
@@ -16281,6 +16022,738 @@
           </a:p>
         </p:txBody>
       </p:sp>
+      <p:grpSp>
+        <p:nvGrpSpPr>
+          <p:cNvPr id="271" name="Google Shape;271;p35"/>
+          <p:cNvGrpSpPr/>
+          <p:nvPr/>
+        </p:nvGrpSpPr>
+        <p:grpSpPr>
+          <a:xfrm>
+            <a:off x="5812900" y="1584625"/>
+            <a:ext cx="2697600" cy="3365625"/>
+            <a:chOff x="6139950" y="1751650"/>
+            <a:chExt cx="2697600" cy="3365625"/>
+          </a:xfrm>
+        </p:grpSpPr>
+        <p:sp>
+          <p:nvSpPr>
+            <p:cNvPr id="272" name="Google Shape;272;p35"/>
+            <p:cNvSpPr txBox="1"/>
+            <p:nvPr/>
+          </p:nvSpPr>
+          <p:spPr>
+            <a:xfrm>
+              <a:off x="6139950" y="2924950"/>
+              <a:ext cx="2697600" cy="1173300"/>
+            </a:xfrm>
+            <a:prstGeom prst="rect">
+              <a:avLst/>
+            </a:prstGeom>
+            <a:noFill/>
+            <a:ln>
+              <a:noFill/>
+            </a:ln>
+          </p:spPr>
+          <p:txBody>
+            <a:bodyPr anchorCtr="0" anchor="t" bIns="91425" lIns="91425" spcFirstLastPara="1" rIns="91425" wrap="square" tIns="91425">
+              <a:noAutofit/>
+            </a:bodyPr>
+            <a:lstStyle/>
+            <a:p>
+              <a:pPr indent="0" lvl="0" marL="0" rtl="0" algn="l">
+                <a:spcBef>
+                  <a:spcPts val="0"/>
+                </a:spcBef>
+                <a:spcAft>
+                  <a:spcPts val="0"/>
+                </a:spcAft>
+                <a:buNone/>
+              </a:pPr>
+              <a:r>
+                <a:rPr b="1" lang="en" sz="1300" u="sng">
+                  <a:solidFill>
+                    <a:srgbClr val="EFEFEF"/>
+                  </a:solidFill>
+                  <a:latin typeface="Average"/>
+                  <a:ea typeface="Average"/>
+                  <a:cs typeface="Average"/>
+                  <a:sym typeface="Average"/>
+                </a:rPr>
+                <a:t>Readmission By Gender </a:t>
+              </a:r>
+              <a:r>
+                <a:rPr b="1" lang="en" sz="1300" u="sng">
+                  <a:solidFill>
+                    <a:srgbClr val="EFEFEF"/>
+                  </a:solidFill>
+                  <a:latin typeface="Average"/>
+                  <a:ea typeface="Average"/>
+                  <a:cs typeface="Average"/>
+                  <a:sym typeface="Average"/>
+                </a:rPr>
+                <a:t>(Train):</a:t>
+              </a:r>
+              <a:endParaRPr b="1" sz="1300" u="sng">
+                <a:solidFill>
+                  <a:srgbClr val="EFEFEF"/>
+                </a:solidFill>
+                <a:latin typeface="Average"/>
+                <a:ea typeface="Average"/>
+                <a:cs typeface="Average"/>
+                <a:sym typeface="Average"/>
+              </a:endParaRPr>
+            </a:p>
+            <a:p>
+              <a:pPr indent="0" lvl="0" marL="0" rtl="0" algn="l">
+                <a:spcBef>
+                  <a:spcPts val="0"/>
+                </a:spcBef>
+                <a:spcAft>
+                  <a:spcPts val="0"/>
+                </a:spcAft>
+                <a:buNone/>
+              </a:pPr>
+              <a:r>
+                <a:t/>
+              </a:r>
+              <a:endParaRPr sz="1300" u="sng">
+                <a:solidFill>
+                  <a:srgbClr val="EFEFEF"/>
+                </a:solidFill>
+                <a:latin typeface="Average"/>
+                <a:ea typeface="Average"/>
+                <a:cs typeface="Average"/>
+                <a:sym typeface="Average"/>
+              </a:endParaRPr>
+            </a:p>
+            <a:p>
+              <a:pPr indent="0" lvl="0" marL="0" rtl="0" algn="l">
+                <a:spcBef>
+                  <a:spcPts val="0"/>
+                </a:spcBef>
+                <a:spcAft>
+                  <a:spcPts val="0"/>
+                </a:spcAft>
+                <a:buNone/>
+              </a:pPr>
+              <a:r>
+                <a:rPr lang="en" sz="1300">
+                  <a:solidFill>
+                    <a:srgbClr val="EFEFEF"/>
+                  </a:solidFill>
+                  <a:latin typeface="Average"/>
+                  <a:ea typeface="Average"/>
+                  <a:cs typeface="Average"/>
+                  <a:sym typeface="Average"/>
+                </a:rPr>
+                <a:t>Male</a:t>
+              </a:r>
+              <a:r>
+                <a:rPr lang="en" sz="1300">
+                  <a:solidFill>
+                    <a:srgbClr val="EFEFEF"/>
+                  </a:solidFill>
+                  <a:latin typeface="Average"/>
+                  <a:ea typeface="Average"/>
+                  <a:cs typeface="Average"/>
+                  <a:sym typeface="Average"/>
+                </a:rPr>
+                <a:t>         :   </a:t>
+              </a:r>
+              <a:r>
+                <a:rPr lang="en" sz="1300">
+                  <a:solidFill>
+                    <a:srgbClr val="EFEFEF"/>
+                  </a:solidFill>
+                  <a:latin typeface="Average"/>
+                  <a:ea typeface="Average"/>
+                  <a:cs typeface="Average"/>
+                  <a:sym typeface="Average"/>
+                </a:rPr>
+                <a:t>0.040445</a:t>
+              </a:r>
+              <a:endParaRPr sz="1300">
+                <a:solidFill>
+                  <a:srgbClr val="EFEFEF"/>
+                </a:solidFill>
+                <a:latin typeface="Average"/>
+                <a:ea typeface="Average"/>
+                <a:cs typeface="Average"/>
+                <a:sym typeface="Average"/>
+              </a:endParaRPr>
+            </a:p>
+            <a:p>
+              <a:pPr indent="0" lvl="0" marL="0" rtl="0" algn="l">
+                <a:spcBef>
+                  <a:spcPts val="0"/>
+                </a:spcBef>
+                <a:spcAft>
+                  <a:spcPts val="0"/>
+                </a:spcAft>
+                <a:buNone/>
+              </a:pPr>
+              <a:r>
+                <a:rPr lang="en" sz="1300">
+                  <a:solidFill>
+                    <a:srgbClr val="EFEFEF"/>
+                  </a:solidFill>
+                  <a:latin typeface="Average"/>
+                  <a:ea typeface="Average"/>
+                  <a:cs typeface="Average"/>
+                  <a:sym typeface="Average"/>
+                </a:rPr>
+                <a:t>Female</a:t>
+              </a:r>
+              <a:r>
+                <a:rPr lang="en" sz="1300">
+                  <a:solidFill>
+                    <a:schemeClr val="lt1"/>
+                  </a:solidFill>
+                  <a:latin typeface="Average"/>
+                  <a:ea typeface="Average"/>
+                  <a:cs typeface="Average"/>
+                  <a:sym typeface="Average"/>
+                </a:rPr>
+                <a:t>.</a:t>
+              </a:r>
+              <a:r>
+                <a:rPr lang="en" sz="1300">
+                  <a:solidFill>
+                    <a:srgbClr val="EFEFEF"/>
+                  </a:solidFill>
+                  <a:latin typeface="Average"/>
+                  <a:ea typeface="Average"/>
+                  <a:cs typeface="Average"/>
+                  <a:sym typeface="Average"/>
+                </a:rPr>
+                <a:t>     :   </a:t>
+              </a:r>
+              <a:r>
+                <a:rPr lang="en" sz="1300">
+                  <a:solidFill>
+                    <a:srgbClr val="EFEFEF"/>
+                  </a:solidFill>
+                  <a:latin typeface="Average"/>
+                  <a:ea typeface="Average"/>
+                  <a:cs typeface="Average"/>
+                  <a:sym typeface="Average"/>
+                </a:rPr>
+                <a:t>0.047541</a:t>
+              </a:r>
+              <a:endParaRPr sz="1300">
+                <a:solidFill>
+                  <a:srgbClr val="EFEFEF"/>
+                </a:solidFill>
+                <a:latin typeface="Average"/>
+                <a:ea typeface="Average"/>
+                <a:cs typeface="Average"/>
+                <a:sym typeface="Average"/>
+              </a:endParaRPr>
+            </a:p>
+            <a:p>
+              <a:pPr indent="0" lvl="0" marL="0" rtl="0" algn="l">
+                <a:spcBef>
+                  <a:spcPts val="0"/>
+                </a:spcBef>
+                <a:spcAft>
+                  <a:spcPts val="0"/>
+                </a:spcAft>
+                <a:buNone/>
+              </a:pPr>
+              <a:r>
+                <a:t/>
+              </a:r>
+              <a:endParaRPr sz="1300">
+                <a:solidFill>
+                  <a:srgbClr val="EFEFEF"/>
+                </a:solidFill>
+                <a:latin typeface="Average"/>
+                <a:ea typeface="Average"/>
+                <a:cs typeface="Average"/>
+                <a:sym typeface="Average"/>
+              </a:endParaRPr>
+            </a:p>
+            <a:p>
+              <a:pPr indent="0" lvl="0" marL="0" rtl="0" algn="l">
+                <a:spcBef>
+                  <a:spcPts val="0"/>
+                </a:spcBef>
+                <a:spcAft>
+                  <a:spcPts val="0"/>
+                </a:spcAft>
+                <a:buNone/>
+              </a:pPr>
+              <a:r>
+                <a:t/>
+              </a:r>
+              <a:endParaRPr sz="1300">
+                <a:solidFill>
+                  <a:srgbClr val="EFEFEF"/>
+                </a:solidFill>
+                <a:latin typeface="Average"/>
+                <a:ea typeface="Average"/>
+                <a:cs typeface="Average"/>
+                <a:sym typeface="Average"/>
+              </a:endParaRPr>
+            </a:p>
+          </p:txBody>
+        </p:sp>
+        <p:sp>
+          <p:nvSpPr>
+            <p:cNvPr id="273" name="Google Shape;273;p35"/>
+            <p:cNvSpPr txBox="1"/>
+            <p:nvPr/>
+          </p:nvSpPr>
+          <p:spPr>
+            <a:xfrm>
+              <a:off x="6139950" y="3943975"/>
+              <a:ext cx="2697600" cy="1173300"/>
+            </a:xfrm>
+            <a:prstGeom prst="rect">
+              <a:avLst/>
+            </a:prstGeom>
+            <a:noFill/>
+            <a:ln>
+              <a:noFill/>
+            </a:ln>
+          </p:spPr>
+          <p:txBody>
+            <a:bodyPr anchorCtr="0" anchor="t" bIns="91425" lIns="91425" spcFirstLastPara="1" rIns="91425" wrap="square" tIns="91425">
+              <a:noAutofit/>
+            </a:bodyPr>
+            <a:lstStyle/>
+            <a:p>
+              <a:pPr indent="0" lvl="0" marL="0" rtl="0" algn="l">
+                <a:spcBef>
+                  <a:spcPts val="0"/>
+                </a:spcBef>
+                <a:spcAft>
+                  <a:spcPts val="0"/>
+                </a:spcAft>
+                <a:buNone/>
+              </a:pPr>
+              <a:r>
+                <a:rPr b="1" lang="en" sz="1300" u="sng">
+                  <a:solidFill>
+                    <a:srgbClr val="EFEFEF"/>
+                  </a:solidFill>
+                  <a:latin typeface="Average"/>
+                  <a:ea typeface="Average"/>
+                  <a:cs typeface="Average"/>
+                  <a:sym typeface="Average"/>
+                </a:rPr>
+                <a:t>Readmission By Gender (Test):</a:t>
+              </a:r>
+              <a:endParaRPr b="1" sz="1300" u="sng">
+                <a:solidFill>
+                  <a:srgbClr val="EFEFEF"/>
+                </a:solidFill>
+                <a:latin typeface="Average"/>
+                <a:ea typeface="Average"/>
+                <a:cs typeface="Average"/>
+                <a:sym typeface="Average"/>
+              </a:endParaRPr>
+            </a:p>
+            <a:p>
+              <a:pPr indent="0" lvl="0" marL="0" rtl="0" algn="l">
+                <a:spcBef>
+                  <a:spcPts val="0"/>
+                </a:spcBef>
+                <a:spcAft>
+                  <a:spcPts val="0"/>
+                </a:spcAft>
+                <a:buNone/>
+              </a:pPr>
+              <a:r>
+                <a:t/>
+              </a:r>
+              <a:endParaRPr sz="1300" u="sng">
+                <a:solidFill>
+                  <a:srgbClr val="EFEFEF"/>
+                </a:solidFill>
+                <a:latin typeface="Average"/>
+                <a:ea typeface="Average"/>
+                <a:cs typeface="Average"/>
+                <a:sym typeface="Average"/>
+              </a:endParaRPr>
+            </a:p>
+            <a:p>
+              <a:pPr indent="0" lvl="0" marL="0" rtl="0" algn="l">
+                <a:spcBef>
+                  <a:spcPts val="0"/>
+                </a:spcBef>
+                <a:spcAft>
+                  <a:spcPts val="0"/>
+                </a:spcAft>
+                <a:buNone/>
+              </a:pPr>
+              <a:r>
+                <a:rPr lang="en" sz="1300">
+                  <a:solidFill>
+                    <a:srgbClr val="EFEFEF"/>
+                  </a:solidFill>
+                  <a:latin typeface="Average"/>
+                  <a:ea typeface="Average"/>
+                  <a:cs typeface="Average"/>
+                  <a:sym typeface="Average"/>
+                </a:rPr>
+                <a:t>Male         :   0.042576</a:t>
+              </a:r>
+              <a:endParaRPr sz="1300">
+                <a:solidFill>
+                  <a:srgbClr val="EFEFEF"/>
+                </a:solidFill>
+                <a:latin typeface="Average"/>
+                <a:ea typeface="Average"/>
+                <a:cs typeface="Average"/>
+                <a:sym typeface="Average"/>
+              </a:endParaRPr>
+            </a:p>
+            <a:p>
+              <a:pPr indent="0" lvl="0" marL="0" rtl="0" algn="l">
+                <a:spcBef>
+                  <a:spcPts val="0"/>
+                </a:spcBef>
+                <a:spcAft>
+                  <a:spcPts val="0"/>
+                </a:spcAft>
+                <a:buNone/>
+              </a:pPr>
+              <a:r>
+                <a:rPr lang="en" sz="1300">
+                  <a:solidFill>
+                    <a:srgbClr val="EFEFEF"/>
+                  </a:solidFill>
+                  <a:latin typeface="Average"/>
+                  <a:ea typeface="Average"/>
+                  <a:cs typeface="Average"/>
+                  <a:sym typeface="Average"/>
+                </a:rPr>
+                <a:t>Female</a:t>
+              </a:r>
+              <a:r>
+                <a:rPr lang="en" sz="1300">
+                  <a:solidFill>
+                    <a:schemeClr val="lt1"/>
+                  </a:solidFill>
+                  <a:latin typeface="Average"/>
+                  <a:ea typeface="Average"/>
+                  <a:cs typeface="Average"/>
+                  <a:sym typeface="Average"/>
+                </a:rPr>
+                <a:t>.</a:t>
+              </a:r>
+              <a:r>
+                <a:rPr lang="en" sz="1300">
+                  <a:solidFill>
+                    <a:srgbClr val="EFEFEF"/>
+                  </a:solidFill>
+                  <a:latin typeface="Average"/>
+                  <a:ea typeface="Average"/>
+                  <a:cs typeface="Average"/>
+                  <a:sym typeface="Average"/>
+                </a:rPr>
+                <a:t>     :   0.045442</a:t>
+              </a:r>
+              <a:endParaRPr sz="1300">
+                <a:solidFill>
+                  <a:srgbClr val="EFEFEF"/>
+                </a:solidFill>
+                <a:latin typeface="Average"/>
+                <a:ea typeface="Average"/>
+                <a:cs typeface="Average"/>
+                <a:sym typeface="Average"/>
+              </a:endParaRPr>
+            </a:p>
+            <a:p>
+              <a:pPr indent="0" lvl="0" marL="0" rtl="0" algn="l">
+                <a:spcBef>
+                  <a:spcPts val="0"/>
+                </a:spcBef>
+                <a:spcAft>
+                  <a:spcPts val="0"/>
+                </a:spcAft>
+                <a:buNone/>
+              </a:pPr>
+              <a:r>
+                <a:t/>
+              </a:r>
+              <a:endParaRPr sz="1300">
+                <a:solidFill>
+                  <a:srgbClr val="EFEFEF"/>
+                </a:solidFill>
+                <a:latin typeface="Average"/>
+                <a:ea typeface="Average"/>
+                <a:cs typeface="Average"/>
+                <a:sym typeface="Average"/>
+              </a:endParaRPr>
+            </a:p>
+            <a:p>
+              <a:pPr indent="0" lvl="0" marL="0" rtl="0" algn="l">
+                <a:spcBef>
+                  <a:spcPts val="0"/>
+                </a:spcBef>
+                <a:spcAft>
+                  <a:spcPts val="0"/>
+                </a:spcAft>
+                <a:buNone/>
+              </a:pPr>
+              <a:r>
+                <a:t/>
+              </a:r>
+              <a:endParaRPr sz="1300">
+                <a:solidFill>
+                  <a:srgbClr val="EFEFEF"/>
+                </a:solidFill>
+                <a:latin typeface="Average"/>
+                <a:ea typeface="Average"/>
+                <a:cs typeface="Average"/>
+                <a:sym typeface="Average"/>
+              </a:endParaRPr>
+            </a:p>
+          </p:txBody>
+        </p:sp>
+        <p:sp>
+          <p:nvSpPr>
+            <p:cNvPr id="274" name="Google Shape;274;p35"/>
+            <p:cNvSpPr txBox="1"/>
+            <p:nvPr/>
+          </p:nvSpPr>
+          <p:spPr>
+            <a:xfrm>
+              <a:off x="6139950" y="1751650"/>
+              <a:ext cx="2697600" cy="1173300"/>
+            </a:xfrm>
+            <a:prstGeom prst="rect">
+              <a:avLst/>
+            </a:prstGeom>
+            <a:noFill/>
+            <a:ln>
+              <a:noFill/>
+            </a:ln>
+          </p:spPr>
+          <p:txBody>
+            <a:bodyPr anchorCtr="0" anchor="t" bIns="91425" lIns="91425" spcFirstLastPara="1" rIns="91425" wrap="square" tIns="91425">
+              <a:noAutofit/>
+            </a:bodyPr>
+            <a:lstStyle/>
+            <a:p>
+              <a:pPr indent="0" lvl="0" marL="0" rtl="0" algn="l">
+                <a:spcBef>
+                  <a:spcPts val="0"/>
+                </a:spcBef>
+                <a:spcAft>
+                  <a:spcPts val="0"/>
+                </a:spcAft>
+                <a:buNone/>
+              </a:pPr>
+              <a:r>
+                <a:rPr b="1" lang="en" sz="1300" u="sng">
+                  <a:solidFill>
+                    <a:srgbClr val="EFEFEF"/>
+                  </a:solidFill>
+                  <a:latin typeface="Average"/>
+                  <a:ea typeface="Average"/>
+                  <a:cs typeface="Average"/>
+                  <a:sym typeface="Average"/>
+                </a:rPr>
+                <a:t>Readmission By Gender (Original):</a:t>
+              </a:r>
+              <a:endParaRPr b="1" sz="1300" u="sng">
+                <a:solidFill>
+                  <a:srgbClr val="EFEFEF"/>
+                </a:solidFill>
+                <a:latin typeface="Average"/>
+                <a:ea typeface="Average"/>
+                <a:cs typeface="Average"/>
+                <a:sym typeface="Average"/>
+              </a:endParaRPr>
+            </a:p>
+            <a:p>
+              <a:pPr indent="0" lvl="0" marL="0" rtl="0" algn="l">
+                <a:spcBef>
+                  <a:spcPts val="0"/>
+                </a:spcBef>
+                <a:spcAft>
+                  <a:spcPts val="0"/>
+                </a:spcAft>
+                <a:buNone/>
+              </a:pPr>
+              <a:r>
+                <a:t/>
+              </a:r>
+              <a:endParaRPr sz="1300" u="sng">
+                <a:solidFill>
+                  <a:srgbClr val="EFEFEF"/>
+                </a:solidFill>
+                <a:latin typeface="Average"/>
+                <a:ea typeface="Average"/>
+                <a:cs typeface="Average"/>
+                <a:sym typeface="Average"/>
+              </a:endParaRPr>
+            </a:p>
+            <a:p>
+              <a:pPr indent="0" lvl="0" marL="0" rtl="0" algn="l">
+                <a:spcBef>
+                  <a:spcPts val="0"/>
+                </a:spcBef>
+                <a:spcAft>
+                  <a:spcPts val="0"/>
+                </a:spcAft>
+                <a:buNone/>
+              </a:pPr>
+              <a:r>
+                <a:rPr lang="en" sz="1300">
+                  <a:solidFill>
+                    <a:srgbClr val="EFEFEF"/>
+                  </a:solidFill>
+                  <a:latin typeface="Average"/>
+                  <a:ea typeface="Average"/>
+                  <a:cs typeface="Average"/>
+                  <a:sym typeface="Average"/>
+                </a:rPr>
+                <a:t>Male         :   </a:t>
+              </a:r>
+              <a:r>
+                <a:rPr lang="en" sz="1300">
+                  <a:solidFill>
+                    <a:srgbClr val="EFEFEF"/>
+                  </a:solidFill>
+                  <a:latin typeface="Average"/>
+                  <a:ea typeface="Average"/>
+                  <a:cs typeface="Average"/>
+                  <a:sym typeface="Average"/>
+                </a:rPr>
+                <a:t>0.040871</a:t>
+              </a:r>
+              <a:endParaRPr sz="1300">
+                <a:solidFill>
+                  <a:srgbClr val="EFEFEF"/>
+                </a:solidFill>
+                <a:latin typeface="Average"/>
+                <a:ea typeface="Average"/>
+                <a:cs typeface="Average"/>
+                <a:sym typeface="Average"/>
+              </a:endParaRPr>
+            </a:p>
+            <a:p>
+              <a:pPr indent="0" lvl="0" marL="0" rtl="0" algn="l">
+                <a:spcBef>
+                  <a:spcPts val="0"/>
+                </a:spcBef>
+                <a:spcAft>
+                  <a:spcPts val="0"/>
+                </a:spcAft>
+                <a:buNone/>
+              </a:pPr>
+              <a:r>
+                <a:rPr lang="en" sz="1300">
+                  <a:solidFill>
+                    <a:srgbClr val="EFEFEF"/>
+                  </a:solidFill>
+                  <a:latin typeface="Average"/>
+                  <a:ea typeface="Average"/>
+                  <a:cs typeface="Average"/>
+                  <a:sym typeface="Average"/>
+                </a:rPr>
+                <a:t>Female</a:t>
+              </a:r>
+              <a:r>
+                <a:rPr lang="en" sz="1300">
+                  <a:solidFill>
+                    <a:schemeClr val="lt1"/>
+                  </a:solidFill>
+                  <a:latin typeface="Average"/>
+                  <a:ea typeface="Average"/>
+                  <a:cs typeface="Average"/>
+                  <a:sym typeface="Average"/>
+                </a:rPr>
+                <a:t>.</a:t>
+              </a:r>
+              <a:r>
+                <a:rPr lang="en" sz="1300">
+                  <a:solidFill>
+                    <a:srgbClr val="EFEFEF"/>
+                  </a:solidFill>
+                  <a:latin typeface="Average"/>
+                  <a:ea typeface="Average"/>
+                  <a:cs typeface="Average"/>
+                  <a:sym typeface="Average"/>
+                </a:rPr>
+                <a:t>     :   </a:t>
+              </a:r>
+              <a:r>
+                <a:rPr lang="en" sz="1300">
+                  <a:solidFill>
+                    <a:srgbClr val="EFEFEF"/>
+                  </a:solidFill>
+                  <a:latin typeface="Average"/>
+                  <a:ea typeface="Average"/>
+                  <a:cs typeface="Average"/>
+                  <a:sym typeface="Average"/>
+                </a:rPr>
+                <a:t>0.047121</a:t>
+              </a:r>
+              <a:endParaRPr sz="1300">
+                <a:solidFill>
+                  <a:srgbClr val="EFEFEF"/>
+                </a:solidFill>
+                <a:latin typeface="Average"/>
+                <a:ea typeface="Average"/>
+                <a:cs typeface="Average"/>
+                <a:sym typeface="Average"/>
+              </a:endParaRPr>
+            </a:p>
+            <a:p>
+              <a:pPr indent="0" lvl="0" marL="0" rtl="0" algn="l">
+                <a:spcBef>
+                  <a:spcPts val="0"/>
+                </a:spcBef>
+                <a:spcAft>
+                  <a:spcPts val="0"/>
+                </a:spcAft>
+                <a:buNone/>
+              </a:pPr>
+              <a:r>
+                <a:t/>
+              </a:r>
+              <a:endParaRPr sz="1300">
+                <a:solidFill>
+                  <a:srgbClr val="EFEFEF"/>
+                </a:solidFill>
+                <a:latin typeface="Average"/>
+                <a:ea typeface="Average"/>
+                <a:cs typeface="Average"/>
+                <a:sym typeface="Average"/>
+              </a:endParaRPr>
+            </a:p>
+            <a:p>
+              <a:pPr indent="0" lvl="0" marL="0" rtl="0" algn="l">
+                <a:spcBef>
+                  <a:spcPts val="0"/>
+                </a:spcBef>
+                <a:spcAft>
+                  <a:spcPts val="0"/>
+                </a:spcAft>
+                <a:buNone/>
+              </a:pPr>
+              <a:r>
+                <a:t/>
+              </a:r>
+              <a:endParaRPr sz="1300">
+                <a:solidFill>
+                  <a:srgbClr val="EFEFEF"/>
+                </a:solidFill>
+                <a:latin typeface="Average"/>
+                <a:ea typeface="Average"/>
+                <a:cs typeface="Average"/>
+                <a:sym typeface="Average"/>
+              </a:endParaRPr>
+            </a:p>
+          </p:txBody>
+        </p:sp>
+      </p:grpSp>
     </p:spTree>
   </p:cSld>
   <p:clrMapOvr>
@@ -16294,7 +16767,7 @@
   <p:cSld>
     <p:spTree>
       <p:nvGrpSpPr>
-        <p:cNvPr id="276" name="Shape 276"/>
+        <p:cNvPr id="278" name="Shape 278"/>
         <p:cNvGrpSpPr/>
         <p:nvPr/>
       </p:nvGrpSpPr>
@@ -16308,7 +16781,7 @@
       </p:grpSpPr>
       <p:sp>
         <p:nvSpPr>
-          <p:cNvPr id="277" name="Google Shape;277;p36"/>
+          <p:cNvPr id="279" name="Google Shape;279;p36"/>
           <p:cNvSpPr txBox="1"/>
           <p:nvPr>
             <p:ph type="title"/>
@@ -16348,7 +16821,7 @@
       </p:sp>
       <p:sp>
         <p:nvSpPr>
-          <p:cNvPr id="278" name="Google Shape;278;p36"/>
+          <p:cNvPr id="280" name="Google Shape;280;p36"/>
           <p:cNvSpPr txBox="1"/>
           <p:nvPr>
             <p:ph idx="2" type="body"/>
@@ -16463,7 +16936,7 @@
   <p:cSld>
     <p:spTree>
       <p:nvGrpSpPr>
-        <p:cNvPr id="282" name="Shape 282"/>
+        <p:cNvPr id="284" name="Shape 284"/>
         <p:cNvGrpSpPr/>
         <p:nvPr/>
       </p:nvGrpSpPr>
@@ -16477,7 +16950,7 @@
       </p:grpSpPr>
       <p:sp>
         <p:nvSpPr>
-          <p:cNvPr id="283" name="Google Shape;283;p37"/>
+          <p:cNvPr id="285" name="Google Shape;285;p37"/>
           <p:cNvSpPr txBox="1"/>
           <p:nvPr>
             <p:ph type="title"/>
@@ -16509,15 +16982,322 @@
             </a:pPr>
             <a:r>
               <a:rPr lang="en" sz="2800"/>
-              <a:t>Model Selection - Logistic Regression and Cross Validation</a:t>
+              <a:t>Model Selection - Logistic Regression</a:t>
             </a:r>
             <a:endParaRPr sz="2800"/>
+          </a:p>
+        </p:txBody>
+      </p:sp>
+      <p:sp>
+        <p:nvSpPr>
+          <p:cNvPr id="286" name="Google Shape;286;p37"/>
+          <p:cNvSpPr txBox="1"/>
+          <p:nvPr/>
+        </p:nvSpPr>
+        <p:spPr>
+          <a:xfrm>
+            <a:off x="5542850" y="874450"/>
+            <a:ext cx="2978700" cy="405600"/>
+          </a:xfrm>
+          <a:prstGeom prst="rect">
+            <a:avLst/>
+          </a:prstGeom>
+          <a:noFill/>
+          <a:ln>
+            <a:noFill/>
+          </a:ln>
+        </p:spPr>
+        <p:txBody>
+          <a:bodyPr anchorCtr="0" anchor="t" bIns="91425" lIns="91425" spcFirstLastPara="1" rIns="91425" wrap="square" tIns="91425">
+            <a:noAutofit/>
+          </a:bodyPr>
+          <a:lstStyle/>
+          <a:p>
+            <a:pPr indent="0" lvl="0" marL="0" rtl="0" algn="l">
+              <a:spcBef>
+                <a:spcPts val="0"/>
+              </a:spcBef>
+              <a:spcAft>
+                <a:spcPts val="0"/>
+              </a:spcAft>
+              <a:buNone/>
+            </a:pPr>
+            <a:r>
+              <a:rPr lang="en">
+                <a:solidFill>
+                  <a:srgbClr val="FFFFFF"/>
+                </a:solidFill>
+                <a:latin typeface="Average"/>
+                <a:ea typeface="Average"/>
+                <a:cs typeface="Average"/>
+                <a:sym typeface="Average"/>
+              </a:rPr>
+              <a:t>LR &amp; LRCV combined charts</a:t>
+            </a:r>
+            <a:endParaRPr>
+              <a:solidFill>
+                <a:srgbClr val="FFFFFF"/>
+              </a:solidFill>
+              <a:latin typeface="Average"/>
+              <a:ea typeface="Average"/>
+              <a:cs typeface="Average"/>
+              <a:sym typeface="Average"/>
+            </a:endParaRPr>
+          </a:p>
+        </p:txBody>
+      </p:sp>
+      <p:sp>
+        <p:nvSpPr>
+          <p:cNvPr id="287" name="Google Shape;287;p37"/>
+          <p:cNvSpPr txBox="1"/>
+          <p:nvPr>
+            <p:ph idx="4294967295" type="body"/>
+          </p:nvPr>
+        </p:nvSpPr>
+        <p:spPr>
+          <a:xfrm>
+            <a:off x="592125" y="1280050"/>
+            <a:ext cx="3979800" cy="3244200"/>
+          </a:xfrm>
+          <a:prstGeom prst="rect">
+            <a:avLst/>
+          </a:prstGeom>
+        </p:spPr>
+        <p:txBody>
+          <a:bodyPr anchorCtr="0" anchor="t" bIns="91425" lIns="91425" spcFirstLastPara="1" rIns="91425" wrap="square" tIns="91425">
+            <a:noAutofit/>
+          </a:bodyPr>
+          <a:lstStyle/>
+          <a:p>
+            <a:pPr indent="0" lvl="0" marL="0" rtl="0" algn="l">
+              <a:spcBef>
+                <a:spcPts val="0"/>
+              </a:spcBef>
+              <a:spcAft>
+                <a:spcPts val="0"/>
+              </a:spcAft>
+              <a:buNone/>
+            </a:pPr>
+            <a:r>
+              <a:rPr b="1" lang="en" sz="2000" u="sng"/>
+              <a:t>Logistic Regression</a:t>
+            </a:r>
+            <a:r>
+              <a:rPr b="1" lang="en" sz="2000"/>
+              <a:t> </a:t>
+            </a:r>
+            <a:r>
+              <a:rPr lang="en" sz="1400"/>
+              <a:t>(black)</a:t>
+            </a:r>
+            <a:endParaRPr sz="1400"/>
+          </a:p>
+          <a:p>
+            <a:pPr indent="-317500" lvl="0" marL="457200" rtl="0" algn="l">
+              <a:spcBef>
+                <a:spcPts val="0"/>
+              </a:spcBef>
+              <a:spcAft>
+                <a:spcPts val="0"/>
+              </a:spcAft>
+              <a:buSzPts val="1400"/>
+              <a:buChar char="●"/>
+            </a:pPr>
+            <a:r>
+              <a:rPr lang="en" sz="1400"/>
+              <a:t>P</a:t>
+            </a:r>
+            <a:r>
+              <a:rPr lang="en" sz="1400"/>
+              <a:t>roduced poor results</a:t>
+            </a:r>
+            <a:endParaRPr sz="1400"/>
+          </a:p>
+          <a:p>
+            <a:pPr indent="-317500" lvl="1" marL="914400" rtl="0" algn="l">
+              <a:spcBef>
+                <a:spcPts val="0"/>
+              </a:spcBef>
+              <a:spcAft>
+                <a:spcPts val="0"/>
+              </a:spcAft>
+              <a:buSzPts val="1400"/>
+              <a:buChar char="○"/>
+            </a:pPr>
+            <a:r>
+              <a:rPr lang="en"/>
+              <a:t>AUC: 0.547</a:t>
+            </a:r>
+            <a:endParaRPr sz="1400"/>
+          </a:p>
+          <a:p>
+            <a:pPr indent="-317500" lvl="0" marL="457200" rtl="0" algn="l">
+              <a:spcBef>
+                <a:spcPts val="0"/>
+              </a:spcBef>
+              <a:spcAft>
+                <a:spcPts val="0"/>
+              </a:spcAft>
+              <a:buSzPts val="1400"/>
+              <a:buChar char="●"/>
+            </a:pPr>
+            <a:r>
+              <a:rPr lang="en" sz="1400"/>
+              <a:t>Quickly moved on to LRCV</a:t>
+            </a:r>
+            <a:endParaRPr sz="1400"/>
+          </a:p>
+          <a:p>
+            <a:pPr indent="0" lvl="0" marL="0" rtl="0" algn="l">
+              <a:spcBef>
+                <a:spcPts val="1000"/>
+              </a:spcBef>
+              <a:spcAft>
+                <a:spcPts val="0"/>
+              </a:spcAft>
+              <a:buNone/>
+            </a:pPr>
+            <a:r>
+              <a:rPr b="1" lang="en" sz="2000" u="sng"/>
+              <a:t>Logistic Regression w/CV</a:t>
+            </a:r>
+            <a:r>
+              <a:rPr lang="en" sz="1400"/>
+              <a:t> (blue)</a:t>
+            </a:r>
+            <a:endParaRPr/>
+          </a:p>
+          <a:p>
+            <a:pPr indent="-317500" lvl="0" marL="457200" rtl="0" algn="l">
+              <a:spcBef>
+                <a:spcPts val="0"/>
+              </a:spcBef>
+              <a:spcAft>
+                <a:spcPts val="0"/>
+              </a:spcAft>
+              <a:buSzPts val="1400"/>
+              <a:buChar char="●"/>
+            </a:pPr>
+            <a:r>
+              <a:rPr lang="en" sz="1400"/>
+              <a:t>Better AUC: 0.566</a:t>
+            </a:r>
+            <a:endParaRPr sz="1400"/>
+          </a:p>
+          <a:p>
+            <a:pPr indent="-317500" lvl="0" marL="457200" rtl="0" algn="l">
+              <a:spcBef>
+                <a:spcPts val="0"/>
+              </a:spcBef>
+              <a:spcAft>
+                <a:spcPts val="0"/>
+              </a:spcAft>
+              <a:buSzPts val="1400"/>
+              <a:buChar char="●"/>
+            </a:pPr>
+            <a:r>
+              <a:rPr lang="en" sz="1400"/>
+              <a:t>Poor results for feature importance</a:t>
+            </a:r>
+            <a:endParaRPr sz="1400"/>
+          </a:p>
+          <a:p>
+            <a:pPr indent="-317500" lvl="0" marL="457200" rtl="0" algn="l">
+              <a:spcBef>
+                <a:spcPts val="0"/>
+              </a:spcBef>
+              <a:spcAft>
+                <a:spcPts val="0"/>
+              </a:spcAft>
+              <a:buSzPts val="1400"/>
+              <a:buChar char="●"/>
+            </a:pPr>
+            <a:r>
+              <a:rPr lang="en" sz="1400"/>
+              <a:t>Poor results for decile analysis</a:t>
+            </a:r>
+            <a:endParaRPr sz="1400"/>
+          </a:p>
+          <a:p>
+            <a:pPr indent="-317500" lvl="0" marL="457200" rtl="0" algn="l">
+              <a:spcBef>
+                <a:spcPts val="1000"/>
+              </a:spcBef>
+              <a:spcAft>
+                <a:spcPts val="0"/>
+              </a:spcAft>
+              <a:buSzPts val="1400"/>
+              <a:buChar char="●"/>
+            </a:pPr>
+            <a:r>
+              <a:rPr lang="en" sz="1400"/>
+              <a:t>Skewed variables would likely benefit from a more advanced model</a:t>
+            </a:r>
+            <a:endParaRPr sz="1400"/>
+          </a:p>
+          <a:p>
+            <a:pPr indent="0" lvl="0" marL="0" rtl="0" algn="l">
+              <a:spcBef>
+                <a:spcPts val="1600"/>
+              </a:spcBef>
+              <a:spcAft>
+                <a:spcPts val="0"/>
+              </a:spcAft>
+              <a:buNone/>
+            </a:pPr>
+            <a:r>
+              <a:t/>
+            </a:r>
+            <a:endParaRPr b="1" u="sng"/>
+          </a:p>
+          <a:p>
+            <a:pPr indent="0" lvl="0" marL="0" rtl="0" algn="l">
+              <a:spcBef>
+                <a:spcPts val="1600"/>
+              </a:spcBef>
+              <a:spcAft>
+                <a:spcPts val="1600"/>
+              </a:spcAft>
+              <a:buNone/>
+            </a:pPr>
+            <a:r>
+              <a:t/>
+            </a:r>
+            <a:endParaRPr b="1" u="sng"/>
           </a:p>
         </p:txBody>
       </p:sp>
       <p:pic>
         <p:nvPicPr>
-          <p:cNvPr id="284" name="Google Shape;284;p37"/>
+          <p:cNvPr id="288" name="Google Shape;288;p37"/>
+          <p:cNvPicPr preferRelativeResize="0"/>
+          <p:nvPr/>
+        </p:nvPicPr>
+        <p:blipFill>
+          <a:blip r:embed="rId3">
+            <a:alphaModFix/>
+          </a:blip>
+          <a:stretch>
+            <a:fillRect/>
+          </a:stretch>
+        </p:blipFill>
+        <p:spPr>
+          <a:xfrm>
+            <a:off x="4968750" y="1203625"/>
+            <a:ext cx="3565650" cy="3501735"/>
+          </a:xfrm>
+          <a:prstGeom prst="rect">
+            <a:avLst/>
+          </a:prstGeom>
+          <a:noFill/>
+          <a:ln>
+            <a:noFill/>
+          </a:ln>
+        </p:spPr>
+      </p:pic>
+      <p:pic>
+        <p:nvPicPr>
+          <p:cNvPr id="289" name="Google Shape;289;p37"/>
           <p:cNvPicPr preferRelativeResize="0"/>
           <p:nvPr/>
         </p:nvPicPr>
@@ -16531,8 +17311,8 @@
         </p:blipFill>
         <p:spPr>
           <a:xfrm>
-            <a:off x="5008333" y="1280050"/>
-            <a:ext cx="3838875" cy="3510500"/>
+            <a:off x="5292950" y="1370986"/>
+            <a:ext cx="1143375" cy="976065"/>
           </a:xfrm>
           <a:prstGeom prst="rect">
             <a:avLst/>
@@ -16543,179 +17323,6 @@
           </a:ln>
         </p:spPr>
       </p:pic>
-      <p:pic>
-        <p:nvPicPr>
-          <p:cNvPr id="285" name="Google Shape;285;p37"/>
-          <p:cNvPicPr preferRelativeResize="0"/>
-          <p:nvPr/>
-        </p:nvPicPr>
-        <p:blipFill>
-          <a:blip r:embed="rId5">
-            <a:alphaModFix/>
-          </a:blip>
-          <a:stretch>
-            <a:fillRect/>
-          </a:stretch>
-        </p:blipFill>
-        <p:spPr>
-          <a:xfrm>
-            <a:off x="5435484" y="1429650"/>
-            <a:ext cx="1143375" cy="973975"/>
-          </a:xfrm>
-          <a:prstGeom prst="rect">
-            <a:avLst/>
-          </a:prstGeom>
-          <a:noFill/>
-          <a:ln>
-            <a:noFill/>
-          </a:ln>
-        </p:spPr>
-      </p:pic>
-      <p:sp>
-        <p:nvSpPr>
-          <p:cNvPr id="286" name="Google Shape;286;p37"/>
-          <p:cNvSpPr txBox="1"/>
-          <p:nvPr/>
-        </p:nvSpPr>
-        <p:spPr>
-          <a:xfrm>
-            <a:off x="5179400" y="871650"/>
-            <a:ext cx="2978700" cy="405600"/>
-          </a:xfrm>
-          <a:prstGeom prst="rect">
-            <a:avLst/>
-          </a:prstGeom>
-          <a:noFill/>
-          <a:ln>
-            <a:noFill/>
-          </a:ln>
-        </p:spPr>
-        <p:txBody>
-          <a:bodyPr anchorCtr="0" anchor="t" bIns="91425" lIns="91425" spcFirstLastPara="1" rIns="91425" wrap="square" tIns="91425">
-            <a:noAutofit/>
-          </a:bodyPr>
-          <a:lstStyle/>
-          <a:p>
-            <a:pPr indent="0" lvl="0" marL="0" rtl="0" algn="l">
-              <a:spcBef>
-                <a:spcPts val="0"/>
-              </a:spcBef>
-              <a:spcAft>
-                <a:spcPts val="0"/>
-              </a:spcAft>
-              <a:buNone/>
-            </a:pPr>
-            <a:r>
-              <a:rPr lang="en">
-                <a:solidFill>
-                  <a:srgbClr val="FFFFFF"/>
-                </a:solidFill>
-                <a:latin typeface="Average"/>
-                <a:ea typeface="Average"/>
-                <a:cs typeface="Average"/>
-                <a:sym typeface="Average"/>
-              </a:rPr>
-              <a:t>LR &amp; LRCV combined charts</a:t>
-            </a:r>
-            <a:endParaRPr>
-              <a:solidFill>
-                <a:srgbClr val="FFFFFF"/>
-              </a:solidFill>
-              <a:latin typeface="Average"/>
-              <a:ea typeface="Average"/>
-              <a:cs typeface="Average"/>
-              <a:sym typeface="Average"/>
-            </a:endParaRPr>
-          </a:p>
-        </p:txBody>
-      </p:sp>
-      <p:sp>
-        <p:nvSpPr>
-          <p:cNvPr id="287" name="Google Shape;287;p37"/>
-          <p:cNvSpPr txBox="1"/>
-          <p:nvPr>
-            <p:ph idx="4294967295" type="body"/>
-          </p:nvPr>
-        </p:nvSpPr>
-        <p:spPr>
-          <a:xfrm>
-            <a:off x="278450" y="1280050"/>
-            <a:ext cx="3979800" cy="3244200"/>
-          </a:xfrm>
-          <a:prstGeom prst="rect">
-            <a:avLst/>
-          </a:prstGeom>
-        </p:spPr>
-        <p:txBody>
-          <a:bodyPr anchorCtr="0" anchor="t" bIns="91425" lIns="91425" spcFirstLastPara="1" rIns="91425" wrap="square" tIns="91425">
-            <a:noAutofit/>
-          </a:bodyPr>
-          <a:lstStyle/>
-          <a:p>
-            <a:pPr indent="0" lvl="0" marL="0" rtl="0" algn="l">
-              <a:spcBef>
-                <a:spcPts val="0"/>
-              </a:spcBef>
-              <a:spcAft>
-                <a:spcPts val="0"/>
-              </a:spcAft>
-              <a:buNone/>
-            </a:pPr>
-            <a:r>
-              <a:rPr b="1" lang="en" sz="2000" u="sng"/>
-              <a:t>Filler:</a:t>
-            </a:r>
-            <a:endParaRPr b="1" sz="2000" u="sng"/>
-          </a:p>
-          <a:p>
-            <a:pPr indent="-317500" lvl="0" marL="457200" rtl="0" algn="l">
-              <a:spcBef>
-                <a:spcPts val="1600"/>
-              </a:spcBef>
-              <a:spcAft>
-                <a:spcPts val="0"/>
-              </a:spcAft>
-              <a:buSzPts val="1400"/>
-              <a:buChar char="●"/>
-            </a:pPr>
-            <a:r>
-              <a:rPr lang="en" sz="1400"/>
-              <a:t>filler</a:t>
-            </a:r>
-            <a:endParaRPr/>
-          </a:p>
-          <a:p>
-            <a:pPr indent="0" lvl="0" marL="0" rtl="0" algn="l">
-              <a:spcBef>
-                <a:spcPts val="1600"/>
-              </a:spcBef>
-              <a:spcAft>
-                <a:spcPts val="0"/>
-              </a:spcAft>
-              <a:buNone/>
-            </a:pPr>
-            <a:r>
-              <a:t/>
-            </a:r>
-            <a:endParaRPr b="1" u="sng"/>
-          </a:p>
-          <a:p>
-            <a:pPr indent="0" lvl="0" marL="0" rtl="0" algn="l">
-              <a:spcBef>
-                <a:spcPts val="1600"/>
-              </a:spcBef>
-              <a:spcAft>
-                <a:spcPts val="1600"/>
-              </a:spcAft>
-              <a:buNone/>
-            </a:pPr>
-            <a:r>
-              <a:t/>
-            </a:r>
-            <a:endParaRPr b="1" u="sng"/>
-          </a:p>
-        </p:txBody>
-      </p:sp>
     </p:spTree>
   </p:cSld>
   <p:clrMapOvr>
@@ -16729,7 +17336,7 @@
   <p:cSld>
     <p:spTree>
       <p:nvGrpSpPr>
-        <p:cNvPr id="291" name="Shape 291"/>
+        <p:cNvPr id="293" name="Shape 293"/>
         <p:cNvGrpSpPr/>
         <p:nvPr/>
       </p:nvGrpSpPr>
@@ -16743,7 +17350,7 @@
       </p:grpSpPr>
       <p:sp>
         <p:nvSpPr>
-          <p:cNvPr id="292" name="Google Shape;292;p38"/>
+          <p:cNvPr id="294" name="Google Shape;294;p38"/>
           <p:cNvSpPr txBox="1"/>
           <p:nvPr>
             <p:ph type="title"/>
@@ -16781,9 +17388,155 @@
           </a:p>
         </p:txBody>
       </p:sp>
+      <p:sp>
+        <p:nvSpPr>
+          <p:cNvPr id="295" name="Google Shape;295;p38"/>
+          <p:cNvSpPr txBox="1"/>
+          <p:nvPr>
+            <p:ph idx="4294967295" type="body"/>
+          </p:nvPr>
+        </p:nvSpPr>
+        <p:spPr>
+          <a:xfrm>
+            <a:off x="592125" y="1199375"/>
+            <a:ext cx="3979800" cy="3244200"/>
+          </a:xfrm>
+          <a:prstGeom prst="rect">
+            <a:avLst/>
+          </a:prstGeom>
+        </p:spPr>
+        <p:txBody>
+          <a:bodyPr anchorCtr="0" anchor="t" bIns="91425" lIns="91425" spcFirstLastPara="1" rIns="91425" wrap="square" tIns="91425">
+            <a:noAutofit/>
+          </a:bodyPr>
+          <a:lstStyle/>
+          <a:p>
+            <a:pPr indent="0" lvl="0" marL="0" rtl="0" algn="l">
+              <a:spcBef>
+                <a:spcPts val="0"/>
+              </a:spcBef>
+              <a:spcAft>
+                <a:spcPts val="0"/>
+              </a:spcAft>
+              <a:buNone/>
+            </a:pPr>
+            <a:r>
+              <a:rPr b="1" lang="en" sz="2000" u="sng"/>
+              <a:t>Random Forest Model</a:t>
+            </a:r>
+            <a:r>
+              <a:rPr b="1" lang="en" sz="2000"/>
+              <a:t> </a:t>
+            </a:r>
+            <a:r>
+              <a:rPr lang="en" sz="1400"/>
+              <a:t>(green)</a:t>
+            </a:r>
+            <a:endParaRPr b="1" sz="2000" u="sng"/>
+          </a:p>
+          <a:p>
+            <a:pPr indent="-317500" lvl="0" marL="457200" rtl="0" algn="l">
+              <a:spcBef>
+                <a:spcPts val="1600"/>
+              </a:spcBef>
+              <a:spcAft>
+                <a:spcPts val="0"/>
+              </a:spcAft>
+              <a:buSzPts val="1400"/>
+              <a:buChar char="●"/>
+            </a:pPr>
+            <a:r>
+              <a:rPr lang="en" sz="1400"/>
+              <a:t>Similar AUC:  0.563</a:t>
+            </a:r>
+            <a:endParaRPr sz="1400"/>
+          </a:p>
+          <a:p>
+            <a:pPr indent="-317500" lvl="0" marL="457200" rtl="0" algn="l">
+              <a:spcBef>
+                <a:spcPts val="0"/>
+              </a:spcBef>
+              <a:spcAft>
+                <a:spcPts val="0"/>
+              </a:spcAft>
+              <a:buSzPts val="1400"/>
+              <a:buChar char="●"/>
+            </a:pPr>
+            <a:r>
+              <a:rPr lang="en" sz="1400"/>
+              <a:t>Much improved feature importance</a:t>
+            </a:r>
+            <a:endParaRPr sz="1400"/>
+          </a:p>
+          <a:p>
+            <a:pPr indent="-317500" lvl="0" marL="457200" rtl="0" algn="l">
+              <a:spcBef>
+                <a:spcPts val="0"/>
+              </a:spcBef>
+              <a:spcAft>
+                <a:spcPts val="0"/>
+              </a:spcAft>
+              <a:buSzPts val="1400"/>
+              <a:buChar char="●"/>
+            </a:pPr>
+            <a:r>
+              <a:rPr lang="en" sz="1400"/>
+              <a:t>Improved decile results</a:t>
+            </a:r>
+            <a:endParaRPr sz="1400"/>
+          </a:p>
+          <a:p>
+            <a:pPr indent="-317500" lvl="0" marL="457200" rtl="0" algn="l">
+              <a:spcBef>
+                <a:spcPts val="1000"/>
+              </a:spcBef>
+              <a:spcAft>
+                <a:spcPts val="0"/>
+              </a:spcAft>
+              <a:buSzPts val="1400"/>
+              <a:buChar char="●"/>
+            </a:pPr>
+            <a:r>
+              <a:rPr lang="en" sz="1400"/>
+              <a:t>Suspected that some form of gradient boost would improve scores given our data construction</a:t>
+            </a:r>
+            <a:endParaRPr sz="1400"/>
+          </a:p>
+          <a:p>
+            <a:pPr indent="0" lvl="0" marL="0" rtl="0" algn="l">
+              <a:spcBef>
+                <a:spcPts val="1600"/>
+              </a:spcBef>
+              <a:spcAft>
+                <a:spcPts val="0"/>
+              </a:spcAft>
+              <a:buNone/>
+            </a:pPr>
+            <a:r>
+              <a:t/>
+            </a:r>
+            <a:endParaRPr b="1" u="sng"/>
+          </a:p>
+          <a:p>
+            <a:pPr indent="0" lvl="0" marL="0" rtl="0" algn="l">
+              <a:spcBef>
+                <a:spcPts val="1600"/>
+              </a:spcBef>
+              <a:spcAft>
+                <a:spcPts val="1600"/>
+              </a:spcAft>
+              <a:buNone/>
+            </a:pPr>
+            <a:r>
+              <a:t/>
+            </a:r>
+            <a:endParaRPr b="1" u="sng"/>
+          </a:p>
+        </p:txBody>
+      </p:sp>
       <p:pic>
         <p:nvPicPr>
-          <p:cNvPr id="293" name="Google Shape;293;p38"/>
+          <p:cNvPr id="296" name="Google Shape;296;p38"/>
           <p:cNvPicPr preferRelativeResize="0"/>
           <p:nvPr/>
         </p:nvPicPr>
@@ -16797,8 +17550,8 @@
         </p:blipFill>
         <p:spPr>
           <a:xfrm>
-            <a:off x="4435650" y="1052550"/>
-            <a:ext cx="4008663" cy="3711051"/>
+            <a:off x="4950750" y="1199375"/>
+            <a:ext cx="3583650" cy="3519425"/>
           </a:xfrm>
           <a:prstGeom prst="rect">
             <a:avLst/>
@@ -16811,7 +17564,7 @@
       </p:pic>
       <p:pic>
         <p:nvPicPr>
-          <p:cNvPr id="294" name="Google Shape;294;p38"/>
+          <p:cNvPr id="297" name="Google Shape;297;p38"/>
           <p:cNvPicPr preferRelativeResize="0"/>
           <p:nvPr/>
         </p:nvPicPr>
@@ -16825,7 +17578,7 @@
         </p:blipFill>
         <p:spPr>
           <a:xfrm>
-            <a:off x="4860675" y="1199375"/>
+            <a:off x="5268850" y="1359425"/>
             <a:ext cx="979545" cy="861000"/>
           </a:xfrm>
           <a:prstGeom prst="rect">
@@ -16837,93 +17590,6 @@
           </a:ln>
         </p:spPr>
       </p:pic>
-      <p:sp>
-        <p:nvSpPr>
-          <p:cNvPr id="295" name="Google Shape;295;p38"/>
-          <p:cNvSpPr txBox="1"/>
-          <p:nvPr>
-            <p:ph idx="4294967295" type="body"/>
-          </p:nvPr>
-        </p:nvSpPr>
-        <p:spPr>
-          <a:xfrm>
-            <a:off x="245925" y="1127650"/>
-            <a:ext cx="3979800" cy="3244200"/>
-          </a:xfrm>
-          <a:prstGeom prst="rect">
-            <a:avLst/>
-          </a:prstGeom>
-        </p:spPr>
-        <p:txBody>
-          <a:bodyPr anchorCtr="0" anchor="t" bIns="91425" lIns="91425" spcFirstLastPara="1" rIns="91425" wrap="square" tIns="91425">
-            <a:noAutofit/>
-          </a:bodyPr>
-          <a:lstStyle/>
-          <a:p>
-            <a:pPr indent="0" lvl="0" marL="0" rtl="0" algn="l">
-              <a:spcBef>
-                <a:spcPts val="0"/>
-              </a:spcBef>
-              <a:spcAft>
-                <a:spcPts val="0"/>
-              </a:spcAft>
-              <a:buNone/>
-            </a:pPr>
-            <a:r>
-              <a:rPr b="1" lang="en" sz="2000" u="sng"/>
-              <a:t>Filler:</a:t>
-            </a:r>
-            <a:endParaRPr b="1" sz="2000" u="sng"/>
-          </a:p>
-          <a:p>
-            <a:pPr indent="-317500" lvl="0" marL="457200" rtl="0" algn="l">
-              <a:spcBef>
-                <a:spcPts val="1600"/>
-              </a:spcBef>
-              <a:spcAft>
-                <a:spcPts val="0"/>
-              </a:spcAft>
-              <a:buSzPts val="1400"/>
-              <a:buChar char="●"/>
-            </a:pPr>
-            <a:r>
-              <a:rPr lang="en" sz="1400"/>
-              <a:t>filler</a:t>
-            </a:r>
-            <a:endParaRPr/>
-          </a:p>
-          <a:p>
-            <a:pPr indent="0" lvl="0" marL="0" rtl="0" algn="l">
-              <a:spcBef>
-                <a:spcPts val="1600"/>
-              </a:spcBef>
-              <a:spcAft>
-                <a:spcPts val="0"/>
-              </a:spcAft>
-              <a:buNone/>
-            </a:pPr>
-            <a:r>
-              <a:t/>
-            </a:r>
-            <a:endParaRPr b="1" u="sng"/>
-          </a:p>
-          <a:p>
-            <a:pPr indent="0" lvl="0" marL="0" rtl="0" algn="l">
-              <a:spcBef>
-                <a:spcPts val="1600"/>
-              </a:spcBef>
-              <a:spcAft>
-                <a:spcPts val="1600"/>
-              </a:spcAft>
-              <a:buNone/>
-            </a:pPr>
-            <a:r>
-              <a:t/>
-            </a:r>
-            <a:endParaRPr b="1" u="sng"/>
-          </a:p>
-        </p:txBody>
-      </p:sp>
     </p:spTree>
   </p:cSld>
   <p:clrMapOvr>
@@ -16937,7 +17603,7 @@
   <p:cSld>
     <p:spTree>
       <p:nvGrpSpPr>
-        <p:cNvPr id="299" name="Shape 299"/>
+        <p:cNvPr id="301" name="Shape 301"/>
         <p:cNvGrpSpPr/>
         <p:nvPr/>
       </p:nvGrpSpPr>
@@ -16951,7 +17617,7 @@
       </p:grpSpPr>
       <p:sp>
         <p:nvSpPr>
-          <p:cNvPr id="300" name="Google Shape;300;p39"/>
+          <p:cNvPr id="302" name="Google Shape;302;p39"/>
           <p:cNvSpPr txBox="1"/>
           <p:nvPr>
             <p:ph type="title"/>
@@ -16983,148 +17649,9 @@
             </a:pPr>
             <a:r>
               <a:rPr lang="en"/>
-              <a:t>Model Selection - XGBoost: Oversampling</a:t>
+              <a:t>Model Selection - XGBoost</a:t>
             </a:r>
             <a:endParaRPr/>
-          </a:p>
-        </p:txBody>
-      </p:sp>
-      <p:sp>
-        <p:nvSpPr>
-          <p:cNvPr id="301" name="Google Shape;301;p39"/>
-          <p:cNvSpPr txBox="1"/>
-          <p:nvPr>
-            <p:ph idx="4294967295" type="body"/>
-          </p:nvPr>
-        </p:nvSpPr>
-        <p:spPr>
-          <a:xfrm>
-            <a:off x="376550" y="1100050"/>
-            <a:ext cx="3639900" cy="3416400"/>
-          </a:xfrm>
-          <a:prstGeom prst="rect">
-            <a:avLst/>
-          </a:prstGeom>
-        </p:spPr>
-        <p:txBody>
-          <a:bodyPr anchorCtr="0" anchor="t" bIns="91425" lIns="91425" spcFirstLastPara="1" rIns="91425" wrap="square" tIns="91425">
-            <a:noAutofit/>
-          </a:bodyPr>
-          <a:lstStyle/>
-          <a:p>
-            <a:pPr indent="0" lvl="0" marL="0" rtl="0" algn="l">
-              <a:spcBef>
-                <a:spcPts val="0"/>
-              </a:spcBef>
-              <a:spcAft>
-                <a:spcPts val="1600"/>
-              </a:spcAft>
-              <a:buNone/>
-            </a:pPr>
-            <a:r>
-              <a:rPr b="1" lang="en" sz="2100" u="sng">
-                <a:solidFill>
-                  <a:schemeClr val="lt2"/>
-                </a:solidFill>
-              </a:rPr>
-              <a:t>Over Sampling Results</a:t>
-            </a:r>
-            <a:r>
-              <a:rPr b="1" lang="en" sz="2100" u="sng">
-                <a:solidFill>
-                  <a:schemeClr val="lt2"/>
-                </a:solidFill>
-              </a:rPr>
-              <a:t>:</a:t>
-            </a:r>
-            <a:endParaRPr sz="1600" u="sng">
-              <a:solidFill>
-                <a:schemeClr val="lt2"/>
-              </a:solidFill>
-            </a:endParaRPr>
-          </a:p>
-        </p:txBody>
-      </p:sp>
-      <p:sp>
-        <p:nvSpPr>
-          <p:cNvPr id="302" name="Google Shape;302;p39"/>
-          <p:cNvSpPr txBox="1"/>
-          <p:nvPr>
-            <p:ph idx="4294967295" type="body"/>
-          </p:nvPr>
-        </p:nvSpPr>
-        <p:spPr>
-          <a:xfrm>
-            <a:off x="4805750" y="1152475"/>
-            <a:ext cx="3999900" cy="3416400"/>
-          </a:xfrm>
-          <a:prstGeom prst="rect">
-            <a:avLst/>
-          </a:prstGeom>
-        </p:spPr>
-        <p:txBody>
-          <a:bodyPr anchorCtr="0" anchor="t" bIns="91425" lIns="91425" spcFirstLastPara="1" rIns="91425" wrap="square" tIns="91425">
-            <a:noAutofit/>
-          </a:bodyPr>
-          <a:lstStyle/>
-          <a:p>
-            <a:pPr indent="0" lvl="0" marL="0" rtl="0" algn="l">
-              <a:spcBef>
-                <a:spcPts val="0"/>
-              </a:spcBef>
-              <a:spcAft>
-                <a:spcPts val="0"/>
-              </a:spcAft>
-              <a:buNone/>
-            </a:pPr>
-            <a:r>
-              <a:rPr b="1" lang="en" sz="2100" u="sng"/>
-              <a:t>Under Sampling Results</a:t>
-            </a:r>
-            <a:r>
-              <a:rPr b="1" lang="en" sz="2100" u="sng"/>
-              <a:t>:</a:t>
-            </a:r>
-            <a:endParaRPr b="1" sz="2100" u="sng"/>
-          </a:p>
-          <a:p>
-            <a:pPr indent="0" lvl="0" marL="0" rtl="0" algn="l">
-              <a:spcBef>
-                <a:spcPts val="1600"/>
-              </a:spcBef>
-              <a:spcAft>
-                <a:spcPts val="0"/>
-              </a:spcAft>
-              <a:buNone/>
-            </a:pPr>
-            <a:r>
-              <a:rPr b="1" lang="en" sz="2100" u="sng">
-                <a:solidFill>
-                  <a:schemeClr val="dk1"/>
-                </a:solidFill>
-              </a:rPr>
-              <a:t> </a:t>
-            </a:r>
-            <a:endParaRPr b="1" sz="2100" u="sng">
-              <a:solidFill>
-                <a:schemeClr val="dk1"/>
-              </a:solidFill>
-            </a:endParaRPr>
-          </a:p>
-          <a:p>
-            <a:pPr indent="0" lvl="0" marL="457200" rtl="0" algn="l">
-              <a:spcBef>
-                <a:spcPts val="1600"/>
-              </a:spcBef>
-              <a:spcAft>
-                <a:spcPts val="1600"/>
-              </a:spcAft>
-              <a:buNone/>
-            </a:pPr>
-            <a:r>
-              <a:t/>
-            </a:r>
-            <a:endParaRPr sz="1800" u="sng"/>
           </a:p>
         </p:txBody>
       </p:sp>
@@ -17136,8 +17663,8 @@
         </p:nvSpPr>
         <p:spPr>
           <a:xfrm>
-            <a:off x="2955247" y="2897000"/>
-            <a:ext cx="2305800" cy="1026600"/>
+            <a:off x="706825" y="1181025"/>
+            <a:ext cx="3865200" cy="3398100"/>
           </a:xfrm>
           <a:prstGeom prst="rect">
             <a:avLst/>
@@ -17154,16 +17681,19 @@
           <a:lstStyle/>
           <a:p>
             <a:pPr indent="0" lvl="0" marL="0" rtl="0" algn="l">
-              <a:spcBef>
-                <a:spcPts val="0"/>
-              </a:spcBef>
-              <a:spcAft>
-                <a:spcPts val="0"/>
-              </a:spcAft>
-              <a:buNone/>
-            </a:pPr>
-            <a:r>
-              <a:rPr b="1" lang="en" sz="1200" u="sng">
+              <a:lnSpc>
+                <a:spcPct val="115000"/>
+              </a:lnSpc>
+              <a:spcBef>
+                <a:spcPts val="0"/>
+              </a:spcBef>
+              <a:spcAft>
+                <a:spcPts val="0"/>
+              </a:spcAft>
+              <a:buNone/>
+            </a:pPr>
+            <a:r>
+              <a:rPr b="1" lang="en" sz="2000" u="sng">
                 <a:solidFill>
                   <a:schemeClr val="accent3"/>
                 </a:solidFill>
@@ -17172,9 +17702,33 @@
                 <a:cs typeface="Average"/>
                 <a:sym typeface="Average"/>
               </a:rPr>
-              <a:t>Readmission Pre Under:</a:t>
-            </a:r>
-            <a:endParaRPr b="1" sz="1200" u="sng">
+              <a:t>XGBoost</a:t>
+            </a:r>
+            <a:r>
+              <a:rPr lang="en" sz="2000">
+                <a:solidFill>
+                  <a:schemeClr val="accent3"/>
+                </a:solidFill>
+                <a:latin typeface="Average"/>
+                <a:ea typeface="Average"/>
+                <a:cs typeface="Average"/>
+                <a:sym typeface="Average"/>
+              </a:rPr>
+              <a:t> </a:t>
+            </a:r>
+            <a:r>
+              <a:rPr lang="en">
+                <a:solidFill>
+                  <a:schemeClr val="accent3"/>
+                </a:solidFill>
+                <a:latin typeface="Average"/>
+                <a:ea typeface="Average"/>
+                <a:cs typeface="Average"/>
+                <a:sym typeface="Average"/>
+              </a:rPr>
+              <a:t>(orange)</a:t>
+            </a:r>
+            <a:endParaRPr>
               <a:solidFill>
                 <a:schemeClr val="accent3"/>
               </a:solidFill>
@@ -17185,19 +17739,36 @@
             </a:endParaRPr>
           </a:p>
           <a:p>
-            <a:pPr indent="0" lvl="0" marL="0" rtl="0" algn="l">
-              <a:spcBef>
-                <a:spcPts val="0"/>
-              </a:spcBef>
-              <a:spcAft>
-                <a:spcPts val="0"/>
-              </a:spcAft>
-              <a:buNone/>
-            </a:pPr>
-            <a:r>
-              <a:t/>
-            </a:r>
-            <a:endParaRPr sz="1200" u="sng">
+            <a:pPr indent="-317500" lvl="0" marL="457200" rtl="0" algn="l">
+              <a:lnSpc>
+                <a:spcPct val="115000"/>
+              </a:lnSpc>
+              <a:spcBef>
+                <a:spcPts val="1000"/>
+              </a:spcBef>
+              <a:spcAft>
+                <a:spcPts val="0"/>
+              </a:spcAft>
+              <a:buClr>
+                <a:schemeClr val="accent3"/>
+              </a:buClr>
+              <a:buSzPts val="1400"/>
+              <a:buFont typeface="Average"/>
+              <a:buChar char="●"/>
+            </a:pPr>
+            <a:r>
+              <a:rPr lang="en">
+                <a:solidFill>
+                  <a:schemeClr val="accent3"/>
+                </a:solidFill>
+                <a:latin typeface="Average"/>
+                <a:ea typeface="Average"/>
+                <a:cs typeface="Average"/>
+                <a:sym typeface="Average"/>
+              </a:rPr>
+              <a:t>0.568: highest AUC of base models</a:t>
+            </a:r>
+            <a:endParaRPr>
               <a:solidFill>
                 <a:schemeClr val="accent3"/>
               </a:solidFill>
@@ -17208,17 +17779,25 @@
             </a:endParaRPr>
           </a:p>
           <a:p>
-            <a:pPr indent="0" lvl="0" marL="0" rtl="0" algn="l">
-              <a:spcBef>
-                <a:spcPts val="0"/>
-              </a:spcBef>
-              <a:spcAft>
-                <a:spcPts val="0"/>
-              </a:spcAft>
-              <a:buNone/>
-            </a:pPr>
-            <a:r>
-              <a:rPr lang="en" sz="1200">
+            <a:pPr indent="-317500" lvl="0" marL="457200" rtl="0" algn="l">
+              <a:lnSpc>
+                <a:spcPct val="115000"/>
+              </a:lnSpc>
+              <a:spcBef>
+                <a:spcPts val="0"/>
+              </a:spcBef>
+              <a:spcAft>
+                <a:spcPts val="0"/>
+              </a:spcAft>
+              <a:buClr>
+                <a:schemeClr val="accent3"/>
+              </a:buClr>
+              <a:buSzPts val="1400"/>
+              <a:buFont typeface="Average"/>
+              <a:buChar char="●"/>
+            </a:pPr>
+            <a:r>
+              <a:rPr lang="en">
                 <a:solidFill>
                   <a:schemeClr val="accent3"/>
                 </a:solidFill>
@@ -17227,9 +17806,9 @@
                 <a:cs typeface="Average"/>
                 <a:sym typeface="Average"/>
               </a:rPr>
-              <a:t>No    :   52178</a:t>
-            </a:r>
-            <a:endParaRPr sz="1200">
+              <a:t>Good feat. imp. and dec. analysis</a:t>
+            </a:r>
+            <a:endParaRPr>
               <a:solidFill>
                 <a:schemeClr val="accent3"/>
               </a:solidFill>
@@ -17240,17 +17819,25 @@
             </a:endParaRPr>
           </a:p>
           <a:p>
-            <a:pPr indent="0" lvl="0" marL="0" rtl="0" algn="l">
-              <a:spcBef>
-                <a:spcPts val="0"/>
-              </a:spcBef>
-              <a:spcAft>
-                <a:spcPts val="0"/>
-              </a:spcAft>
-              <a:buNone/>
-            </a:pPr>
-            <a:r>
-              <a:rPr lang="en" sz="1200">
+            <a:pPr indent="-317500" lvl="0" marL="457200" rtl="0" algn="l">
+              <a:lnSpc>
+                <a:spcPct val="115000"/>
+              </a:lnSpc>
+              <a:spcBef>
+                <a:spcPts val="1000"/>
+              </a:spcBef>
+              <a:spcAft>
+                <a:spcPts val="0"/>
+              </a:spcAft>
+              <a:buClr>
+                <a:schemeClr val="accent3"/>
+              </a:buClr>
+              <a:buSzPts val="1400"/>
+              <a:buFont typeface="Average"/>
+              <a:buChar char="●"/>
+            </a:pPr>
+            <a:r>
+              <a:rPr lang="en">
                 <a:solidFill>
                   <a:schemeClr val="accent3"/>
                 </a:solidFill>
@@ -17259,9 +17846,9 @@
                 <a:cs typeface="Average"/>
                 <a:sym typeface="Average"/>
               </a:rPr>
-              <a:t>Yes    :   5034</a:t>
-            </a:r>
-            <a:endParaRPr sz="1200">
+              <a:t>Employed undersampling techniques for classes to further balance the data</a:t>
+            </a:r>
+            <a:endParaRPr>
               <a:solidFill>
                 <a:schemeClr val="accent3"/>
               </a:solidFill>
@@ -17273,88 +17860,19 @@
           </a:p>
           <a:p>
             <a:pPr indent="0" lvl="0" marL="0" rtl="0" algn="l">
-              <a:spcBef>
-                <a:spcPts val="0"/>
-              </a:spcBef>
-              <a:spcAft>
-                <a:spcPts val="0"/>
-              </a:spcAft>
-              <a:buNone/>
-            </a:pPr>
-            <a:r>
-              <a:t/>
-            </a:r>
-            <a:endParaRPr sz="1200">
-              <a:solidFill>
-                <a:srgbClr val="EFEFEF"/>
-              </a:solidFill>
-              <a:latin typeface="Average"/>
-              <a:ea typeface="Average"/>
-              <a:cs typeface="Average"/>
-              <a:sym typeface="Average"/>
-            </a:endParaRPr>
-          </a:p>
-          <a:p>
-            <a:pPr indent="0" lvl="0" marL="0" rtl="0" algn="l">
-              <a:spcBef>
-                <a:spcPts val="0"/>
-              </a:spcBef>
-              <a:spcAft>
-                <a:spcPts val="0"/>
-              </a:spcAft>
-              <a:buNone/>
-            </a:pPr>
-            <a:r>
-              <a:t/>
-            </a:r>
-            <a:endParaRPr sz="1200">
-              <a:solidFill>
-                <a:srgbClr val="EFEFEF"/>
-              </a:solidFill>
-              <a:latin typeface="Average"/>
-              <a:ea typeface="Average"/>
-              <a:cs typeface="Average"/>
-              <a:sym typeface="Average"/>
-            </a:endParaRPr>
-          </a:p>
-        </p:txBody>
-      </p:sp>
-      <p:sp>
-        <p:nvSpPr>
-          <p:cNvPr id="304" name="Google Shape;304;p39"/>
-          <p:cNvSpPr txBox="1"/>
-          <p:nvPr/>
-        </p:nvSpPr>
-        <p:spPr>
-          <a:xfrm>
-            <a:off x="3124247" y="3639549"/>
-            <a:ext cx="1681500" cy="1026600"/>
-          </a:xfrm>
-          <a:prstGeom prst="rect">
-            <a:avLst/>
-          </a:prstGeom>
-          <a:noFill/>
-          <a:ln>
-            <a:noFill/>
-          </a:ln>
-        </p:spPr>
-        <p:txBody>
-          <a:bodyPr anchorCtr="0" anchor="t" bIns="91425" lIns="91425" spcFirstLastPara="1" rIns="91425" wrap="square" tIns="91425">
-            <a:noAutofit/>
-          </a:bodyPr>
-          <a:lstStyle/>
-          <a:p>
-            <a:pPr indent="0" lvl="0" marL="0" rtl="0" algn="l">
-              <a:spcBef>
-                <a:spcPts val="0"/>
-              </a:spcBef>
-              <a:spcAft>
-                <a:spcPts val="0"/>
-              </a:spcAft>
-              <a:buNone/>
-            </a:pPr>
-            <a:r>
-              <a:rPr b="1" lang="en" sz="1200" u="sng">
+              <a:lnSpc>
+                <a:spcPct val="115000"/>
+              </a:lnSpc>
+              <a:spcBef>
+                <a:spcPts val="1000"/>
+              </a:spcBef>
+              <a:spcAft>
+                <a:spcPts val="0"/>
+              </a:spcAft>
+              <a:buNone/>
+            </a:pPr>
+            <a:r>
+              <a:rPr b="1" lang="en" sz="2000" u="sng">
                 <a:solidFill>
                   <a:schemeClr val="accent3"/>
                 </a:solidFill>
@@ -17363,9 +17881,21 @@
                 <a:cs typeface="Average"/>
                 <a:sym typeface="Average"/>
               </a:rPr>
-              <a:t>Readmission(After):</a:t>
-            </a:r>
-            <a:endParaRPr b="1" sz="1200" u="sng">
+              <a:t>XGB Undersampled</a:t>
+            </a:r>
+            <a:r>
+              <a:rPr lang="en">
+                <a:solidFill>
+                  <a:schemeClr val="accent3"/>
+                </a:solidFill>
+                <a:latin typeface="Average"/>
+                <a:ea typeface="Average"/>
+                <a:cs typeface="Average"/>
+                <a:sym typeface="Average"/>
+              </a:rPr>
+              <a:t> (purple)</a:t>
+            </a:r>
+            <a:endParaRPr>
               <a:solidFill>
                 <a:schemeClr val="accent3"/>
               </a:solidFill>
@@ -17376,19 +17906,36 @@
             </a:endParaRPr>
           </a:p>
           <a:p>
-            <a:pPr indent="0" lvl="0" marL="0" rtl="0" algn="l">
-              <a:spcBef>
-                <a:spcPts val="0"/>
-              </a:spcBef>
-              <a:spcAft>
-                <a:spcPts val="0"/>
-              </a:spcAft>
-              <a:buNone/>
-            </a:pPr>
-            <a:r>
-              <a:t/>
-            </a:r>
-            <a:endParaRPr sz="1200" u="sng">
+            <a:pPr indent="-317500" lvl="0" marL="457200" rtl="0" algn="l">
+              <a:lnSpc>
+                <a:spcPct val="115000"/>
+              </a:lnSpc>
+              <a:spcBef>
+                <a:spcPts val="1000"/>
+              </a:spcBef>
+              <a:spcAft>
+                <a:spcPts val="0"/>
+              </a:spcAft>
+              <a:buClr>
+                <a:schemeClr val="accent3"/>
+              </a:buClr>
+              <a:buSzPts val="1400"/>
+              <a:buFont typeface="Average"/>
+              <a:buChar char="●"/>
+            </a:pPr>
+            <a:r>
+              <a:rPr lang="en">
+                <a:solidFill>
+                  <a:schemeClr val="accent3"/>
+                </a:solidFill>
+                <a:latin typeface="Average"/>
+                <a:ea typeface="Average"/>
+                <a:cs typeface="Average"/>
+                <a:sym typeface="Average"/>
+              </a:rPr>
+              <a:t>Test results shown</a:t>
+            </a:r>
+            <a:endParaRPr>
               <a:solidFill>
                 <a:schemeClr val="accent3"/>
               </a:solidFill>
@@ -17399,17 +17946,25 @@
             </a:endParaRPr>
           </a:p>
           <a:p>
-            <a:pPr indent="0" lvl="0" marL="0" rtl="0" algn="l">
-              <a:spcBef>
-                <a:spcPts val="0"/>
-              </a:spcBef>
-              <a:spcAft>
-                <a:spcPts val="0"/>
-              </a:spcAft>
-              <a:buNone/>
-            </a:pPr>
-            <a:r>
-              <a:rPr lang="en" sz="1200">
+            <a:pPr indent="-317500" lvl="0" marL="457200" rtl="0" algn="l">
+              <a:lnSpc>
+                <a:spcPct val="115000"/>
+              </a:lnSpc>
+              <a:spcBef>
+                <a:spcPts val="0"/>
+              </a:spcBef>
+              <a:spcAft>
+                <a:spcPts val="0"/>
+              </a:spcAft>
+              <a:buClr>
+                <a:schemeClr val="accent3"/>
+              </a:buClr>
+              <a:buSzPts val="1400"/>
+              <a:buFont typeface="Average"/>
+              <a:buChar char="●"/>
+            </a:pPr>
+            <a:r>
+              <a:rPr lang="en">
                 <a:solidFill>
                   <a:schemeClr val="accent3"/>
                 </a:solidFill>
@@ -17418,9 +17973,9 @@
                 <a:cs typeface="Average"/>
                 <a:sym typeface="Average"/>
               </a:rPr>
-              <a:t>No    :   5034</a:t>
-            </a:r>
-            <a:endParaRPr sz="1200">
+              <a:t>0.612 AUC</a:t>
+            </a:r>
+            <a:endParaRPr>
               <a:solidFill>
                 <a:schemeClr val="accent3"/>
               </a:solidFill>
@@ -17431,17 +17986,25 @@
             </a:endParaRPr>
           </a:p>
           <a:p>
-            <a:pPr indent="0" lvl="0" marL="0" rtl="0" algn="l">
-              <a:spcBef>
-                <a:spcPts val="0"/>
-              </a:spcBef>
-              <a:spcAft>
-                <a:spcPts val="0"/>
-              </a:spcAft>
-              <a:buNone/>
-            </a:pPr>
-            <a:r>
-              <a:rPr lang="en" sz="1200">
+            <a:pPr indent="-317500" lvl="0" marL="457200" rtl="0" algn="l">
+              <a:lnSpc>
+                <a:spcPct val="115000"/>
+              </a:lnSpc>
+              <a:spcBef>
+                <a:spcPts val="0"/>
+              </a:spcBef>
+              <a:spcAft>
+                <a:spcPts val="0"/>
+              </a:spcAft>
+              <a:buClr>
+                <a:schemeClr val="accent3"/>
+              </a:buClr>
+              <a:buSzPts val="1400"/>
+              <a:buFont typeface="Average"/>
+              <a:buChar char="●"/>
+            </a:pPr>
+            <a:r>
+              <a:rPr lang="en">
                 <a:solidFill>
                   <a:schemeClr val="accent3"/>
                 </a:solidFill>
@@ -17450,9 +18013,9 @@
                 <a:cs typeface="Average"/>
                 <a:sym typeface="Average"/>
               </a:rPr>
-              <a:t>Yes    :   5034</a:t>
-            </a:r>
-            <a:endParaRPr sz="1200">
+              <a:t>Good feat. imp. and dec. analysis</a:t>
+            </a:r>
+            <a:endParaRPr>
               <a:solidFill>
                 <a:schemeClr val="accent3"/>
               </a:solidFill>
@@ -17463,21 +18026,38 @@
             </a:endParaRPr>
           </a:p>
           <a:p>
-            <a:pPr indent="0" lvl="0" marL="0" rtl="0" algn="l">
-              <a:spcBef>
-                <a:spcPts val="0"/>
-              </a:spcBef>
-              <a:spcAft>
-                <a:spcPts val="0"/>
-              </a:spcAft>
-              <a:buNone/>
-            </a:pPr>
-            <a:r>
-              <a:t/>
-            </a:r>
-            <a:endParaRPr sz="1200">
+            <a:pPr indent="-317500" lvl="0" marL="457200" rtl="0" algn="l">
+              <a:lnSpc>
+                <a:spcPct val="115000"/>
+              </a:lnSpc>
+              <a:spcBef>
+                <a:spcPts val="1000"/>
+              </a:spcBef>
+              <a:spcAft>
+                <a:spcPts val="1000"/>
+              </a:spcAft>
+              <a:buClr>
+                <a:schemeClr val="accent3"/>
+              </a:buClr>
+              <a:buSzPts val="1400"/>
+              <a:buFont typeface="Average"/>
+              <a:buChar char="●"/>
+            </a:pPr>
+            <a:r>
+              <a:rPr lang="en">
+                <a:solidFill>
+                  <a:schemeClr val="accent3"/>
+                </a:solidFill>
+                <a:latin typeface="Average"/>
+                <a:ea typeface="Average"/>
+                <a:cs typeface="Average"/>
+                <a:sym typeface="Average"/>
+              </a:rPr>
+              <a:t>Poor false negative performance</a:t>
+            </a:r>
+            <a:endParaRPr>
               <a:solidFill>
-                <a:srgbClr val="EFEFEF"/>
+                <a:schemeClr val="accent3"/>
               </a:solidFill>
               <a:latin typeface="Average"/>
               <a:ea typeface="Average"/>
@@ -17485,31 +18065,64 @@
               <a:sym typeface="Average"/>
             </a:endParaRPr>
           </a:p>
-          <a:p>
-            <a:pPr indent="0" lvl="0" marL="0" rtl="0" algn="l">
-              <a:spcBef>
-                <a:spcPts val="0"/>
-              </a:spcBef>
-              <a:spcAft>
-                <a:spcPts val="0"/>
-              </a:spcAft>
-              <a:buNone/>
-            </a:pPr>
-            <a:r>
-              <a:t/>
-            </a:r>
-            <a:endParaRPr sz="1200">
-              <a:solidFill>
-                <a:srgbClr val="EFEFEF"/>
-              </a:solidFill>
-              <a:latin typeface="Average"/>
-              <a:ea typeface="Average"/>
-              <a:cs typeface="Average"/>
-              <a:sym typeface="Average"/>
-            </a:endParaRPr>
-          </a:p>
         </p:txBody>
       </p:sp>
+      <p:pic>
+        <p:nvPicPr>
+          <p:cNvPr id="304" name="Google Shape;304;p39"/>
+          <p:cNvPicPr preferRelativeResize="0"/>
+          <p:nvPr/>
+        </p:nvPicPr>
+        <p:blipFill>
+          <a:blip r:embed="rId3">
+            <a:alphaModFix/>
+          </a:blip>
+          <a:stretch>
+            <a:fillRect/>
+          </a:stretch>
+        </p:blipFill>
+        <p:spPr>
+          <a:xfrm>
+            <a:off x="4953999" y="1181025"/>
+            <a:ext cx="3580401" cy="3516225"/>
+          </a:xfrm>
+          <a:prstGeom prst="rect">
+            <a:avLst/>
+          </a:prstGeom>
+          <a:noFill/>
+          <a:ln>
+            <a:noFill/>
+          </a:ln>
+        </p:spPr>
+      </p:pic>
+      <p:pic>
+        <p:nvPicPr>
+          <p:cNvPr id="305" name="Google Shape;305;p39"/>
+          <p:cNvPicPr preferRelativeResize="0"/>
+          <p:nvPr/>
+        </p:nvPicPr>
+        <p:blipFill>
+          <a:blip r:embed="rId4">
+            <a:alphaModFix/>
+          </a:blip>
+          <a:stretch>
+            <a:fillRect/>
+          </a:stretch>
+        </p:blipFill>
+        <p:spPr>
+          <a:xfrm>
+            <a:off x="5276146" y="1355250"/>
+            <a:ext cx="1013575" cy="892475"/>
+          </a:xfrm>
+          <a:prstGeom prst="rect">
+            <a:avLst/>
+          </a:prstGeom>
+          <a:noFill/>
+          <a:ln>
+            <a:noFill/>
+          </a:ln>
+        </p:spPr>
+      </p:pic>
     </p:spTree>
   </p:cSld>
   <p:clrMapOvr>
@@ -17523,7 +18136,7 @@
   <p:cSld>
     <p:spTree>
       <p:nvGrpSpPr>
-        <p:cNvPr id="308" name="Shape 308"/>
+        <p:cNvPr id="309" name="Shape 309"/>
         <p:cNvGrpSpPr/>
         <p:nvPr/>
       </p:nvGrpSpPr>
@@ -17537,7 +18150,7 @@
       </p:grpSpPr>
       <p:sp>
         <p:nvSpPr>
-          <p:cNvPr id="309" name="Google Shape;309;p40"/>
+          <p:cNvPr id="310" name="Google Shape;310;p40"/>
           <p:cNvSpPr txBox="1"/>
           <p:nvPr>
             <p:ph type="title"/>
@@ -17580,194 +18193,6 @@
               <a:t> Parameter Tuning</a:t>
             </a:r>
             <a:endParaRPr/>
-          </a:p>
-        </p:txBody>
-      </p:sp>
-      <p:sp>
-        <p:nvSpPr>
-          <p:cNvPr id="310" name="Google Shape;310;p40"/>
-          <p:cNvSpPr txBox="1"/>
-          <p:nvPr>
-            <p:ph idx="4294967295" type="body"/>
-          </p:nvPr>
-        </p:nvSpPr>
-        <p:spPr>
-          <a:xfrm>
-            <a:off x="592125" y="1127650"/>
-            <a:ext cx="3979800" cy="3244200"/>
-          </a:xfrm>
-          <a:prstGeom prst="rect">
-            <a:avLst/>
-          </a:prstGeom>
-        </p:spPr>
-        <p:txBody>
-          <a:bodyPr anchorCtr="0" anchor="t" bIns="91425" lIns="91425" spcFirstLastPara="1" rIns="91425" wrap="square" tIns="91425">
-            <a:noAutofit/>
-          </a:bodyPr>
-          <a:lstStyle/>
-          <a:p>
-            <a:pPr indent="0" lvl="0" marL="0" rtl="0" algn="l">
-              <a:spcBef>
-                <a:spcPts val="0"/>
-              </a:spcBef>
-              <a:spcAft>
-                <a:spcPts val="0"/>
-              </a:spcAft>
-              <a:buNone/>
-            </a:pPr>
-            <a:r>
-              <a:rPr b="1" lang="en" sz="2000" u="sng"/>
-              <a:t>Undersampling</a:t>
-            </a:r>
-            <a:endParaRPr b="1" sz="2000" u="sng"/>
-          </a:p>
-          <a:p>
-            <a:pPr indent="-317500" lvl="0" marL="457200" rtl="0" algn="l">
-              <a:spcBef>
-                <a:spcPts val="1600"/>
-              </a:spcBef>
-              <a:spcAft>
-                <a:spcPts val="0"/>
-              </a:spcAft>
-              <a:buSzPts val="1400"/>
-              <a:buChar char="●"/>
-            </a:pPr>
-            <a:r>
-              <a:rPr lang="en" sz="1400"/>
-              <a:t>Resulted in a large false negative count</a:t>
-            </a:r>
-            <a:endParaRPr sz="1400"/>
-          </a:p>
-          <a:p>
-            <a:pPr indent="-317500" lvl="1" marL="914400" rtl="0" algn="l">
-              <a:spcBef>
-                <a:spcPts val="0"/>
-              </a:spcBef>
-              <a:spcAft>
-                <a:spcPts val="0"/>
-              </a:spcAft>
-              <a:buSzPts val="1400"/>
-              <a:buChar char="○"/>
-            </a:pPr>
-            <a:r>
-              <a:rPr lang="en"/>
-              <a:t>Bad for clinical setting</a:t>
-            </a:r>
-            <a:endParaRPr b="1" u="sng"/>
-          </a:p>
-          <a:p>
-            <a:pPr indent="0" lvl="0" marL="0" rtl="0" algn="l">
-              <a:spcBef>
-                <a:spcPts val="1600"/>
-              </a:spcBef>
-              <a:spcAft>
-                <a:spcPts val="0"/>
-              </a:spcAft>
-              <a:buNone/>
-            </a:pPr>
-            <a:r>
-              <a:rPr b="1" lang="en" sz="2000" u="sng"/>
-              <a:t>Hyper Parameter Tuning</a:t>
-            </a:r>
-            <a:endParaRPr b="1" sz="2000" u="sng"/>
-          </a:p>
-          <a:p>
-            <a:pPr indent="-317500" lvl="0" marL="457200" rtl="0" algn="l">
-              <a:spcBef>
-                <a:spcPts val="1600"/>
-              </a:spcBef>
-              <a:spcAft>
-                <a:spcPts val="0"/>
-              </a:spcAft>
-              <a:buSzPts val="1400"/>
-              <a:buChar char="●"/>
-            </a:pPr>
-            <a:r>
-              <a:rPr lang="en" sz="1400"/>
-              <a:t>Performed to minimize false negatives</a:t>
-            </a:r>
-            <a:endParaRPr sz="1400"/>
-          </a:p>
-          <a:p>
-            <a:pPr indent="-317500" lvl="0" marL="457200" rtl="0" algn="l">
-              <a:spcBef>
-                <a:spcPts val="1000"/>
-              </a:spcBef>
-              <a:spcAft>
-                <a:spcPts val="0"/>
-              </a:spcAft>
-              <a:buSzPts val="1400"/>
-              <a:buChar char="●"/>
-            </a:pPr>
-            <a:r>
-              <a:rPr lang="en" sz="1400"/>
-              <a:t>Used Grid Search Cross validation to retrain</a:t>
-            </a:r>
-            <a:endParaRPr sz="1400"/>
-          </a:p>
-          <a:p>
-            <a:pPr indent="-317500" lvl="1" marL="914400" rtl="0" algn="l">
-              <a:spcBef>
-                <a:spcPts val="1000"/>
-              </a:spcBef>
-              <a:spcAft>
-                <a:spcPts val="0"/>
-              </a:spcAft>
-              <a:buSzPts val="1400"/>
-              <a:buChar char="○"/>
-            </a:pPr>
-            <a:r>
-              <a:rPr lang="en"/>
-              <a:t>Scored on AUC</a:t>
-            </a:r>
-            <a:endParaRPr/>
-          </a:p>
-          <a:p>
-            <a:pPr indent="-317500" lvl="1" marL="914400" rtl="0" algn="l">
-              <a:spcBef>
-                <a:spcPts val="0"/>
-              </a:spcBef>
-              <a:spcAft>
-                <a:spcPts val="0"/>
-              </a:spcAft>
-              <a:buSzPts val="1400"/>
-              <a:buChar char="○"/>
-            </a:pPr>
-            <a:r>
-              <a:rPr lang="en"/>
-              <a:t>5 fold CV</a:t>
-            </a:r>
-            <a:endParaRPr/>
-          </a:p>
-          <a:p>
-            <a:pPr indent="0" lvl="0" marL="0" rtl="0" algn="l">
-              <a:spcBef>
-                <a:spcPts val="1600"/>
-              </a:spcBef>
-              <a:spcAft>
-                <a:spcPts val="0"/>
-              </a:spcAft>
-              <a:buNone/>
-            </a:pPr>
-            <a:r>
-              <a:t/>
-            </a:r>
-            <a:endParaRPr b="1" u="sng"/>
-          </a:p>
-          <a:p>
-            <a:pPr indent="0" lvl="0" marL="0" rtl="0" algn="l">
-              <a:spcBef>
-                <a:spcPts val="1600"/>
-              </a:spcBef>
-              <a:spcAft>
-                <a:spcPts val="1600"/>
-              </a:spcAft>
-              <a:buNone/>
-            </a:pPr>
-            <a:r>
-              <a:t/>
-            </a:r>
-            <a:endParaRPr b="1" u="sng"/>
           </a:p>
         </p:txBody>
       </p:sp>
@@ -17781,8 +18206,8 @@
         </p:nvSpPr>
         <p:spPr>
           <a:xfrm>
-            <a:off x="4832400" y="1127650"/>
-            <a:ext cx="3999900" cy="3416400"/>
+            <a:off x="592125" y="1127650"/>
+            <a:ext cx="3979800" cy="3244200"/>
           </a:xfrm>
           <a:prstGeom prst="rect">
             <a:avLst/>
@@ -17804,10 +18229,61 @@
               <a:buNone/>
             </a:pPr>
             <a:r>
-              <a:rPr b="1" lang="en" sz="2100" u="sng"/>
-              <a:t>Under Sampling Results:</a:t>
-            </a:r>
-            <a:endParaRPr b="1" sz="2100" u="sng"/>
+              <a:rPr b="1" lang="en" sz="2000" u="sng"/>
+              <a:t>XGB Undersampled</a:t>
+            </a:r>
+            <a:endParaRPr b="1" sz="2000" u="sng"/>
+          </a:p>
+          <a:p>
+            <a:pPr indent="-317500" lvl="0" marL="457200" rtl="0" algn="l">
+              <a:spcBef>
+                <a:spcPts val="1600"/>
+              </a:spcBef>
+              <a:spcAft>
+                <a:spcPts val="0"/>
+              </a:spcAft>
+              <a:buSzPts val="1400"/>
+              <a:buChar char="●"/>
+            </a:pPr>
+            <a:r>
+              <a:rPr lang="en" sz="1400"/>
+              <a:t>Large false negative count (1215)</a:t>
+            </a:r>
+            <a:endParaRPr sz="1400"/>
+          </a:p>
+          <a:p>
+            <a:pPr indent="-317500" lvl="1" marL="914400" rtl="0" algn="l">
+              <a:spcBef>
+                <a:spcPts val="0"/>
+              </a:spcBef>
+              <a:spcAft>
+                <a:spcPts val="0"/>
+              </a:spcAft>
+              <a:buSzPts val="1400"/>
+              <a:buChar char="○"/>
+            </a:pPr>
+            <a:r>
+              <a:rPr lang="en"/>
+              <a:t>Bad for clinical setting</a:t>
+            </a:r>
+            <a:endParaRPr/>
+          </a:p>
+          <a:p>
+            <a:pPr indent="-317500" lvl="1" marL="914400" rtl="0" algn="l">
+              <a:spcBef>
+                <a:spcPts val="0"/>
+              </a:spcBef>
+              <a:spcAft>
+                <a:spcPts val="0"/>
+              </a:spcAft>
+              <a:buSzPts val="1400"/>
+              <a:buChar char="○"/>
+            </a:pPr>
+            <a:r>
+              <a:rPr lang="en"/>
+              <a:t>Bad for unexpected readmission penalties in a financial context</a:t>
+            </a:r>
+            <a:endParaRPr/>
           </a:p>
           <a:p>
             <a:pPr indent="0" lvl="0" marL="0" rtl="0" algn="l">
@@ -17820,33 +18296,108 @@
               <a:buNone/>
             </a:pPr>
             <a:r>
-              <a:rPr b="1" lang="en" sz="2100" u="sng">
-                <a:solidFill>
-                  <a:schemeClr val="dk1"/>
-                </a:solidFill>
-              </a:rPr>
-              <a:t> </a:t>
-            </a:r>
-            <a:endParaRPr b="1" sz="2100" u="sng">
-              <a:solidFill>
-                <a:schemeClr val="dk1"/>
-              </a:solidFill>
-            </a:endParaRPr>
-          </a:p>
-          <a:p>
-            <a:pPr indent="0" lvl="0" marL="457200" rtl="0" algn="l">
+              <a:rPr b="1" lang="en" sz="2000" u="sng"/>
+              <a:t>Hyper Parameter Tuning</a:t>
+            </a:r>
+            <a:endParaRPr b="1" sz="2000" u="sng"/>
+          </a:p>
+          <a:p>
+            <a:pPr indent="-317500" lvl="0" marL="457200" rtl="0" algn="l">
               <a:spcBef>
                 <a:spcPts val="1600"/>
               </a:spcBef>
               <a:spcAft>
+                <a:spcPts val="0"/>
+              </a:spcAft>
+              <a:buSzPts val="1400"/>
+              <a:buChar char="●"/>
+            </a:pPr>
+            <a:r>
+              <a:rPr lang="en" sz="1400"/>
+              <a:t>Performed to minimize false negatives</a:t>
+            </a:r>
+            <a:endParaRPr sz="1400"/>
+          </a:p>
+          <a:p>
+            <a:pPr indent="-317500" lvl="0" marL="457200" rtl="0" algn="l">
+              <a:spcBef>
+                <a:spcPts val="0"/>
+              </a:spcBef>
+              <a:spcAft>
+                <a:spcPts val="0"/>
+              </a:spcAft>
+              <a:buSzPts val="1400"/>
+              <a:buChar char="●"/>
+            </a:pPr>
+            <a:r>
+              <a:rPr lang="en" sz="1400"/>
+              <a:t>Used Grid Search Cross validation to retrain</a:t>
+            </a:r>
+            <a:endParaRPr sz="1400"/>
+          </a:p>
+          <a:p>
+            <a:pPr indent="-317500" lvl="1" marL="914400" rtl="0" algn="l">
+              <a:spcBef>
+                <a:spcPts val="0"/>
+              </a:spcBef>
+              <a:spcAft>
+                <a:spcPts val="0"/>
+              </a:spcAft>
+              <a:buSzPts val="1400"/>
+              <a:buChar char="○"/>
+            </a:pPr>
+            <a:r>
+              <a:rPr lang="en"/>
+              <a:t>Scored on AUC</a:t>
+            </a:r>
+            <a:endParaRPr/>
+          </a:p>
+          <a:p>
+            <a:pPr indent="-317500" lvl="1" marL="914400" rtl="0" algn="l">
+              <a:spcBef>
+                <a:spcPts val="0"/>
+              </a:spcBef>
+              <a:spcAft>
+                <a:spcPts val="0"/>
+              </a:spcAft>
+              <a:buSzPts val="1400"/>
+              <a:buChar char="○"/>
+            </a:pPr>
+            <a:r>
+              <a:rPr lang="en"/>
+              <a:t>5 fold CV</a:t>
+            </a:r>
+            <a:endParaRPr/>
+          </a:p>
+          <a:p>
+            <a:pPr indent="0" lvl="0" marL="0" rtl="0" algn="l">
+              <a:spcBef>
                 <a:spcPts val="1600"/>
+              </a:spcBef>
+              <a:spcAft>
+                <a:spcPts val="0"/>
               </a:spcAft>
               <a:buNone/>
             </a:pPr>
             <a:r>
               <a:t/>
             </a:r>
-            <a:endParaRPr sz="1800" u="sng"/>
+            <a:endParaRPr b="1" u="sng"/>
+          </a:p>
+          <a:p>
+            <a:pPr indent="0" lvl="0" marL="0" rtl="0" algn="l">
+              <a:spcBef>
+                <a:spcPts val="1600"/>
+              </a:spcBef>
+              <a:spcAft>
+                <a:spcPts val="1600"/>
+              </a:spcAft>
+              <a:buNone/>
+            </a:pPr>
+            <a:r>
+              <a:t/>
+            </a:r>
+            <a:endParaRPr b="1" u="sng"/>
           </a:p>
         </p:txBody>
       </p:sp>
@@ -17866,8 +18417,8 @@
         </p:blipFill>
         <p:spPr>
           <a:xfrm>
-            <a:off x="4945700" y="1703300"/>
-            <a:ext cx="2638126" cy="2467725"/>
+            <a:off x="4800160" y="1212325"/>
+            <a:ext cx="3734240" cy="3493025"/>
           </a:xfrm>
           <a:prstGeom prst="rect">
             <a:avLst/>
@@ -17878,161 +18429,6 @@
           </a:ln>
         </p:spPr>
       </p:pic>
-      <p:pic>
-        <p:nvPicPr>
-          <p:cNvPr id="313" name="Google Shape;313;p40"/>
-          <p:cNvPicPr preferRelativeResize="0"/>
-          <p:nvPr/>
-        </p:nvPicPr>
-        <p:blipFill>
-          <a:blip r:embed="rId4">
-            <a:alphaModFix/>
-          </a:blip>
-          <a:stretch>
-            <a:fillRect/>
-          </a:stretch>
-        </p:blipFill>
-        <p:spPr>
-          <a:xfrm>
-            <a:off x="7713100" y="1983193"/>
-            <a:ext cx="1041049" cy="859161"/>
-          </a:xfrm>
-          <a:prstGeom prst="rect">
-            <a:avLst/>
-          </a:prstGeom>
-          <a:noFill/>
-          <a:ln>
-            <a:noFill/>
-          </a:ln>
-        </p:spPr>
-      </p:pic>
-      <p:sp>
-        <p:nvSpPr>
-          <p:cNvPr id="314" name="Google Shape;314;p40"/>
-          <p:cNvSpPr txBox="1"/>
-          <p:nvPr/>
-        </p:nvSpPr>
-        <p:spPr>
-          <a:xfrm>
-            <a:off x="7583825" y="2945800"/>
-            <a:ext cx="1299600" cy="1133100"/>
-          </a:xfrm>
-          <a:prstGeom prst="rect">
-            <a:avLst/>
-          </a:prstGeom>
-          <a:noFill/>
-          <a:ln>
-            <a:noFill/>
-          </a:ln>
-        </p:spPr>
-        <p:txBody>
-          <a:bodyPr anchorCtr="0" anchor="t" bIns="91425" lIns="91425" spcFirstLastPara="1" rIns="91425" wrap="square" tIns="91425">
-            <a:noAutofit/>
-          </a:bodyPr>
-          <a:lstStyle/>
-          <a:p>
-            <a:pPr indent="0" lvl="0" marL="0" rtl="0" algn="l">
-              <a:spcBef>
-                <a:spcPts val="0"/>
-              </a:spcBef>
-              <a:spcAft>
-                <a:spcPts val="0"/>
-              </a:spcAft>
-              <a:buNone/>
-            </a:pPr>
-            <a:r>
-              <a:rPr b="1" lang="en" sz="1200" u="sng">
-                <a:solidFill>
-                  <a:schemeClr val="lt2"/>
-                </a:solidFill>
-                <a:latin typeface="Average"/>
-                <a:ea typeface="Average"/>
-                <a:cs typeface="Average"/>
-                <a:sym typeface="Average"/>
-              </a:rPr>
-              <a:t>False Negatives</a:t>
-            </a:r>
-            <a:r>
-              <a:rPr lang="en" sz="1200">
-                <a:solidFill>
-                  <a:schemeClr val="lt2"/>
-                </a:solidFill>
-                <a:latin typeface="Average"/>
-                <a:ea typeface="Average"/>
-                <a:cs typeface="Average"/>
-                <a:sym typeface="Average"/>
-              </a:rPr>
-              <a:t>:</a:t>
-            </a:r>
-            <a:endParaRPr sz="1200">
-              <a:solidFill>
-                <a:schemeClr val="lt2"/>
-              </a:solidFill>
-              <a:latin typeface="Average"/>
-              <a:ea typeface="Average"/>
-              <a:cs typeface="Average"/>
-              <a:sym typeface="Average"/>
-            </a:endParaRPr>
-          </a:p>
-          <a:p>
-            <a:pPr indent="0" lvl="0" marL="0" rtl="0" algn="l">
-              <a:spcBef>
-                <a:spcPts val="0"/>
-              </a:spcBef>
-              <a:spcAft>
-                <a:spcPts val="0"/>
-              </a:spcAft>
-              <a:buNone/>
-            </a:pPr>
-            <a:r>
-              <a:t/>
-            </a:r>
-            <a:endParaRPr sz="1200">
-              <a:solidFill>
-                <a:schemeClr val="lt2"/>
-              </a:solidFill>
-              <a:latin typeface="Average"/>
-              <a:ea typeface="Average"/>
-              <a:cs typeface="Average"/>
-              <a:sym typeface="Average"/>
-            </a:endParaRPr>
-          </a:p>
-          <a:p>
-            <a:pPr indent="-304800" lvl="0" marL="457200" rtl="0" algn="l">
-              <a:spcBef>
-                <a:spcPts val="0"/>
-              </a:spcBef>
-              <a:spcAft>
-                <a:spcPts val="0"/>
-              </a:spcAft>
-              <a:buClr>
-                <a:schemeClr val="lt2"/>
-              </a:buClr>
-              <a:buSzPts val="1200"/>
-              <a:buFont typeface="Average"/>
-              <a:buChar char="●"/>
-            </a:pPr>
-            <a:r>
-              <a:rPr lang="en" sz="1200">
-                <a:solidFill>
-                  <a:schemeClr val="lt2"/>
-                </a:solidFill>
-                <a:latin typeface="Average"/>
-                <a:ea typeface="Average"/>
-                <a:cs typeface="Average"/>
-                <a:sym typeface="Average"/>
-              </a:rPr>
-              <a:t>1215</a:t>
-            </a:r>
-            <a:endParaRPr sz="500">
-              <a:latin typeface="Average"/>
-              <a:ea typeface="Average"/>
-              <a:cs typeface="Average"/>
-              <a:sym typeface="Average"/>
-            </a:endParaRPr>
-          </a:p>
-        </p:txBody>
-      </p:sp>
     </p:spTree>
   </p:cSld>
   <p:clrMapOvr>
@@ -18046,7 +18442,7 @@
   <p:cSld>
     <p:spTree>
       <p:nvGrpSpPr>
-        <p:cNvPr id="318" name="Shape 318"/>
+        <p:cNvPr id="316" name="Shape 316"/>
         <p:cNvGrpSpPr/>
         <p:nvPr/>
       </p:nvGrpSpPr>
@@ -18060,7 +18456,7 @@
       </p:grpSpPr>
       <p:sp>
         <p:nvSpPr>
-          <p:cNvPr id="319" name="Google Shape;319;p41"/>
+          <p:cNvPr id="317" name="Google Shape;317;p41"/>
           <p:cNvSpPr txBox="1"/>
           <p:nvPr>
             <p:ph type="title"/>
@@ -18100,7 +18496,7 @@
       </p:sp>
       <p:sp>
         <p:nvSpPr>
-          <p:cNvPr id="320" name="Google Shape;320;p41"/>
+          <p:cNvPr id="318" name="Google Shape;318;p41"/>
           <p:cNvSpPr txBox="1"/>
           <p:nvPr>
             <p:ph idx="2" type="body"/>
@@ -18440,7 +18836,7 @@
   <p:cSld>
     <p:spTree>
       <p:nvGrpSpPr>
-        <p:cNvPr id="324" name="Shape 324"/>
+        <p:cNvPr id="322" name="Shape 322"/>
         <p:cNvGrpSpPr/>
         <p:nvPr/>
       </p:nvGrpSpPr>
@@ -18454,7 +18850,7 @@
       </p:grpSpPr>
       <p:sp>
         <p:nvSpPr>
-          <p:cNvPr id="325" name="Google Shape;325;p42"/>
+          <p:cNvPr id="323" name="Google Shape;323;p42"/>
           <p:cNvSpPr txBox="1"/>
           <p:nvPr>
             <p:ph type="title"/>
@@ -18494,7 +18890,7 @@
       </p:sp>
       <p:sp>
         <p:nvSpPr>
-          <p:cNvPr id="326" name="Google Shape;326;p42"/>
+          <p:cNvPr id="324" name="Google Shape;324;p42"/>
           <p:cNvSpPr txBox="1"/>
           <p:nvPr>
             <p:ph idx="4294967295" type="body"/>
@@ -18502,7 +18898,7 @@
         </p:nvSpPr>
         <p:spPr>
           <a:xfrm>
-            <a:off x="353825" y="1002500"/>
+            <a:off x="592125" y="1127650"/>
             <a:ext cx="3674400" cy="3746100"/>
           </a:xfrm>
           <a:prstGeom prst="rect">
@@ -18528,21 +18924,17 @@
               <a:rPr b="1" lang="en" sz="2000" u="sng"/>
               <a:t>XGBoost Confusion Matrix</a:t>
             </a:r>
-            <a:r>
-              <a:rPr b="1" lang="en" u="sng"/>
-              <a:t>:</a:t>
-            </a:r>
             <a:endParaRPr/>
           </a:p>
           <a:p>
-            <a:pPr indent="-330200" lvl="0" marL="457200" rtl="0" algn="l">
+            <a:pPr indent="-317500" lvl="0" marL="457200" rtl="0" algn="l">
               <a:spcBef>
                 <a:spcPts val="1600"/>
               </a:spcBef>
               <a:spcAft>
                 <a:spcPts val="0"/>
               </a:spcAft>
-              <a:buSzPts val="1600"/>
+              <a:buSzPts val="1400"/>
               <a:buChar char="●"/>
             </a:pPr>
             <a:r>
@@ -18552,14 +18944,14 @@
             <a:endParaRPr sz="1600"/>
           </a:p>
           <a:p>
-            <a:pPr indent="-330200" lvl="0" marL="457200" rtl="0" algn="l">
+            <a:pPr indent="-317500" lvl="0" marL="457200" rtl="0" algn="l">
               <a:spcBef>
                 <a:spcPts val="1000"/>
               </a:spcBef>
               <a:spcAft>
                 <a:spcPts val="0"/>
               </a:spcAft>
-              <a:buSzPts val="1600"/>
+              <a:buSzPts val="1400"/>
               <a:buChar char="●"/>
             </a:pPr>
             <a:r>
@@ -18569,19 +18961,19 @@
             <a:endParaRPr sz="1600"/>
           </a:p>
           <a:p>
-            <a:pPr indent="-330200" lvl="0" marL="457200" rtl="0" algn="l">
+            <a:pPr indent="-317500" lvl="0" marL="457200" rtl="0" algn="l">
               <a:spcBef>
                 <a:spcPts val="1000"/>
               </a:spcBef>
               <a:spcAft>
                 <a:spcPts val="0"/>
               </a:spcAft>
-              <a:buSzPts val="1600"/>
+              <a:buSzPts val="1400"/>
               <a:buChar char="●"/>
             </a:pPr>
             <a:r>
               <a:rPr lang="en" sz="1600"/>
-              <a:t>We considered it an acceptable trade-off for a clinical setting</a:t>
+              <a:t>We considered this an acceptable trade-off for a clinical setting</a:t>
             </a:r>
             <a:endParaRPr sz="1600"/>
           </a:p>
@@ -18604,7 +18996,7 @@
       </p:sp>
       <p:pic>
         <p:nvPicPr>
-          <p:cNvPr id="327" name="Google Shape;327;p42"/>
+          <p:cNvPr id="325" name="Google Shape;325;p42"/>
           <p:cNvPicPr preferRelativeResize="0"/>
           <p:nvPr/>
         </p:nvPicPr>
@@ -18618,8 +19010,8 @@
         </p:blipFill>
         <p:spPr>
           <a:xfrm>
-            <a:off x="4623211" y="1127650"/>
-            <a:ext cx="3879165" cy="3603424"/>
+            <a:off x="4751059" y="1190950"/>
+            <a:ext cx="3783340" cy="3514400"/>
           </a:xfrm>
           <a:prstGeom prst="rect">
             <a:avLst/>
@@ -18643,7 +19035,7 @@
   <p:cSld>
     <p:spTree>
       <p:nvGrpSpPr>
-        <p:cNvPr id="331" name="Shape 331"/>
+        <p:cNvPr id="329" name="Shape 329"/>
         <p:cNvGrpSpPr/>
         <p:nvPr/>
       </p:nvGrpSpPr>
@@ -18657,7 +19049,7 @@
       </p:grpSpPr>
       <p:sp>
         <p:nvSpPr>
-          <p:cNvPr id="332" name="Google Shape;332;p43"/>
+          <p:cNvPr id="330" name="Google Shape;330;p43"/>
           <p:cNvSpPr txBox="1"/>
           <p:nvPr>
             <p:ph type="title"/>
@@ -18697,7 +19089,7 @@
       </p:sp>
       <p:pic>
         <p:nvPicPr>
-          <p:cNvPr id="333" name="Google Shape;333;p43"/>
+          <p:cNvPr id="331" name="Google Shape;331;p43"/>
           <p:cNvPicPr preferRelativeResize="0"/>
           <p:nvPr/>
         </p:nvPicPr>
@@ -18711,8 +19103,8 @@
         </p:blipFill>
         <p:spPr>
           <a:xfrm>
-            <a:off x="4751300" y="1127650"/>
-            <a:ext cx="3949807" cy="3641800"/>
+            <a:off x="4949302" y="1184550"/>
+            <a:ext cx="3585098" cy="3520800"/>
           </a:xfrm>
           <a:prstGeom prst="rect">
             <a:avLst/>
@@ -18723,9 +19115,140 @@
           </a:ln>
         </p:spPr>
       </p:pic>
+      <p:sp>
+        <p:nvSpPr>
+          <p:cNvPr id="332" name="Google Shape;332;p43"/>
+          <p:cNvSpPr txBox="1"/>
+          <p:nvPr>
+            <p:ph idx="4294967295" type="body"/>
+          </p:nvPr>
+        </p:nvSpPr>
+        <p:spPr>
+          <a:xfrm>
+            <a:off x="592125" y="1159000"/>
+            <a:ext cx="3674400" cy="3746100"/>
+          </a:xfrm>
+          <a:prstGeom prst="rect">
+            <a:avLst/>
+          </a:prstGeom>
+        </p:spPr>
+        <p:txBody>
+          <a:bodyPr anchorCtr="0" anchor="t" bIns="91425" lIns="91425" spcFirstLastPara="1" rIns="91425" wrap="square" tIns="91425">
+            <a:noAutofit/>
+          </a:bodyPr>
+          <a:lstStyle/>
+          <a:p>
+            <a:pPr indent="0" lvl="0" marL="0" rtl="0" algn="l">
+              <a:spcBef>
+                <a:spcPts val="0"/>
+              </a:spcBef>
+              <a:spcAft>
+                <a:spcPts val="0"/>
+              </a:spcAft>
+              <a:buNone/>
+            </a:pPr>
+            <a:r>
+              <a:rPr b="1" lang="en" sz="2000" u="sng"/>
+              <a:t>XGBoost Tuned</a:t>
+            </a:r>
+            <a:r>
+              <a:rPr b="1" lang="en" sz="2000"/>
+              <a:t> </a:t>
+            </a:r>
+            <a:r>
+              <a:rPr lang="en" sz="1400"/>
+              <a:t>(red)</a:t>
+            </a:r>
+            <a:endParaRPr sz="1200"/>
+          </a:p>
+          <a:p>
+            <a:pPr indent="-317500" lvl="0" marL="457200" rtl="0" algn="l">
+              <a:spcBef>
+                <a:spcPts val="1600"/>
+              </a:spcBef>
+              <a:spcAft>
+                <a:spcPts val="0"/>
+              </a:spcAft>
+              <a:buSzPts val="1400"/>
+              <a:buChar char="●"/>
+            </a:pPr>
+            <a:r>
+              <a:rPr lang="en" sz="1400"/>
+              <a:t>Best AUC performance: 0.624</a:t>
+            </a:r>
+            <a:endParaRPr sz="1400"/>
+          </a:p>
+          <a:p>
+            <a:pPr indent="-317500" lvl="0" marL="457200" rtl="0" algn="l">
+              <a:spcBef>
+                <a:spcPts val="1000"/>
+              </a:spcBef>
+              <a:spcAft>
+                <a:spcPts val="0"/>
+              </a:spcAft>
+              <a:buSzPts val="1400"/>
+              <a:buChar char="●"/>
+            </a:pPr>
+            <a:r>
+              <a:rPr lang="en" sz="1400"/>
+              <a:t>Sensible feature importance</a:t>
+            </a:r>
+            <a:endParaRPr sz="1400"/>
+          </a:p>
+          <a:p>
+            <a:pPr indent="-317500" lvl="0" marL="457200" rtl="0" algn="l">
+              <a:spcBef>
+                <a:spcPts val="1000"/>
+              </a:spcBef>
+              <a:spcAft>
+                <a:spcPts val="0"/>
+              </a:spcAft>
+              <a:buSzPts val="1400"/>
+              <a:buChar char="●"/>
+            </a:pPr>
+            <a:r>
+              <a:rPr lang="en" sz="1400"/>
+              <a:t>Best decile analysis</a:t>
+            </a:r>
+            <a:endParaRPr sz="1400"/>
+          </a:p>
+          <a:p>
+            <a:pPr indent="-317500" lvl="1" marL="914400" rtl="0" algn="l">
+              <a:spcBef>
+                <a:spcPts val="1000"/>
+              </a:spcBef>
+              <a:spcAft>
+                <a:spcPts val="0"/>
+              </a:spcAft>
+              <a:buSzPts val="1400"/>
+              <a:buChar char="○"/>
+            </a:pPr>
+            <a:r>
+              <a:rPr lang="en"/>
+              <a:t>Linearly distributed numbers of readmitted per quantile</a:t>
+            </a:r>
+            <a:endParaRPr sz="1400"/>
+          </a:p>
+          <a:p>
+            <a:pPr indent="0" lvl="0" marL="0" rtl="0" algn="l">
+              <a:spcBef>
+                <a:spcPts val="1600"/>
+              </a:spcBef>
+              <a:spcAft>
+                <a:spcPts val="1600"/>
+              </a:spcAft>
+              <a:buNone/>
+            </a:pPr>
+            <a:r>
+              <a:t/>
+            </a:r>
+            <a:endParaRPr/>
+          </a:p>
+        </p:txBody>
+      </p:sp>
       <p:pic>
         <p:nvPicPr>
-          <p:cNvPr id="334" name="Google Shape;334;p43"/>
+          <p:cNvPr id="333" name="Google Shape;333;p43"/>
           <p:cNvPicPr preferRelativeResize="0"/>
           <p:nvPr/>
         </p:nvPicPr>
@@ -18739,8 +19262,8 @@
         </p:blipFill>
         <p:spPr>
           <a:xfrm>
-            <a:off x="5260950" y="1332975"/>
-            <a:ext cx="966175" cy="774175"/>
+            <a:off x="5291063" y="1367350"/>
+            <a:ext cx="1000275" cy="861000"/>
           </a:xfrm>
           <a:prstGeom prst="rect">
             <a:avLst/>
@@ -18751,97 +19274,6 @@
           </a:ln>
         </p:spPr>
       </p:pic>
-      <p:sp>
-        <p:nvSpPr>
-          <p:cNvPr id="335" name="Google Shape;335;p43"/>
-          <p:cNvSpPr txBox="1"/>
-          <p:nvPr>
-            <p:ph idx="4294967295" type="body"/>
-          </p:nvPr>
-        </p:nvSpPr>
-        <p:spPr>
-          <a:xfrm>
-            <a:off x="353825" y="1002500"/>
-            <a:ext cx="3674400" cy="3746100"/>
-          </a:xfrm>
-          <a:prstGeom prst="rect">
-            <a:avLst/>
-          </a:prstGeom>
-        </p:spPr>
-        <p:txBody>
-          <a:bodyPr anchorCtr="0" anchor="t" bIns="91425" lIns="91425" spcFirstLastPara="1" rIns="91425" wrap="square" tIns="91425">
-            <a:noAutofit/>
-          </a:bodyPr>
-          <a:lstStyle/>
-          <a:p>
-            <a:pPr indent="0" lvl="0" marL="0" rtl="0" algn="l">
-              <a:spcBef>
-                <a:spcPts val="0"/>
-              </a:spcBef>
-              <a:spcAft>
-                <a:spcPts val="0"/>
-              </a:spcAft>
-              <a:buNone/>
-            </a:pPr>
-            <a:r>
-              <a:rPr b="1" lang="en" sz="2000" u="sng"/>
-              <a:t>XGBoost ROC Curve</a:t>
-            </a:r>
-            <a:r>
-              <a:rPr b="1" lang="en" u="sng"/>
-              <a:t>:</a:t>
-            </a:r>
-            <a:endParaRPr b="1" u="sng"/>
-          </a:p>
-          <a:p>
-            <a:pPr indent="0" lvl="0" marL="0" rtl="0" algn="l">
-              <a:spcBef>
-                <a:spcPts val="1600"/>
-              </a:spcBef>
-              <a:spcAft>
-                <a:spcPts val="0"/>
-              </a:spcAft>
-              <a:buNone/>
-            </a:pPr>
-            <a:r>
-              <a:t/>
-            </a:r>
-            <a:endParaRPr/>
-          </a:p>
-          <a:p>
-            <a:pPr indent="-342900" lvl="0" marL="457200" rtl="0" algn="l">
-              <a:spcBef>
-                <a:spcPts val="1600"/>
-              </a:spcBef>
-              <a:spcAft>
-                <a:spcPts val="0"/>
-              </a:spcAft>
-              <a:buSzPts val="1800"/>
-              <a:buChar char="●"/>
-            </a:pPr>
-            <a:r>
-              <a:rPr lang="en"/>
-              <a:t>Thorough description coming</a:t>
-            </a:r>
-            <a:endParaRPr/>
-          </a:p>
-          <a:p>
-            <a:pPr indent="0" lvl="0" marL="0" rtl="0" algn="l">
-              <a:spcBef>
-                <a:spcPts val="1600"/>
-              </a:spcBef>
-              <a:spcAft>
-                <a:spcPts val="1600"/>
-              </a:spcAft>
-              <a:buNone/>
-            </a:pPr>
-            <a:r>
-              <a:t/>
-            </a:r>
-            <a:endParaRPr/>
-          </a:p>
-        </p:txBody>
-      </p:sp>
     </p:spTree>
   </p:cSld>
   <p:clrMapOvr>
@@ -18855,7 +19287,7 @@
   <p:cSld>
     <p:spTree>
       <p:nvGrpSpPr>
-        <p:cNvPr id="339" name="Shape 339"/>
+        <p:cNvPr id="337" name="Shape 337"/>
         <p:cNvGrpSpPr/>
         <p:nvPr/>
       </p:nvGrpSpPr>
@@ -18869,16 +19301,56 @@
       </p:grpSpPr>
       <p:sp>
         <p:nvSpPr>
-          <p:cNvPr id="340" name="Google Shape;340;p44"/>
+          <p:cNvPr id="338" name="Google Shape;338;p44"/>
           <p:cNvSpPr txBox="1"/>
           <p:nvPr>
-            <p:ph idx="4294967295" type="title"/>
+            <p:ph type="title"/>
           </p:nvPr>
         </p:nvSpPr>
         <p:spPr>
           <a:xfrm>
-            <a:off x="311700" y="445025"/>
-            <a:ext cx="8520600" cy="572700"/>
+            <a:off x="592125" y="266650"/>
+            <a:ext cx="7852200" cy="861000"/>
+          </a:xfrm>
+          <a:prstGeom prst="rect">
+            <a:avLst/>
+          </a:prstGeom>
+        </p:spPr>
+        <p:txBody>
+          <a:bodyPr anchorCtr="0" anchor="ctr" bIns="91425" lIns="91425" spcFirstLastPara="1" rIns="91425" wrap="square" tIns="91425">
+            <a:noAutofit/>
+          </a:bodyPr>
+          <a:lstStyle/>
+          <a:p>
+            <a:pPr indent="0" lvl="0" marL="0" rtl="0" algn="l">
+              <a:spcBef>
+                <a:spcPts val="0"/>
+              </a:spcBef>
+              <a:spcAft>
+                <a:spcPts val="0"/>
+              </a:spcAft>
+              <a:buNone/>
+            </a:pPr>
+            <a:r>
+              <a:rPr lang="en"/>
+              <a:t>Model Results - Clinical Interpretation </a:t>
+            </a:r>
+            <a:endParaRPr/>
+          </a:p>
+        </p:txBody>
+      </p:sp>
+      <p:sp>
+        <p:nvSpPr>
+          <p:cNvPr id="339" name="Google Shape;339;p44"/>
+          <p:cNvSpPr txBox="1"/>
+          <p:nvPr>
+            <p:ph idx="4294967295" type="body"/>
+          </p:nvPr>
+        </p:nvSpPr>
+        <p:spPr>
+          <a:xfrm>
+            <a:off x="315125" y="1127650"/>
+            <a:ext cx="2798100" cy="3746100"/>
           </a:xfrm>
           <a:prstGeom prst="rect">
             <a:avLst/>
@@ -18900,1411 +19372,243 @@
               <a:buNone/>
             </a:pPr>
             <a:r>
-              <a:rPr lang="en"/>
-              <a:t>Model Summary: LR, LRCV, Random Forest, XGBoost  </a:t>
+              <a:rPr b="1" lang="en" sz="2000" u="sng"/>
+              <a:t>Feature Importance</a:t>
+            </a:r>
+            <a:endParaRPr sz="1400"/>
+          </a:p>
+          <a:p>
+            <a:pPr indent="-304800" lvl="0" marL="457200" rtl="0" algn="l">
+              <a:spcBef>
+                <a:spcPts val="1600"/>
+              </a:spcBef>
+              <a:spcAft>
+                <a:spcPts val="0"/>
+              </a:spcAft>
+              <a:buSzPts val="1200"/>
+              <a:buChar char="●"/>
+            </a:pPr>
+            <a:r>
+              <a:rPr lang="en" sz="1200"/>
+              <a:t>Discharged to Home</a:t>
+            </a:r>
+            <a:endParaRPr sz="1200"/>
+          </a:p>
+          <a:p>
+            <a:pPr indent="-304800" lvl="1" marL="914400" rtl="0" algn="l">
+              <a:spcBef>
+                <a:spcPts val="0"/>
+              </a:spcBef>
+              <a:spcAft>
+                <a:spcPts val="0"/>
+              </a:spcAft>
+              <a:buSzPts val="1200"/>
+              <a:buChar char="○"/>
+            </a:pPr>
+            <a:r>
+              <a:rPr lang="en" sz="1200"/>
+              <a:t>Improve discharge instructions or followup</a:t>
+            </a:r>
+            <a:endParaRPr sz="1200"/>
+          </a:p>
+          <a:p>
+            <a:pPr indent="-304800" lvl="0" marL="457200" rtl="0" algn="l">
+              <a:spcBef>
+                <a:spcPts val="0"/>
+              </a:spcBef>
+              <a:spcAft>
+                <a:spcPts val="0"/>
+              </a:spcAft>
+              <a:buSzPts val="1200"/>
+              <a:buChar char="●"/>
+            </a:pPr>
+            <a:r>
+              <a:rPr lang="en" sz="1200"/>
+              <a:t>Number Inpatient Visits</a:t>
+            </a:r>
+            <a:endParaRPr sz="1200"/>
+          </a:p>
+          <a:p>
+            <a:pPr indent="-304800" lvl="0" marL="457200" rtl="0" algn="l">
+              <a:spcBef>
+                <a:spcPts val="0"/>
+              </a:spcBef>
+              <a:spcAft>
+                <a:spcPts val="0"/>
+              </a:spcAft>
+              <a:buSzPts val="1200"/>
+              <a:buChar char="●"/>
+            </a:pPr>
+            <a:r>
+              <a:rPr lang="en" sz="1200"/>
+              <a:t>Musculoskeletal Disease</a:t>
+            </a:r>
+            <a:endParaRPr sz="1200"/>
+          </a:p>
+          <a:p>
+            <a:pPr indent="-304800" lvl="1" marL="914400" rtl="0" algn="l">
+              <a:spcBef>
+                <a:spcPts val="0"/>
+              </a:spcBef>
+              <a:spcAft>
+                <a:spcPts val="0"/>
+              </a:spcAft>
+              <a:buSzPts val="1200"/>
+              <a:buChar char="○"/>
+            </a:pPr>
+            <a:r>
+              <a:rPr lang="en" sz="1200"/>
+              <a:t>Common for Diabetics </a:t>
+            </a:r>
+            <a:endParaRPr sz="1200"/>
+          </a:p>
+          <a:p>
+            <a:pPr indent="-304800" lvl="0" marL="457200" rtl="0" algn="l">
+              <a:spcBef>
+                <a:spcPts val="0"/>
+              </a:spcBef>
+              <a:spcAft>
+                <a:spcPts val="0"/>
+              </a:spcAft>
+              <a:buSzPts val="1200"/>
+              <a:buChar char="●"/>
+            </a:pPr>
+            <a:r>
+              <a:rPr lang="en" sz="1200"/>
+              <a:t>Age 40-90</a:t>
+            </a:r>
+            <a:endParaRPr sz="1200"/>
+          </a:p>
+          <a:p>
+            <a:pPr indent="-304800" lvl="0" marL="457200" rtl="0" algn="l">
+              <a:spcBef>
+                <a:spcPts val="0"/>
+              </a:spcBef>
+              <a:spcAft>
+                <a:spcPts val="0"/>
+              </a:spcAft>
+              <a:buSzPts val="1200"/>
+              <a:buChar char="●"/>
+            </a:pPr>
+            <a:r>
+              <a:rPr lang="en" sz="1200"/>
+              <a:t>Age Under 40</a:t>
+            </a:r>
+            <a:endParaRPr sz="1200"/>
+          </a:p>
+          <a:p>
+            <a:pPr indent="-304800" lvl="0" marL="457200" rtl="0" algn="l">
+              <a:spcBef>
+                <a:spcPts val="0"/>
+              </a:spcBef>
+              <a:spcAft>
+                <a:spcPts val="0"/>
+              </a:spcAft>
+              <a:buSzPts val="1200"/>
+              <a:buChar char="●"/>
+            </a:pPr>
+            <a:r>
+              <a:rPr lang="en" sz="1200"/>
+              <a:t>Takes Glipizide</a:t>
+            </a:r>
+            <a:endParaRPr sz="1200"/>
+          </a:p>
+          <a:p>
+            <a:pPr indent="-304800" lvl="1" marL="914400" rtl="0" algn="l">
+              <a:spcBef>
+                <a:spcPts val="0"/>
+              </a:spcBef>
+              <a:spcAft>
+                <a:spcPts val="0"/>
+              </a:spcAft>
+              <a:buSzPts val="1200"/>
+              <a:buChar char="○"/>
+            </a:pPr>
+            <a:r>
+              <a:rPr lang="en" sz="1200"/>
+              <a:t>Lowers blood sugar</a:t>
+            </a:r>
+            <a:endParaRPr sz="1200"/>
+          </a:p>
+          <a:p>
+            <a:pPr indent="-304800" lvl="0" marL="457200" rtl="0" algn="l">
+              <a:spcBef>
+                <a:spcPts val="0"/>
+              </a:spcBef>
+              <a:spcAft>
+                <a:spcPts val="0"/>
+              </a:spcAft>
+              <a:buSzPts val="1200"/>
+              <a:buChar char="●"/>
+            </a:pPr>
+            <a:r>
+              <a:rPr lang="en" sz="1200"/>
+              <a:t>A1c Result Over 8%</a:t>
+            </a:r>
+            <a:endParaRPr sz="1200"/>
+          </a:p>
+          <a:p>
+            <a:pPr indent="-304800" lvl="1" marL="914400" rtl="0" algn="l">
+              <a:spcBef>
+                <a:spcPts val="0"/>
+              </a:spcBef>
+              <a:spcAft>
+                <a:spcPts val="0"/>
+              </a:spcAft>
+              <a:buSzPts val="1200"/>
+              <a:buChar char="○"/>
+            </a:pPr>
+            <a:r>
+              <a:rPr lang="en" sz="1200"/>
+              <a:t>Indicates poor control of Diabetes</a:t>
+            </a:r>
+            <a:endParaRPr sz="1200"/>
+          </a:p>
+          <a:p>
+            <a:pPr indent="0" lvl="0" marL="0" rtl="0" algn="l">
+              <a:spcBef>
+                <a:spcPts val="1600"/>
+              </a:spcBef>
+              <a:spcAft>
+                <a:spcPts val="1600"/>
+              </a:spcAft>
+              <a:buNone/>
+            </a:pPr>
+            <a:r>
+              <a:t/>
             </a:r>
             <a:endParaRPr/>
           </a:p>
         </p:txBody>
       </p:sp>
-      <p:sp>
-        <p:nvSpPr>
-          <p:cNvPr id="341" name="Google Shape;341;p44"/>
-          <p:cNvSpPr txBox="1"/>
-          <p:nvPr>
-            <p:ph idx="4294967295" type="body"/>
-          </p:nvPr>
-        </p:nvSpPr>
-        <p:spPr>
-          <a:xfrm>
-            <a:off x="311700" y="1152475"/>
-            <a:ext cx="3999900" cy="3416400"/>
+      <p:pic>
+        <p:nvPicPr>
+          <p:cNvPr id="340" name="Google Shape;340;p44"/>
+          <p:cNvPicPr preferRelativeResize="0"/>
+          <p:nvPr/>
+        </p:nvPicPr>
+        <p:blipFill>
+          <a:blip r:embed="rId3">
+            <a:alphaModFix/>
+          </a:blip>
+          <a:stretch>
+            <a:fillRect/>
+          </a:stretch>
+        </p:blipFill>
+        <p:spPr>
+          <a:xfrm>
+            <a:off x="3185700" y="1300488"/>
+            <a:ext cx="5676900" cy="3400425"/>
           </a:xfrm>
           <a:prstGeom prst="rect">
             <a:avLst/>
           </a:prstGeom>
-        </p:spPr>
-        <p:txBody>
-          <a:bodyPr anchorCtr="0" anchor="t" bIns="91425" lIns="91425" spcFirstLastPara="1" rIns="91425" wrap="square" tIns="91425">
-            <a:noAutofit/>
-          </a:bodyPr>
-          <a:lstStyle/>
-          <a:p>
-            <a:pPr indent="0" lvl="0" marL="0" rtl="0" algn="l">
-              <a:spcBef>
-                <a:spcPts val="0"/>
-              </a:spcBef>
-              <a:spcAft>
-                <a:spcPts val="0"/>
-              </a:spcAft>
-              <a:buNone/>
-            </a:pPr>
-            <a:r>
-              <a:rPr b="1" lang="en" sz="2100">
-                <a:solidFill>
-                  <a:schemeClr val="dk1"/>
-                </a:solidFill>
-              </a:rPr>
-              <a:t>Findings</a:t>
-            </a:r>
-            <a:endParaRPr b="1" sz="2100">
-              <a:solidFill>
-                <a:schemeClr val="dk1"/>
-              </a:solidFill>
-            </a:endParaRPr>
-          </a:p>
-          <a:p>
-            <a:pPr indent="0" lvl="0" marL="0" rtl="0" algn="l">
-              <a:spcBef>
-                <a:spcPts val="1600"/>
-              </a:spcBef>
-              <a:spcAft>
-                <a:spcPts val="0"/>
-              </a:spcAft>
-              <a:buNone/>
-            </a:pPr>
-            <a:r>
-              <a:rPr lang="en" sz="1600"/>
-              <a:t>Lorem ipsum dolor sit amet, consectetur adipiscing elit, sed do eiusmod tempor </a:t>
-            </a:r>
-            <a:endParaRPr sz="1600"/>
-          </a:p>
-          <a:p>
-            <a:pPr indent="0" lvl="0" marL="0" rtl="0" algn="l">
-              <a:spcBef>
-                <a:spcPts val="1600"/>
-              </a:spcBef>
-              <a:spcAft>
-                <a:spcPts val="0"/>
-              </a:spcAft>
-              <a:buNone/>
-            </a:pPr>
-            <a:r>
-              <a:rPr b="1" lang="en" sz="1600"/>
-              <a:t>Client Implications:</a:t>
-            </a:r>
-            <a:endParaRPr b="1" sz="1600"/>
-          </a:p>
-          <a:p>
-            <a:pPr indent="-330200" lvl="0" marL="457200" rtl="0" algn="l">
-              <a:spcBef>
-                <a:spcPts val="0"/>
-              </a:spcBef>
-              <a:spcAft>
-                <a:spcPts val="0"/>
-              </a:spcAft>
-              <a:buSzPts val="1600"/>
-              <a:buChar char="●"/>
-            </a:pPr>
-            <a:r>
-              <a:rPr lang="en" sz="1600"/>
-              <a:t>Incididunt ut labore et dolore</a:t>
-            </a:r>
-            <a:endParaRPr sz="1600"/>
-          </a:p>
-          <a:p>
-            <a:pPr indent="-330200" lvl="0" marL="457200" rtl="0" algn="l">
-              <a:spcBef>
-                <a:spcPts val="0"/>
-              </a:spcBef>
-              <a:spcAft>
-                <a:spcPts val="0"/>
-              </a:spcAft>
-              <a:buSzPts val="1600"/>
-              <a:buChar char="●"/>
-            </a:pPr>
-            <a:r>
-              <a:rPr lang="en" sz="1600"/>
-              <a:t>Consectetur adipiscing elit, sed do eiusmod tempor incididunt ut labore</a:t>
-            </a:r>
-            <a:endParaRPr sz="1600"/>
-          </a:p>
-        </p:txBody>
-      </p:sp>
-      <p:sp>
-        <p:nvSpPr>
-          <p:cNvPr id="342" name="Google Shape;342;p44"/>
-          <p:cNvSpPr txBox="1"/>
-          <p:nvPr>
-            <p:ph idx="4294967295" type="body"/>
-          </p:nvPr>
-        </p:nvSpPr>
-        <p:spPr>
-          <a:xfrm>
-            <a:off x="7996175" y="254200"/>
-            <a:ext cx="689400" cy="219000"/>
-          </a:xfrm>
-          <a:prstGeom prst="rect">
-            <a:avLst/>
-          </a:prstGeom>
-        </p:spPr>
-        <p:txBody>
-          <a:bodyPr anchorCtr="0" anchor="ctr" bIns="91425" lIns="91425" spcFirstLastPara="1" rIns="91425" wrap="square" tIns="91425">
-            <a:noAutofit/>
-          </a:bodyPr>
-          <a:lstStyle/>
-          <a:p>
-            <a:pPr indent="0" lvl="0" marL="0" rtl="0" algn="l">
-              <a:lnSpc>
-                <a:spcPct val="100000"/>
-              </a:lnSpc>
-              <a:spcBef>
-                <a:spcPts val="0"/>
-              </a:spcBef>
-              <a:spcAft>
-                <a:spcPts val="0"/>
-              </a:spcAft>
-              <a:buNone/>
-            </a:pPr>
-            <a:r>
-              <a:rPr b="1" lang="en" sz="1400">
-                <a:solidFill>
-                  <a:schemeClr val="lt2"/>
-                </a:solidFill>
-              </a:rPr>
-              <a:t>Train</a:t>
-            </a:r>
-            <a:endParaRPr sz="1400">
-              <a:solidFill>
-                <a:schemeClr val="lt2"/>
-              </a:solidFill>
-            </a:endParaRPr>
-          </a:p>
-        </p:txBody>
-      </p:sp>
-      <p:sp>
-        <p:nvSpPr>
-          <p:cNvPr id="343" name="Google Shape;343;p44"/>
-          <p:cNvSpPr/>
-          <p:nvPr/>
-        </p:nvSpPr>
-        <p:spPr>
-          <a:xfrm>
-            <a:off x="8685573" y="254209"/>
-            <a:ext cx="219000" cy="219000"/>
-          </a:xfrm>
-          <a:prstGeom prst="rect">
-            <a:avLst/>
-          </a:prstGeom>
-          <a:solidFill>
-            <a:schemeClr val="dk1"/>
-          </a:solidFill>
+          <a:noFill/>
           <a:ln>
             <a:noFill/>
           </a:ln>
         </p:spPr>
-        <p:txBody>
-          <a:bodyPr anchorCtr="0" anchor="ctr" bIns="91425" lIns="91425" spcFirstLastPara="1" rIns="91425" wrap="square" tIns="91425">
-            <a:noAutofit/>
-          </a:bodyPr>
-          <a:lstStyle/>
-          <a:p>
-            <a:pPr indent="0" lvl="0" marL="0" rtl="0" algn="l">
-              <a:spcBef>
-                <a:spcPts val="0"/>
-              </a:spcBef>
-              <a:spcAft>
-                <a:spcPts val="0"/>
-              </a:spcAft>
-              <a:buNone/>
-            </a:pPr>
-            <a:r>
-              <a:t/>
-            </a:r>
-            <a:endParaRPr/>
-          </a:p>
-        </p:txBody>
-      </p:sp>
-      <p:sp>
-        <p:nvSpPr>
-          <p:cNvPr id="344" name="Google Shape;344;p44"/>
-          <p:cNvSpPr txBox="1"/>
-          <p:nvPr>
-            <p:ph idx="4294967295" type="body"/>
-          </p:nvPr>
-        </p:nvSpPr>
-        <p:spPr>
-          <a:xfrm>
-            <a:off x="7996175" y="602125"/>
-            <a:ext cx="689400" cy="219000"/>
-          </a:xfrm>
-          <a:prstGeom prst="rect">
-            <a:avLst/>
-          </a:prstGeom>
-        </p:spPr>
-        <p:txBody>
-          <a:bodyPr anchorCtr="0" anchor="ctr" bIns="91425" lIns="91425" spcFirstLastPara="1" rIns="91425" wrap="square" tIns="91425">
-            <a:noAutofit/>
-          </a:bodyPr>
-          <a:lstStyle/>
-          <a:p>
-            <a:pPr indent="0" lvl="0" marL="0" rtl="0" algn="l">
-              <a:lnSpc>
-                <a:spcPct val="100000"/>
-              </a:lnSpc>
-              <a:spcBef>
-                <a:spcPts val="0"/>
-              </a:spcBef>
-              <a:spcAft>
-                <a:spcPts val="0"/>
-              </a:spcAft>
-              <a:buNone/>
-            </a:pPr>
-            <a:r>
-              <a:rPr b="1" lang="en" sz="1400">
-                <a:solidFill>
-                  <a:schemeClr val="lt2"/>
-                </a:solidFill>
-              </a:rPr>
-              <a:t>Test</a:t>
-            </a:r>
-            <a:endParaRPr sz="1400">
-              <a:solidFill>
-                <a:schemeClr val="lt2"/>
-              </a:solidFill>
-            </a:endParaRPr>
-          </a:p>
-        </p:txBody>
-      </p:sp>
-      <p:sp>
-        <p:nvSpPr>
-          <p:cNvPr id="345" name="Google Shape;345;p44"/>
-          <p:cNvSpPr/>
-          <p:nvPr/>
-        </p:nvSpPr>
-        <p:spPr>
-          <a:xfrm>
-            <a:off x="8685573" y="602134"/>
-            <a:ext cx="219000" cy="219000"/>
-          </a:xfrm>
-          <a:prstGeom prst="rect">
-            <a:avLst/>
-          </a:prstGeom>
-          <a:solidFill>
-            <a:schemeClr val="accent3"/>
-          </a:solidFill>
-          <a:ln>
-            <a:noFill/>
-          </a:ln>
-        </p:spPr>
-        <p:txBody>
-          <a:bodyPr anchorCtr="0" anchor="ctr" bIns="91425" lIns="91425" spcFirstLastPara="1" rIns="91425" wrap="square" tIns="91425">
-            <a:noAutofit/>
-          </a:bodyPr>
-          <a:lstStyle/>
-          <a:p>
-            <a:pPr indent="0" lvl="0" marL="0" rtl="0" algn="l">
-              <a:spcBef>
-                <a:spcPts val="0"/>
-              </a:spcBef>
-              <a:spcAft>
-                <a:spcPts val="0"/>
-              </a:spcAft>
-              <a:buNone/>
-            </a:pPr>
-            <a:r>
-              <a:t/>
-            </a:r>
-            <a:endParaRPr/>
-          </a:p>
-        </p:txBody>
-      </p:sp>
-      <p:sp>
-        <p:nvSpPr>
-          <p:cNvPr id="346" name="Google Shape;346;p44"/>
-          <p:cNvSpPr txBox="1"/>
-          <p:nvPr>
-            <p:ph idx="4294967295" type="body"/>
-          </p:nvPr>
-        </p:nvSpPr>
-        <p:spPr>
-          <a:xfrm>
-            <a:off x="5688925" y="4544700"/>
-            <a:ext cx="689400" cy="314400"/>
-          </a:xfrm>
-          <a:prstGeom prst="rect">
-            <a:avLst/>
-          </a:prstGeom>
-        </p:spPr>
-        <p:txBody>
-          <a:bodyPr anchorCtr="0" anchor="ctr" bIns="91425" lIns="91425" spcFirstLastPara="1" rIns="91425" wrap="square" tIns="91425">
-            <a:noAutofit/>
-          </a:bodyPr>
-          <a:lstStyle/>
-          <a:p>
-            <a:pPr indent="0" lvl="0" marL="0" rtl="0" algn="ctr">
-              <a:lnSpc>
-                <a:spcPct val="100000"/>
-              </a:lnSpc>
-              <a:spcBef>
-                <a:spcPts val="0"/>
-              </a:spcBef>
-              <a:spcAft>
-                <a:spcPts val="0"/>
-              </a:spcAft>
-              <a:buNone/>
-            </a:pPr>
-            <a:r>
-              <a:rPr b="1" lang="en" sz="1400">
-                <a:solidFill>
-                  <a:schemeClr val="dk1"/>
-                </a:solidFill>
-              </a:rPr>
-              <a:t>LR</a:t>
-            </a:r>
-            <a:endParaRPr sz="1400"/>
-          </a:p>
-        </p:txBody>
-      </p:sp>
-      <p:sp>
-        <p:nvSpPr>
-          <p:cNvPr id="347" name="Google Shape;347;p44"/>
-          <p:cNvSpPr txBox="1"/>
-          <p:nvPr>
-            <p:ph idx="4294967295" type="body"/>
-          </p:nvPr>
-        </p:nvSpPr>
-        <p:spPr>
-          <a:xfrm>
-            <a:off x="5689050" y="2745850"/>
-            <a:ext cx="689400" cy="314400"/>
-          </a:xfrm>
-          <a:prstGeom prst="rect">
-            <a:avLst/>
-          </a:prstGeom>
-        </p:spPr>
-        <p:txBody>
-          <a:bodyPr anchorCtr="0" anchor="ctr" bIns="91425" lIns="91425" spcFirstLastPara="1" rIns="91425" wrap="square" tIns="91425">
-            <a:noAutofit/>
-          </a:bodyPr>
-          <a:lstStyle/>
-          <a:p>
-            <a:pPr indent="0" lvl="0" marL="0" rtl="0" algn="ctr">
-              <a:lnSpc>
-                <a:spcPct val="100000"/>
-              </a:lnSpc>
-              <a:spcBef>
-                <a:spcPts val="0"/>
-              </a:spcBef>
-              <a:spcAft>
-                <a:spcPts val="0"/>
-              </a:spcAft>
-              <a:buNone/>
-            </a:pPr>
-            <a:r>
-              <a:rPr b="1" lang="en" sz="1400">
-                <a:solidFill>
-                  <a:schemeClr val="accent5"/>
-                </a:solidFill>
-              </a:rPr>
-              <a:t>20</a:t>
-            </a:r>
-            <a:endParaRPr sz="1400">
-              <a:solidFill>
-                <a:schemeClr val="accent5"/>
-              </a:solidFill>
-            </a:endParaRPr>
-          </a:p>
-        </p:txBody>
-      </p:sp>
-      <p:sp>
-        <p:nvSpPr>
-          <p:cNvPr id="348" name="Google Shape;348;p44"/>
-          <p:cNvSpPr/>
-          <p:nvPr/>
-        </p:nvSpPr>
-        <p:spPr>
-          <a:xfrm>
-            <a:off x="5688763" y="3060256"/>
-            <a:ext cx="689700" cy="371100"/>
-          </a:xfrm>
-          <a:prstGeom prst="rect">
-            <a:avLst/>
-          </a:prstGeom>
-          <a:solidFill>
-            <a:schemeClr val="dk1"/>
-          </a:solidFill>
-          <a:ln>
-            <a:noFill/>
-          </a:ln>
-        </p:spPr>
-        <p:txBody>
-          <a:bodyPr anchorCtr="0" anchor="ctr" bIns="91425" lIns="91425" spcFirstLastPara="1" rIns="91425" wrap="square" tIns="91425">
-            <a:noAutofit/>
-          </a:bodyPr>
-          <a:lstStyle/>
-          <a:p>
-            <a:pPr indent="0" lvl="0" marL="0" rtl="0" algn="l">
-              <a:spcBef>
-                <a:spcPts val="0"/>
-              </a:spcBef>
-              <a:spcAft>
-                <a:spcPts val="0"/>
-              </a:spcAft>
-              <a:buNone/>
-            </a:pPr>
-            <a:r>
-              <a:t/>
-            </a:r>
-            <a:endParaRPr/>
-          </a:p>
-        </p:txBody>
-      </p:sp>
-      <p:sp>
-        <p:nvSpPr>
-          <p:cNvPr id="349" name="Google Shape;349;p44"/>
-          <p:cNvSpPr txBox="1"/>
-          <p:nvPr>
-            <p:ph idx="4294967295" type="body"/>
-          </p:nvPr>
-        </p:nvSpPr>
-        <p:spPr>
-          <a:xfrm>
-            <a:off x="5689075" y="3083375"/>
-            <a:ext cx="689400" cy="1461300"/>
-          </a:xfrm>
-          <a:prstGeom prst="rect">
-            <a:avLst/>
-          </a:prstGeom>
-          <a:solidFill>
-            <a:schemeClr val="dk1"/>
-          </a:solidFill>
-        </p:spPr>
-        <p:txBody>
-          <a:bodyPr anchorCtr="0" anchor="ctr" bIns="91425" lIns="91425" spcFirstLastPara="1" rIns="91425" wrap="square" tIns="91425">
-            <a:noAutofit/>
-          </a:bodyPr>
-          <a:lstStyle/>
-          <a:p>
-            <a:pPr indent="0" lvl="0" marL="0" rtl="0" algn="ctr">
-              <a:lnSpc>
-                <a:spcPct val="100000"/>
-              </a:lnSpc>
-              <a:spcBef>
-                <a:spcPts val="0"/>
-              </a:spcBef>
-              <a:spcAft>
-                <a:spcPts val="0"/>
-              </a:spcAft>
-              <a:buNone/>
-            </a:pPr>
-            <a:r>
-              <a:rPr b="1" lang="en" sz="1400">
-                <a:solidFill>
-                  <a:schemeClr val="lt1"/>
-                </a:solidFill>
-              </a:rPr>
-              <a:t>5</a:t>
-            </a:r>
-            <a:endParaRPr sz="1400">
-              <a:solidFill>
-                <a:schemeClr val="lt1"/>
-              </a:solidFill>
-            </a:endParaRPr>
-          </a:p>
-        </p:txBody>
-      </p:sp>
-      <p:sp>
-        <p:nvSpPr>
-          <p:cNvPr id="350" name="Google Shape;350;p44"/>
-          <p:cNvSpPr txBox="1"/>
-          <p:nvPr>
-            <p:ph idx="4294967295" type="body"/>
-          </p:nvPr>
-        </p:nvSpPr>
-        <p:spPr>
-          <a:xfrm>
-            <a:off x="6534813" y="4544700"/>
-            <a:ext cx="689400" cy="314400"/>
-          </a:xfrm>
-          <a:prstGeom prst="rect">
-            <a:avLst/>
-          </a:prstGeom>
-        </p:spPr>
-        <p:txBody>
-          <a:bodyPr anchorCtr="0" anchor="ctr" bIns="91425" lIns="91425" spcFirstLastPara="1" rIns="91425" wrap="square" tIns="91425">
-            <a:noAutofit/>
-          </a:bodyPr>
-          <a:lstStyle/>
-          <a:p>
-            <a:pPr indent="0" lvl="0" marL="0" rtl="0" algn="ctr">
-              <a:lnSpc>
-                <a:spcPct val="100000"/>
-              </a:lnSpc>
-              <a:spcBef>
-                <a:spcPts val="0"/>
-              </a:spcBef>
-              <a:spcAft>
-                <a:spcPts val="0"/>
-              </a:spcAft>
-              <a:buNone/>
-            </a:pPr>
-            <a:r>
-              <a:rPr b="1" lang="en" sz="1400">
-                <a:solidFill>
-                  <a:schemeClr val="dk1"/>
-                </a:solidFill>
-              </a:rPr>
-              <a:t>LRCV</a:t>
-            </a:r>
-            <a:endParaRPr sz="1400"/>
-          </a:p>
-        </p:txBody>
-      </p:sp>
-      <p:sp>
-        <p:nvSpPr>
-          <p:cNvPr id="351" name="Google Shape;351;p44"/>
-          <p:cNvSpPr txBox="1"/>
-          <p:nvPr>
-            <p:ph idx="4294967295" type="body"/>
-          </p:nvPr>
-        </p:nvSpPr>
-        <p:spPr>
-          <a:xfrm>
-            <a:off x="6534825" y="2069100"/>
-            <a:ext cx="689400" cy="314400"/>
-          </a:xfrm>
-          <a:prstGeom prst="rect">
-            <a:avLst/>
-          </a:prstGeom>
-        </p:spPr>
-        <p:txBody>
-          <a:bodyPr anchorCtr="0" anchor="ctr" bIns="91425" lIns="91425" spcFirstLastPara="1" rIns="91425" wrap="square" tIns="91425">
-            <a:noAutofit/>
-          </a:bodyPr>
-          <a:lstStyle/>
-          <a:p>
-            <a:pPr indent="0" lvl="0" marL="0" rtl="0" algn="ctr">
-              <a:lnSpc>
-                <a:spcPct val="100000"/>
-              </a:lnSpc>
-              <a:spcBef>
-                <a:spcPts val="0"/>
-              </a:spcBef>
-              <a:spcAft>
-                <a:spcPts val="0"/>
-              </a:spcAft>
-              <a:buNone/>
-            </a:pPr>
-            <a:r>
-              <a:rPr b="1" lang="en" sz="1400">
-                <a:solidFill>
-                  <a:schemeClr val="accent5"/>
-                </a:solidFill>
-              </a:rPr>
-              <a:t>29</a:t>
-            </a:r>
-            <a:endParaRPr sz="1400">
-              <a:solidFill>
-                <a:schemeClr val="accent5"/>
-              </a:solidFill>
-            </a:endParaRPr>
-          </a:p>
-        </p:txBody>
-      </p:sp>
-      <p:sp>
-        <p:nvSpPr>
-          <p:cNvPr id="352" name="Google Shape;352;p44"/>
-          <p:cNvSpPr/>
-          <p:nvPr/>
-        </p:nvSpPr>
-        <p:spPr>
-          <a:xfrm>
-            <a:off x="6534875" y="2383507"/>
-            <a:ext cx="689400" cy="306300"/>
-          </a:xfrm>
-          <a:prstGeom prst="rect">
-            <a:avLst/>
-          </a:prstGeom>
-          <a:solidFill>
-            <a:schemeClr val="dk1"/>
-          </a:solidFill>
-          <a:ln>
-            <a:noFill/>
-          </a:ln>
-        </p:spPr>
-        <p:txBody>
-          <a:bodyPr anchorCtr="0" anchor="ctr" bIns="91425" lIns="91425" spcFirstLastPara="1" rIns="91425" wrap="square" tIns="91425">
-            <a:noAutofit/>
-          </a:bodyPr>
-          <a:lstStyle/>
-          <a:p>
-            <a:pPr indent="0" lvl="0" marL="0" rtl="0" algn="l">
-              <a:spcBef>
-                <a:spcPts val="0"/>
-              </a:spcBef>
-              <a:spcAft>
-                <a:spcPts val="0"/>
-              </a:spcAft>
-              <a:buNone/>
-            </a:pPr>
-            <a:r>
-              <a:t/>
-            </a:r>
-            <a:endParaRPr/>
-          </a:p>
-        </p:txBody>
-      </p:sp>
-      <p:sp>
-        <p:nvSpPr>
-          <p:cNvPr id="353" name="Google Shape;353;p44"/>
-          <p:cNvSpPr txBox="1"/>
-          <p:nvPr>
-            <p:ph idx="4294967295" type="body"/>
-          </p:nvPr>
-        </p:nvSpPr>
-        <p:spPr>
-          <a:xfrm>
-            <a:off x="6534875" y="2380513"/>
-            <a:ext cx="689400" cy="314400"/>
-          </a:xfrm>
-          <a:prstGeom prst="rect">
-            <a:avLst/>
-          </a:prstGeom>
-        </p:spPr>
-        <p:txBody>
-          <a:bodyPr anchorCtr="0" anchor="ctr" bIns="91425" lIns="91425" spcFirstLastPara="1" rIns="91425" wrap="square" tIns="91425">
-            <a:noAutofit/>
-          </a:bodyPr>
-          <a:lstStyle/>
-          <a:p>
-            <a:pPr indent="0" lvl="0" marL="0" rtl="0" algn="ctr">
-              <a:lnSpc>
-                <a:spcPct val="100000"/>
-              </a:lnSpc>
-              <a:spcBef>
-                <a:spcPts val="0"/>
-              </a:spcBef>
-              <a:spcAft>
-                <a:spcPts val="0"/>
-              </a:spcAft>
-              <a:buNone/>
-            </a:pPr>
-            <a:r>
-              <a:rPr b="1" lang="en" sz="1400">
-                <a:solidFill>
-                  <a:schemeClr val="lt1"/>
-                </a:solidFill>
-              </a:rPr>
-              <a:t>4</a:t>
-            </a:r>
-            <a:endParaRPr sz="1400">
-              <a:solidFill>
-                <a:schemeClr val="lt1"/>
-              </a:solidFill>
-            </a:endParaRPr>
-          </a:p>
-        </p:txBody>
-      </p:sp>
-      <p:sp>
-        <p:nvSpPr>
-          <p:cNvPr id="354" name="Google Shape;354;p44"/>
-          <p:cNvSpPr/>
-          <p:nvPr/>
-        </p:nvSpPr>
-        <p:spPr>
-          <a:xfrm>
-            <a:off x="6534875" y="2689800"/>
-            <a:ext cx="689400" cy="1855800"/>
-          </a:xfrm>
-          <a:prstGeom prst="rect">
-            <a:avLst/>
-          </a:prstGeom>
-          <a:solidFill>
-            <a:schemeClr val="accent3"/>
-          </a:solidFill>
-          <a:ln>
-            <a:noFill/>
-          </a:ln>
-        </p:spPr>
-        <p:txBody>
-          <a:bodyPr anchorCtr="0" anchor="ctr" bIns="91425" lIns="91425" spcFirstLastPara="1" rIns="91425" wrap="square" tIns="91425">
-            <a:noAutofit/>
-          </a:bodyPr>
-          <a:lstStyle/>
-          <a:p>
-            <a:pPr indent="0" lvl="0" marL="0" rtl="0" algn="l">
-              <a:spcBef>
-                <a:spcPts val="0"/>
-              </a:spcBef>
-              <a:spcAft>
-                <a:spcPts val="0"/>
-              </a:spcAft>
-              <a:buNone/>
-            </a:pPr>
-            <a:r>
-              <a:t/>
-            </a:r>
-            <a:endParaRPr/>
-          </a:p>
-        </p:txBody>
-      </p:sp>
-      <p:sp>
-        <p:nvSpPr>
-          <p:cNvPr id="355" name="Google Shape;355;p44"/>
-          <p:cNvSpPr txBox="1"/>
-          <p:nvPr>
-            <p:ph idx="4294967295" type="body"/>
-          </p:nvPr>
-        </p:nvSpPr>
-        <p:spPr>
-          <a:xfrm>
-            <a:off x="6534850" y="3383350"/>
-            <a:ext cx="689400" cy="314400"/>
-          </a:xfrm>
-          <a:prstGeom prst="rect">
-            <a:avLst/>
-          </a:prstGeom>
-        </p:spPr>
-        <p:txBody>
-          <a:bodyPr anchorCtr="0" anchor="ctr" bIns="91425" lIns="91425" spcFirstLastPara="1" rIns="91425" wrap="square" tIns="91425">
-            <a:noAutofit/>
-          </a:bodyPr>
-          <a:lstStyle/>
-          <a:p>
-            <a:pPr indent="0" lvl="0" marL="0" rtl="0" algn="ctr">
-              <a:lnSpc>
-                <a:spcPct val="100000"/>
-              </a:lnSpc>
-              <a:spcBef>
-                <a:spcPts val="0"/>
-              </a:spcBef>
-              <a:spcAft>
-                <a:spcPts val="0"/>
-              </a:spcAft>
-              <a:buNone/>
-            </a:pPr>
-            <a:r>
-              <a:rPr b="1" lang="en" sz="1400">
-                <a:solidFill>
-                  <a:schemeClr val="lt1"/>
-                </a:solidFill>
-              </a:rPr>
-              <a:t>25</a:t>
-            </a:r>
-            <a:endParaRPr sz="1400">
-              <a:solidFill>
-                <a:schemeClr val="lt1"/>
-              </a:solidFill>
-            </a:endParaRPr>
-          </a:p>
-        </p:txBody>
-      </p:sp>
-      <p:sp>
-        <p:nvSpPr>
-          <p:cNvPr id="356" name="Google Shape;356;p44"/>
-          <p:cNvSpPr txBox="1"/>
-          <p:nvPr>
-            <p:ph idx="4294967295" type="body"/>
-          </p:nvPr>
-        </p:nvSpPr>
-        <p:spPr>
-          <a:xfrm>
-            <a:off x="7380800" y="4544700"/>
-            <a:ext cx="689400" cy="314400"/>
-          </a:xfrm>
-          <a:prstGeom prst="rect">
-            <a:avLst/>
-          </a:prstGeom>
-        </p:spPr>
-        <p:txBody>
-          <a:bodyPr anchorCtr="0" anchor="ctr" bIns="91425" lIns="91425" spcFirstLastPara="1" rIns="91425" wrap="square" tIns="91425">
-            <a:noAutofit/>
-          </a:bodyPr>
-          <a:lstStyle/>
-          <a:p>
-            <a:pPr indent="0" lvl="0" marL="0" rtl="0" algn="ctr">
-              <a:lnSpc>
-                <a:spcPct val="100000"/>
-              </a:lnSpc>
-              <a:spcBef>
-                <a:spcPts val="0"/>
-              </a:spcBef>
-              <a:spcAft>
-                <a:spcPts val="0"/>
-              </a:spcAft>
-              <a:buNone/>
-            </a:pPr>
-            <a:r>
-              <a:rPr b="1" lang="en" sz="1400">
-                <a:solidFill>
-                  <a:schemeClr val="dk1"/>
-                </a:solidFill>
-              </a:rPr>
-              <a:t>RF</a:t>
-            </a:r>
-            <a:endParaRPr sz="1400"/>
-          </a:p>
-        </p:txBody>
-      </p:sp>
-      <p:sp>
-        <p:nvSpPr>
-          <p:cNvPr id="357" name="Google Shape;357;p44"/>
-          <p:cNvSpPr txBox="1"/>
-          <p:nvPr>
-            <p:ph idx="4294967295" type="body"/>
-          </p:nvPr>
-        </p:nvSpPr>
-        <p:spPr>
-          <a:xfrm>
-            <a:off x="7380800" y="1326900"/>
-            <a:ext cx="689400" cy="314400"/>
-          </a:xfrm>
-          <a:prstGeom prst="rect">
-            <a:avLst/>
-          </a:prstGeom>
-        </p:spPr>
-        <p:txBody>
-          <a:bodyPr anchorCtr="0" anchor="ctr" bIns="91425" lIns="91425" spcFirstLastPara="1" rIns="91425" wrap="square" tIns="91425">
-            <a:noAutofit/>
-          </a:bodyPr>
-          <a:lstStyle/>
-          <a:p>
-            <a:pPr indent="0" lvl="0" marL="0" rtl="0" algn="ctr">
-              <a:lnSpc>
-                <a:spcPct val="100000"/>
-              </a:lnSpc>
-              <a:spcBef>
-                <a:spcPts val="0"/>
-              </a:spcBef>
-              <a:spcAft>
-                <a:spcPts val="0"/>
-              </a:spcAft>
-              <a:buNone/>
-            </a:pPr>
-            <a:r>
-              <a:rPr b="1" lang="en" sz="1400">
-                <a:solidFill>
-                  <a:schemeClr val="accent5"/>
-                </a:solidFill>
-              </a:rPr>
-              <a:t>39</a:t>
-            </a:r>
-            <a:endParaRPr sz="1400">
-              <a:solidFill>
-                <a:schemeClr val="accent5"/>
-              </a:solidFill>
-            </a:endParaRPr>
-          </a:p>
-        </p:txBody>
-      </p:sp>
-      <p:sp>
-        <p:nvSpPr>
-          <p:cNvPr id="358" name="Google Shape;358;p44"/>
-          <p:cNvSpPr/>
-          <p:nvPr/>
-        </p:nvSpPr>
-        <p:spPr>
-          <a:xfrm>
-            <a:off x="7380700" y="1641307"/>
-            <a:ext cx="689400" cy="306300"/>
-          </a:xfrm>
-          <a:prstGeom prst="rect">
-            <a:avLst/>
-          </a:prstGeom>
-          <a:solidFill>
-            <a:schemeClr val="dk1"/>
-          </a:solidFill>
-          <a:ln>
-            <a:noFill/>
-          </a:ln>
-        </p:spPr>
-        <p:txBody>
-          <a:bodyPr anchorCtr="0" anchor="ctr" bIns="91425" lIns="91425" spcFirstLastPara="1" rIns="91425" wrap="square" tIns="91425">
-            <a:noAutofit/>
-          </a:bodyPr>
-          <a:lstStyle/>
-          <a:p>
-            <a:pPr indent="0" lvl="0" marL="0" rtl="0" algn="l">
-              <a:spcBef>
-                <a:spcPts val="0"/>
-              </a:spcBef>
-              <a:spcAft>
-                <a:spcPts val="0"/>
-              </a:spcAft>
-              <a:buNone/>
-            </a:pPr>
-            <a:r>
-              <a:t/>
-            </a:r>
-            <a:endParaRPr/>
-          </a:p>
-        </p:txBody>
-      </p:sp>
-      <p:sp>
-        <p:nvSpPr>
-          <p:cNvPr id="359" name="Google Shape;359;p44"/>
-          <p:cNvSpPr txBox="1"/>
-          <p:nvPr>
-            <p:ph idx="4294967295" type="body"/>
-          </p:nvPr>
-        </p:nvSpPr>
-        <p:spPr>
-          <a:xfrm>
-            <a:off x="7374938" y="1641288"/>
-            <a:ext cx="689400" cy="314400"/>
-          </a:xfrm>
-          <a:prstGeom prst="rect">
-            <a:avLst/>
-          </a:prstGeom>
-        </p:spPr>
-        <p:txBody>
-          <a:bodyPr anchorCtr="0" anchor="ctr" bIns="91425" lIns="91425" spcFirstLastPara="1" rIns="91425" wrap="square" tIns="91425">
-            <a:noAutofit/>
-          </a:bodyPr>
-          <a:lstStyle/>
-          <a:p>
-            <a:pPr indent="0" lvl="0" marL="0" rtl="0" algn="ctr">
-              <a:lnSpc>
-                <a:spcPct val="100000"/>
-              </a:lnSpc>
-              <a:spcBef>
-                <a:spcPts val="0"/>
-              </a:spcBef>
-              <a:spcAft>
-                <a:spcPts val="0"/>
-              </a:spcAft>
-              <a:buNone/>
-            </a:pPr>
-            <a:r>
-              <a:rPr b="1" lang="en" sz="1400">
-                <a:solidFill>
-                  <a:schemeClr val="lt1"/>
-                </a:solidFill>
-              </a:rPr>
-              <a:t>4</a:t>
-            </a:r>
-            <a:endParaRPr sz="1400">
-              <a:solidFill>
-                <a:schemeClr val="lt1"/>
-              </a:solidFill>
-            </a:endParaRPr>
-          </a:p>
-        </p:txBody>
-      </p:sp>
-      <p:sp>
-        <p:nvSpPr>
-          <p:cNvPr id="360" name="Google Shape;360;p44"/>
-          <p:cNvSpPr/>
-          <p:nvPr/>
-        </p:nvSpPr>
-        <p:spPr>
-          <a:xfrm>
-            <a:off x="7380700" y="1947601"/>
-            <a:ext cx="689400" cy="2597700"/>
-          </a:xfrm>
-          <a:prstGeom prst="rect">
-            <a:avLst/>
-          </a:prstGeom>
-          <a:solidFill>
-            <a:schemeClr val="accent3"/>
-          </a:solidFill>
-          <a:ln>
-            <a:noFill/>
-          </a:ln>
-        </p:spPr>
-        <p:txBody>
-          <a:bodyPr anchorCtr="0" anchor="ctr" bIns="91425" lIns="91425" spcFirstLastPara="1" rIns="91425" wrap="square" tIns="91425">
-            <a:noAutofit/>
-          </a:bodyPr>
-          <a:lstStyle/>
-          <a:p>
-            <a:pPr indent="0" lvl="0" marL="0" rtl="0" algn="l">
-              <a:spcBef>
-                <a:spcPts val="0"/>
-              </a:spcBef>
-              <a:spcAft>
-                <a:spcPts val="0"/>
-              </a:spcAft>
-              <a:buNone/>
-            </a:pPr>
-            <a:r>
-              <a:t/>
-            </a:r>
-            <a:endParaRPr/>
-          </a:p>
-        </p:txBody>
-      </p:sp>
-      <p:sp>
-        <p:nvSpPr>
-          <p:cNvPr id="361" name="Google Shape;361;p44"/>
-          <p:cNvSpPr txBox="1"/>
-          <p:nvPr>
-            <p:ph idx="4294967295" type="body"/>
-          </p:nvPr>
-        </p:nvSpPr>
-        <p:spPr>
-          <a:xfrm>
-            <a:off x="7374913" y="2935800"/>
-            <a:ext cx="689400" cy="314400"/>
-          </a:xfrm>
-          <a:prstGeom prst="rect">
-            <a:avLst/>
-          </a:prstGeom>
-        </p:spPr>
-        <p:txBody>
-          <a:bodyPr anchorCtr="0" anchor="ctr" bIns="91425" lIns="91425" spcFirstLastPara="1" rIns="91425" wrap="square" tIns="91425">
-            <a:noAutofit/>
-          </a:bodyPr>
-          <a:lstStyle/>
-          <a:p>
-            <a:pPr indent="0" lvl="0" marL="0" rtl="0" algn="ctr">
-              <a:lnSpc>
-                <a:spcPct val="100000"/>
-              </a:lnSpc>
-              <a:spcBef>
-                <a:spcPts val="0"/>
-              </a:spcBef>
-              <a:spcAft>
-                <a:spcPts val="0"/>
-              </a:spcAft>
-              <a:buNone/>
-            </a:pPr>
-            <a:r>
-              <a:rPr b="1" lang="en" sz="1400">
-                <a:solidFill>
-                  <a:schemeClr val="lt1"/>
-                </a:solidFill>
-              </a:rPr>
-              <a:t>35</a:t>
-            </a:r>
-            <a:endParaRPr sz="1400">
-              <a:solidFill>
-                <a:schemeClr val="lt1"/>
-              </a:solidFill>
-            </a:endParaRPr>
-          </a:p>
-        </p:txBody>
-      </p:sp>
-      <p:sp>
-        <p:nvSpPr>
-          <p:cNvPr id="362" name="Google Shape;362;p44"/>
-          <p:cNvSpPr txBox="1"/>
-          <p:nvPr>
-            <p:ph idx="4294967295" type="body"/>
-          </p:nvPr>
-        </p:nvSpPr>
-        <p:spPr>
-          <a:xfrm>
-            <a:off x="8226775" y="4544700"/>
-            <a:ext cx="689400" cy="314400"/>
-          </a:xfrm>
-          <a:prstGeom prst="rect">
-            <a:avLst/>
-          </a:prstGeom>
-        </p:spPr>
-        <p:txBody>
-          <a:bodyPr anchorCtr="0" anchor="ctr" bIns="91425" lIns="91425" spcFirstLastPara="1" rIns="91425" wrap="square" tIns="91425">
-            <a:noAutofit/>
-          </a:bodyPr>
-          <a:lstStyle/>
-          <a:p>
-            <a:pPr indent="0" lvl="0" marL="0" rtl="0" algn="ctr">
-              <a:lnSpc>
-                <a:spcPct val="100000"/>
-              </a:lnSpc>
-              <a:spcBef>
-                <a:spcPts val="0"/>
-              </a:spcBef>
-              <a:spcAft>
-                <a:spcPts val="0"/>
-              </a:spcAft>
-              <a:buNone/>
-            </a:pPr>
-            <a:r>
-              <a:rPr b="1" lang="en" sz="1400">
-                <a:solidFill>
-                  <a:schemeClr val="dk1"/>
-                </a:solidFill>
-              </a:rPr>
-              <a:t>XGB</a:t>
-            </a:r>
-            <a:endParaRPr sz="1400"/>
-          </a:p>
-        </p:txBody>
-      </p:sp>
-      <p:sp>
-        <p:nvSpPr>
-          <p:cNvPr id="363" name="Google Shape;363;p44"/>
-          <p:cNvSpPr txBox="1"/>
-          <p:nvPr>
-            <p:ph idx="4294967295" type="body"/>
-          </p:nvPr>
-        </p:nvSpPr>
-        <p:spPr>
-          <a:xfrm>
-            <a:off x="8215175" y="2221300"/>
-            <a:ext cx="689400" cy="314400"/>
-          </a:xfrm>
-          <a:prstGeom prst="rect">
-            <a:avLst/>
-          </a:prstGeom>
-        </p:spPr>
-        <p:txBody>
-          <a:bodyPr anchorCtr="0" anchor="ctr" bIns="91425" lIns="91425" spcFirstLastPara="1" rIns="91425" wrap="square" tIns="91425">
-            <a:noAutofit/>
-          </a:bodyPr>
-          <a:lstStyle/>
-          <a:p>
-            <a:pPr indent="0" lvl="0" marL="0" rtl="0" algn="ctr">
-              <a:lnSpc>
-                <a:spcPct val="100000"/>
-              </a:lnSpc>
-              <a:spcBef>
-                <a:spcPts val="0"/>
-              </a:spcBef>
-              <a:spcAft>
-                <a:spcPts val="0"/>
-              </a:spcAft>
-              <a:buNone/>
-            </a:pPr>
-            <a:r>
-              <a:rPr b="1" lang="en" sz="1400">
-                <a:solidFill>
-                  <a:schemeClr val="accent5"/>
-                </a:solidFill>
-              </a:rPr>
-              <a:t>27</a:t>
-            </a:r>
-            <a:endParaRPr sz="1400">
-              <a:solidFill>
-                <a:schemeClr val="accent5"/>
-              </a:solidFill>
-            </a:endParaRPr>
-          </a:p>
-        </p:txBody>
-      </p:sp>
-      <p:sp>
-        <p:nvSpPr>
-          <p:cNvPr id="364" name="Google Shape;364;p44"/>
-          <p:cNvSpPr/>
-          <p:nvPr/>
-        </p:nvSpPr>
-        <p:spPr>
-          <a:xfrm>
-            <a:off x="8215013" y="2535706"/>
-            <a:ext cx="689700" cy="371100"/>
-          </a:xfrm>
-          <a:prstGeom prst="rect">
-            <a:avLst/>
-          </a:prstGeom>
-          <a:solidFill>
-            <a:schemeClr val="dk1"/>
-          </a:solidFill>
-          <a:ln>
-            <a:noFill/>
-          </a:ln>
-        </p:spPr>
-        <p:txBody>
-          <a:bodyPr anchorCtr="0" anchor="ctr" bIns="91425" lIns="91425" spcFirstLastPara="1" rIns="91425" wrap="square" tIns="91425">
-            <a:noAutofit/>
-          </a:bodyPr>
-          <a:lstStyle/>
-          <a:p>
-            <a:pPr indent="0" lvl="0" marL="0" rtl="0" algn="l">
-              <a:spcBef>
-                <a:spcPts val="0"/>
-              </a:spcBef>
-              <a:spcAft>
-                <a:spcPts val="0"/>
-              </a:spcAft>
-              <a:buNone/>
-            </a:pPr>
-            <a:r>
-              <a:t/>
-            </a:r>
-            <a:endParaRPr/>
-          </a:p>
-        </p:txBody>
-      </p:sp>
-      <p:sp>
-        <p:nvSpPr>
-          <p:cNvPr id="365" name="Google Shape;365;p44"/>
-          <p:cNvSpPr txBox="1"/>
-          <p:nvPr>
-            <p:ph idx="4294967295" type="body"/>
-          </p:nvPr>
-        </p:nvSpPr>
-        <p:spPr>
-          <a:xfrm>
-            <a:off x="8226525" y="2564038"/>
-            <a:ext cx="689400" cy="314400"/>
-          </a:xfrm>
-          <a:prstGeom prst="rect">
-            <a:avLst/>
-          </a:prstGeom>
-        </p:spPr>
-        <p:txBody>
-          <a:bodyPr anchorCtr="0" anchor="ctr" bIns="91425" lIns="91425" spcFirstLastPara="1" rIns="91425" wrap="square" tIns="91425">
-            <a:noAutofit/>
-          </a:bodyPr>
-          <a:lstStyle/>
-          <a:p>
-            <a:pPr indent="0" lvl="0" marL="0" rtl="0" algn="ctr">
-              <a:lnSpc>
-                <a:spcPct val="100000"/>
-              </a:lnSpc>
-              <a:spcBef>
-                <a:spcPts val="0"/>
-              </a:spcBef>
-              <a:spcAft>
-                <a:spcPts val="0"/>
-              </a:spcAft>
-              <a:buNone/>
-            </a:pPr>
-            <a:r>
-              <a:rPr b="1" lang="en" sz="1400">
-                <a:solidFill>
-                  <a:schemeClr val="lt1"/>
-                </a:solidFill>
-              </a:rPr>
-              <a:t>5</a:t>
-            </a:r>
-            <a:endParaRPr sz="1400">
-              <a:solidFill>
-                <a:schemeClr val="lt1"/>
-              </a:solidFill>
-            </a:endParaRPr>
-          </a:p>
-        </p:txBody>
-      </p:sp>
-      <p:sp>
-        <p:nvSpPr>
-          <p:cNvPr id="366" name="Google Shape;366;p44"/>
-          <p:cNvSpPr/>
-          <p:nvPr/>
-        </p:nvSpPr>
-        <p:spPr>
-          <a:xfrm>
-            <a:off x="8215175" y="2906800"/>
-            <a:ext cx="689400" cy="1638600"/>
-          </a:xfrm>
-          <a:prstGeom prst="rect">
-            <a:avLst/>
-          </a:prstGeom>
-          <a:solidFill>
-            <a:schemeClr val="accent3"/>
-          </a:solidFill>
-          <a:ln>
-            <a:noFill/>
-          </a:ln>
-        </p:spPr>
-        <p:txBody>
-          <a:bodyPr anchorCtr="0" anchor="ctr" bIns="91425" lIns="91425" spcFirstLastPara="1" rIns="91425" wrap="square" tIns="91425">
-            <a:noAutofit/>
-          </a:bodyPr>
-          <a:lstStyle/>
-          <a:p>
-            <a:pPr indent="0" lvl="0" marL="0" rtl="0" algn="l">
-              <a:spcBef>
-                <a:spcPts val="0"/>
-              </a:spcBef>
-              <a:spcAft>
-                <a:spcPts val="0"/>
-              </a:spcAft>
-              <a:buNone/>
-            </a:pPr>
-            <a:r>
-              <a:t/>
-            </a:r>
-            <a:endParaRPr/>
-          </a:p>
-        </p:txBody>
-      </p:sp>
-      <p:sp>
-        <p:nvSpPr>
-          <p:cNvPr id="367" name="Google Shape;367;p44"/>
-          <p:cNvSpPr txBox="1"/>
-          <p:nvPr>
-            <p:ph idx="4294967295" type="body"/>
-          </p:nvPr>
-        </p:nvSpPr>
-        <p:spPr>
-          <a:xfrm>
-            <a:off x="8226525" y="3383000"/>
-            <a:ext cx="689400" cy="314400"/>
-          </a:xfrm>
-          <a:prstGeom prst="rect">
-            <a:avLst/>
-          </a:prstGeom>
-        </p:spPr>
-        <p:txBody>
-          <a:bodyPr anchorCtr="0" anchor="ctr" bIns="91425" lIns="91425" spcFirstLastPara="1" rIns="91425" wrap="square" tIns="91425">
-            <a:noAutofit/>
-          </a:bodyPr>
-          <a:lstStyle/>
-          <a:p>
-            <a:pPr indent="0" lvl="0" marL="0" rtl="0" algn="ctr">
-              <a:lnSpc>
-                <a:spcPct val="100000"/>
-              </a:lnSpc>
-              <a:spcBef>
-                <a:spcPts val="0"/>
-              </a:spcBef>
-              <a:spcAft>
-                <a:spcPts val="0"/>
-              </a:spcAft>
-              <a:buNone/>
-            </a:pPr>
-            <a:r>
-              <a:rPr b="1" lang="en" sz="1400">
-                <a:solidFill>
-                  <a:schemeClr val="lt1"/>
-                </a:solidFill>
-              </a:rPr>
-              <a:t>22</a:t>
-            </a:r>
-            <a:endParaRPr sz="1400">
-              <a:solidFill>
-                <a:schemeClr val="lt1"/>
-              </a:solidFill>
-            </a:endParaRPr>
-          </a:p>
-        </p:txBody>
-      </p:sp>
-      <p:sp>
-        <p:nvSpPr>
-          <p:cNvPr id="368" name="Google Shape;368;p44"/>
-          <p:cNvSpPr/>
-          <p:nvPr/>
-        </p:nvSpPr>
-        <p:spPr>
-          <a:xfrm>
-            <a:off x="5689000" y="3621275"/>
-            <a:ext cx="689400" cy="923400"/>
-          </a:xfrm>
-          <a:prstGeom prst="rect">
-            <a:avLst/>
-          </a:prstGeom>
-          <a:solidFill>
-            <a:schemeClr val="accent3"/>
-          </a:solidFill>
-          <a:ln>
-            <a:noFill/>
-          </a:ln>
-        </p:spPr>
-        <p:txBody>
-          <a:bodyPr anchorCtr="0" anchor="ctr" bIns="91425" lIns="91425" spcFirstLastPara="1" rIns="91425" wrap="square" tIns="91425">
-            <a:noAutofit/>
-          </a:bodyPr>
-          <a:lstStyle/>
-          <a:p>
-            <a:pPr indent="0" lvl="0" marL="0" rtl="0" algn="l">
-              <a:spcBef>
-                <a:spcPts val="0"/>
-              </a:spcBef>
-              <a:spcAft>
-                <a:spcPts val="0"/>
-              </a:spcAft>
-              <a:buNone/>
-            </a:pPr>
-            <a:r>
-              <a:t/>
-            </a:r>
-            <a:endParaRPr/>
-          </a:p>
-        </p:txBody>
-      </p:sp>
+      </p:pic>
     </p:spTree>
   </p:cSld>
   <p:clrMapOvr>
@@ -20318,7 +19622,7 @@
   <p:cSld>
     <p:spTree>
       <p:nvGrpSpPr>
-        <p:cNvPr id="372" name="Shape 372"/>
+        <p:cNvPr id="344" name="Shape 344"/>
         <p:cNvGrpSpPr/>
         <p:nvPr/>
       </p:nvGrpSpPr>
@@ -20332,7 +19636,7 @@
       </p:grpSpPr>
       <p:sp>
         <p:nvSpPr>
-          <p:cNvPr id="373" name="Google Shape;373;p45"/>
+          <p:cNvPr id="345" name="Google Shape;345;p45"/>
           <p:cNvSpPr txBox="1"/>
           <p:nvPr>
             <p:ph type="title"/>
@@ -20364,7 +19668,7 @@
             </a:pPr>
             <a:r>
               <a:rPr lang="en"/>
-              <a:t>Model Results - Clinical Interpretation </a:t>
+              <a:t>Model Results - Financial Interpretation</a:t>
             </a:r>
             <a:endParaRPr/>
           </a:p>
@@ -20372,7 +19676,7 @@
       </p:sp>
       <p:sp>
         <p:nvSpPr>
-          <p:cNvPr id="374" name="Google Shape;374;p45"/>
+          <p:cNvPr id="346" name="Google Shape;346;p45"/>
           <p:cNvSpPr txBox="1"/>
           <p:nvPr>
             <p:ph idx="4294967295" type="body"/>
@@ -20380,8 +19684,8 @@
         </p:nvSpPr>
         <p:spPr>
           <a:xfrm>
-            <a:off x="315125" y="1127650"/>
-            <a:ext cx="2798100" cy="3746100"/>
+            <a:off x="315875" y="1127650"/>
+            <a:ext cx="3351000" cy="3335400"/>
           </a:xfrm>
           <a:prstGeom prst="rect">
             <a:avLst/>
@@ -20404,196 +19708,140 @@
             </a:pPr>
             <a:r>
               <a:rPr b="1" lang="en" sz="2000" u="sng"/>
-              <a:t>Feature Importance:</a:t>
+              <a:t>Decile Results</a:t>
+            </a:r>
+            <a:endParaRPr b="1" sz="2000" u="sng"/>
+          </a:p>
+          <a:p>
+            <a:pPr indent="-311150" lvl="0" marL="457200" rtl="0" algn="l">
+              <a:spcBef>
+                <a:spcPts val="1600"/>
+              </a:spcBef>
+              <a:spcAft>
+                <a:spcPts val="0"/>
+              </a:spcAft>
+              <a:buSzPts val="1300"/>
+              <a:buChar char="●"/>
+            </a:pPr>
+            <a:r>
+              <a:rPr lang="en" sz="1300"/>
+              <a:t>Test results were sorted to 10 quantiles of equal size</a:t>
+            </a:r>
+            <a:endParaRPr sz="1300"/>
+          </a:p>
+          <a:p>
+            <a:pPr indent="-311150" lvl="0" marL="457200" rtl="0" algn="l">
+              <a:spcBef>
+                <a:spcPts val="0"/>
+              </a:spcBef>
+              <a:spcAft>
+                <a:spcPts val="0"/>
+              </a:spcAft>
+              <a:buSzPts val="1300"/>
+              <a:buChar char="●"/>
+            </a:pPr>
+            <a:r>
+              <a:rPr lang="en" sz="1300"/>
+              <a:t>As the number of readmitted increases, the percent of readmitted increases</a:t>
+            </a:r>
+            <a:endParaRPr sz="1300"/>
+          </a:p>
+          <a:p>
+            <a:pPr indent="0" lvl="0" marL="0" rtl="0" algn="l">
+              <a:spcBef>
+                <a:spcPts val="1600"/>
+              </a:spcBef>
+              <a:spcAft>
+                <a:spcPts val="0"/>
+              </a:spcAft>
+              <a:buNone/>
+            </a:pPr>
+            <a:r>
+              <a:rPr b="1" lang="en" sz="2000" u="sng"/>
+              <a:t>Takeaway</a:t>
+            </a:r>
+            <a:endParaRPr b="1" sz="2000" u="sng"/>
+          </a:p>
+          <a:p>
+            <a:pPr indent="-311150" lvl="0" marL="457200" rtl="0" algn="l">
+              <a:spcBef>
+                <a:spcPts val="1600"/>
+              </a:spcBef>
+              <a:spcAft>
+                <a:spcPts val="0"/>
+              </a:spcAft>
+              <a:buSzPts val="1300"/>
+              <a:buChar char="●"/>
+            </a:pPr>
+            <a:r>
+              <a:rPr lang="en" sz="1300"/>
+              <a:t>Target the top 2 quantiles for intervention for an increase from 0.09 to 0.14 over random sampling</a:t>
+            </a:r>
+            <a:endParaRPr sz="1300"/>
+          </a:p>
+          <a:p>
+            <a:pPr indent="-311150" lvl="0" marL="457200" rtl="0" algn="l">
+              <a:spcBef>
+                <a:spcPts val="0"/>
+              </a:spcBef>
+              <a:spcAft>
+                <a:spcPts val="0"/>
+              </a:spcAft>
+              <a:buSzPts val="1300"/>
+              <a:buChar char="●"/>
+            </a:pPr>
+            <a:r>
+              <a:rPr lang="en" sz="1300"/>
+              <a:t>Model has 1.786 lift for top quantile</a:t>
+            </a:r>
+            <a:endParaRPr sz="1300"/>
+          </a:p>
+          <a:p>
+            <a:pPr indent="-311150" lvl="0" marL="457200" rtl="0" algn="l">
+              <a:spcBef>
+                <a:spcPts val="0"/>
+              </a:spcBef>
+              <a:spcAft>
+                <a:spcPts val="0"/>
+              </a:spcAft>
+              <a:buSzPts val="1300"/>
+              <a:buChar char="●"/>
+            </a:pPr>
+            <a:r>
+              <a:rPr lang="en" sz="1300"/>
+              <a:t>1.604 lift for top two quantiles</a:t>
+            </a:r>
+            <a:endParaRPr sz="1300"/>
+          </a:p>
+          <a:p>
+            <a:pPr indent="0" lvl="0" marL="457200" rtl="0" algn="l">
+              <a:spcBef>
+                <a:spcPts val="1600"/>
+              </a:spcBef>
+              <a:spcAft>
+                <a:spcPts val="0"/>
+              </a:spcAft>
+              <a:buNone/>
+            </a:pPr>
+            <a:r>
+              <a:t/>
             </a:r>
             <a:endParaRPr sz="1400"/>
           </a:p>
           <a:p>
-            <a:pPr indent="-304800" lvl="0" marL="457200" rtl="0" algn="l">
+            <a:pPr indent="0" lvl="0" marL="0" rtl="0" algn="l">
               <a:spcBef>
                 <a:spcPts val="1600"/>
               </a:spcBef>
               <a:spcAft>
                 <a:spcPts val="0"/>
               </a:spcAft>
-              <a:buSzPts val="1200"/>
-              <a:buChar char="●"/>
-            </a:pPr>
-            <a:r>
-              <a:rPr lang="en" sz="1200"/>
-              <a:t>Discharged to Home</a:t>
-            </a:r>
-            <a:endParaRPr sz="1200"/>
-          </a:p>
-          <a:p>
-            <a:pPr indent="-304800" lvl="1" marL="914400" rtl="0" algn="l">
-              <a:spcBef>
-                <a:spcPts val="0"/>
-              </a:spcBef>
-              <a:spcAft>
-                <a:spcPts val="0"/>
-              </a:spcAft>
-              <a:buSzPts val="1200"/>
-              <a:buChar char="○"/>
-            </a:pPr>
-            <a:r>
-              <a:rPr lang="en" sz="1200"/>
-              <a:t>Improve discharge instructions or followup</a:t>
-            </a:r>
-            <a:endParaRPr sz="1200"/>
-          </a:p>
-          <a:p>
-            <a:pPr indent="-304800" lvl="0" marL="457200" rtl="0" algn="l">
-              <a:spcBef>
-                <a:spcPts val="0"/>
-              </a:spcBef>
-              <a:spcAft>
-                <a:spcPts val="0"/>
-              </a:spcAft>
-              <a:buSzPts val="1200"/>
-              <a:buChar char="●"/>
-            </a:pPr>
-            <a:r>
-              <a:rPr lang="en" sz="1200"/>
-              <a:t>Number Inpatient Visits</a:t>
-            </a:r>
-            <a:endParaRPr sz="1200"/>
-          </a:p>
-          <a:p>
-            <a:pPr indent="-304800" lvl="0" marL="457200" rtl="0" algn="l">
-              <a:spcBef>
-                <a:spcPts val="0"/>
-              </a:spcBef>
-              <a:spcAft>
-                <a:spcPts val="0"/>
-              </a:spcAft>
-              <a:buSzPts val="1200"/>
-              <a:buChar char="●"/>
-            </a:pPr>
-            <a:r>
-              <a:rPr lang="en" sz="1200"/>
-              <a:t>Musculoskeletal Disease</a:t>
-            </a:r>
-            <a:endParaRPr sz="1200"/>
-          </a:p>
-          <a:p>
-            <a:pPr indent="-304800" lvl="1" marL="914400" rtl="0" algn="l">
-              <a:spcBef>
-                <a:spcPts val="0"/>
-              </a:spcBef>
-              <a:spcAft>
-                <a:spcPts val="0"/>
-              </a:spcAft>
-              <a:buSzPts val="1200"/>
-              <a:buChar char="○"/>
-            </a:pPr>
-            <a:r>
-              <a:rPr lang="en" sz="1200"/>
-              <a:t>Common  </a:t>
-            </a:r>
-            <a:endParaRPr sz="1200"/>
-          </a:p>
-          <a:p>
-            <a:pPr indent="-304800" lvl="0" marL="457200" rtl="0" algn="l">
-              <a:spcBef>
-                <a:spcPts val="0"/>
-              </a:spcBef>
-              <a:spcAft>
-                <a:spcPts val="0"/>
-              </a:spcAft>
-              <a:buSzPts val="1200"/>
-              <a:buChar char="●"/>
-            </a:pPr>
-            <a:r>
-              <a:rPr lang="en" sz="1200"/>
-              <a:t>Age 40-90</a:t>
-            </a:r>
-            <a:endParaRPr sz="1200"/>
-          </a:p>
-          <a:p>
-            <a:pPr indent="-304800" lvl="0" marL="457200" rtl="0" algn="l">
-              <a:spcBef>
-                <a:spcPts val="0"/>
-              </a:spcBef>
-              <a:spcAft>
-                <a:spcPts val="0"/>
-              </a:spcAft>
-              <a:buSzPts val="1200"/>
-              <a:buChar char="●"/>
-            </a:pPr>
-            <a:r>
-              <a:rPr lang="en" sz="1200"/>
-              <a:t>Age Under 40</a:t>
-            </a:r>
-            <a:endParaRPr sz="1200"/>
-          </a:p>
-          <a:p>
-            <a:pPr indent="-304800" lvl="0" marL="457200" rtl="0" algn="l">
-              <a:spcBef>
-                <a:spcPts val="0"/>
-              </a:spcBef>
-              <a:spcAft>
-                <a:spcPts val="0"/>
-              </a:spcAft>
-              <a:buSzPts val="1200"/>
-              <a:buChar char="●"/>
-            </a:pPr>
-            <a:r>
-              <a:rPr lang="en" sz="1200"/>
-              <a:t>Takes Glipizide</a:t>
-            </a:r>
-            <a:endParaRPr sz="1200"/>
-          </a:p>
-          <a:p>
-            <a:pPr indent="-304800" lvl="1" marL="914400" rtl="0" algn="l">
-              <a:spcBef>
-                <a:spcPts val="0"/>
-              </a:spcBef>
-              <a:spcAft>
-                <a:spcPts val="0"/>
-              </a:spcAft>
-              <a:buSzPts val="1200"/>
-              <a:buChar char="○"/>
-            </a:pPr>
-            <a:r>
-              <a:rPr lang="en" sz="1200"/>
-              <a:t>Lowers blood sugar</a:t>
-            </a:r>
-            <a:endParaRPr sz="1200"/>
-          </a:p>
-          <a:p>
-            <a:pPr indent="-304800" lvl="0" marL="457200" rtl="0" algn="l">
-              <a:spcBef>
-                <a:spcPts val="0"/>
-              </a:spcBef>
-              <a:spcAft>
-                <a:spcPts val="0"/>
-              </a:spcAft>
-              <a:buSzPts val="1200"/>
-              <a:buChar char="●"/>
-            </a:pPr>
-            <a:r>
-              <a:rPr lang="en" sz="1200"/>
-              <a:t>A1c Result Over 8%</a:t>
-            </a:r>
-            <a:endParaRPr sz="1200"/>
-          </a:p>
-          <a:p>
-            <a:pPr indent="-304800" lvl="1" marL="914400" rtl="0" algn="l">
-              <a:spcBef>
-                <a:spcPts val="0"/>
-              </a:spcBef>
-              <a:spcAft>
-                <a:spcPts val="0"/>
-              </a:spcAft>
-              <a:buSzPts val="1200"/>
-              <a:buChar char="○"/>
-            </a:pPr>
-            <a:r>
-              <a:rPr lang="en" sz="1200"/>
-              <a:t>Indicates poor control of Diabetes</a:t>
-            </a:r>
-            <a:endParaRPr sz="1200"/>
+              <a:buNone/>
+            </a:pPr>
+            <a:r>
+              <a:t/>
+            </a:r>
+            <a:endParaRPr b="1" u="sng"/>
           </a:p>
           <a:p>
             <a:pPr indent="0" lvl="0" marL="0" rtl="0" algn="l">
@@ -20608,13 +19856,13 @@
             <a:r>
               <a:t/>
             </a:r>
-            <a:endParaRPr/>
+            <a:endParaRPr b="1" u="sng"/>
           </a:p>
         </p:txBody>
       </p:sp>
       <p:pic>
         <p:nvPicPr>
-          <p:cNvPr id="375" name="Google Shape;375;p45"/>
+          <p:cNvPr id="347" name="Google Shape;347;p45"/>
           <p:cNvPicPr preferRelativeResize="0"/>
           <p:nvPr/>
         </p:nvPicPr>
@@ -20628,8 +19876,8 @@
         </p:blipFill>
         <p:spPr>
           <a:xfrm>
-            <a:off x="3185700" y="1300488"/>
-            <a:ext cx="5676900" cy="3400425"/>
+            <a:off x="4389788" y="3810571"/>
+            <a:ext cx="3827853" cy="652475"/>
           </a:xfrm>
           <a:prstGeom prst="rect">
             <a:avLst/>
@@ -20640,288 +19888,9 @@
           </a:ln>
         </p:spPr>
       </p:pic>
-    </p:spTree>
-  </p:cSld>
-  <p:clrMapOvr>
-    <a:masterClrMapping/>
-  </p:clrMapOvr>
-</p:sld>
-</file>
-
-<file path=ppt/slides/slide34.xml><?xml version="1.0" encoding="utf-8"?>
-<p:sld xmlns:a="http://schemas.openxmlformats.org/drawingml/2006/main" xmlns:r="http://schemas.openxmlformats.org/officeDocument/2006/relationships" xmlns:mc="http://schemas.openxmlformats.org/markup-compatibility/2006" xmlns:mv="urn:schemas-microsoft-com:mac:vml" xmlns:p="http://schemas.openxmlformats.org/presentationml/2006/main" xmlns:c="http://schemas.openxmlformats.org/drawingml/2006/chart" xmlns:dgm="http://schemas.openxmlformats.org/drawingml/2006/diagram" xmlns:o="urn:schemas-microsoft-com:office:office" xmlns:v="urn:schemas-microsoft-com:vml" xmlns:pvml="urn:schemas-microsoft-com:office:powerpoint" xmlns:com="http://schemas.openxmlformats.org/drawingml/2006/compatibility" xmlns:p14="http://schemas.microsoft.com/office/powerpoint/2010/main" xmlns:p15="http://schemas.microsoft.com/office/powerpoint/2012/main" xmlns:ahyp="http://schemas.microsoft.com/office/drawing/2018/hyperlinkcolor">
-  <p:cSld>
-    <p:spTree>
-      <p:nvGrpSpPr>
-        <p:cNvPr id="379" name="Shape 379"/>
-        <p:cNvGrpSpPr/>
-        <p:nvPr/>
-      </p:nvGrpSpPr>
-      <p:grpSpPr>
-        <a:xfrm>
-          <a:off x="0" y="0"/>
-          <a:ext cx="0" cy="0"/>
-          <a:chOff x="0" y="0"/>
-          <a:chExt cx="0" cy="0"/>
-        </a:xfrm>
-      </p:grpSpPr>
-      <p:sp>
-        <p:nvSpPr>
-          <p:cNvPr id="380" name="Google Shape;380;p46"/>
-          <p:cNvSpPr txBox="1"/>
-          <p:nvPr>
-            <p:ph type="title"/>
-          </p:nvPr>
-        </p:nvSpPr>
-        <p:spPr>
-          <a:xfrm>
-            <a:off x="592125" y="266650"/>
-            <a:ext cx="7852200" cy="861000"/>
-          </a:xfrm>
-          <a:prstGeom prst="rect">
-            <a:avLst/>
-          </a:prstGeom>
-        </p:spPr>
-        <p:txBody>
-          <a:bodyPr anchorCtr="0" anchor="ctr" bIns="91425" lIns="91425" spcFirstLastPara="1" rIns="91425" wrap="square" tIns="91425">
-            <a:noAutofit/>
-          </a:bodyPr>
-          <a:lstStyle/>
-          <a:p>
-            <a:pPr indent="0" lvl="0" marL="0" rtl="0" algn="l">
-              <a:spcBef>
-                <a:spcPts val="0"/>
-              </a:spcBef>
-              <a:spcAft>
-                <a:spcPts val="0"/>
-              </a:spcAft>
-              <a:buNone/>
-            </a:pPr>
-            <a:r>
-              <a:rPr lang="en"/>
-              <a:t>Model Results - Financial Interpretation</a:t>
-            </a:r>
-            <a:endParaRPr/>
-          </a:p>
-        </p:txBody>
-      </p:sp>
-      <p:sp>
-        <p:nvSpPr>
-          <p:cNvPr id="381" name="Google Shape;381;p46"/>
-          <p:cNvSpPr txBox="1"/>
-          <p:nvPr>
-            <p:ph idx="4294967295" type="body"/>
-          </p:nvPr>
-        </p:nvSpPr>
-        <p:spPr>
-          <a:xfrm>
-            <a:off x="315875" y="1127650"/>
-            <a:ext cx="3351000" cy="3335400"/>
-          </a:xfrm>
-          <a:prstGeom prst="rect">
-            <a:avLst/>
-          </a:prstGeom>
-        </p:spPr>
-        <p:txBody>
-          <a:bodyPr anchorCtr="0" anchor="t" bIns="91425" lIns="91425" spcFirstLastPara="1" rIns="91425" wrap="square" tIns="91425">
-            <a:noAutofit/>
-          </a:bodyPr>
-          <a:lstStyle/>
-          <a:p>
-            <a:pPr indent="0" lvl="0" marL="0" rtl="0" algn="l">
-              <a:spcBef>
-                <a:spcPts val="0"/>
-              </a:spcBef>
-              <a:spcAft>
-                <a:spcPts val="0"/>
-              </a:spcAft>
-              <a:buNone/>
-            </a:pPr>
-            <a:r>
-              <a:rPr b="1" lang="en" u="sng"/>
-              <a:t>Decile Results:</a:t>
-            </a:r>
-            <a:endParaRPr b="1" u="sng"/>
-          </a:p>
-          <a:p>
-            <a:pPr indent="-311150" lvl="0" marL="457200" rtl="0" algn="l">
-              <a:spcBef>
-                <a:spcPts val="1600"/>
-              </a:spcBef>
-              <a:spcAft>
-                <a:spcPts val="0"/>
-              </a:spcAft>
-              <a:buSzPts val="1300"/>
-              <a:buChar char="●"/>
-            </a:pPr>
-            <a:r>
-              <a:rPr lang="en" sz="1300"/>
-              <a:t>Test results were sorted to 10 quantiles of equal size</a:t>
-            </a:r>
-            <a:endParaRPr sz="1300"/>
-          </a:p>
-          <a:p>
-            <a:pPr indent="-311150" lvl="0" marL="457200" rtl="0" algn="l">
-              <a:spcBef>
-                <a:spcPts val="0"/>
-              </a:spcBef>
-              <a:spcAft>
-                <a:spcPts val="0"/>
-              </a:spcAft>
-              <a:buSzPts val="1300"/>
-              <a:buChar char="●"/>
-            </a:pPr>
-            <a:r>
-              <a:rPr lang="en" sz="1300"/>
-              <a:t>As the number of readmitted increases, the percent of readmitted increases</a:t>
-            </a:r>
-            <a:endParaRPr sz="1300"/>
-          </a:p>
-          <a:p>
-            <a:pPr indent="0" lvl="0" marL="0" rtl="0" algn="l">
-              <a:spcBef>
-                <a:spcPts val="1600"/>
-              </a:spcBef>
-              <a:spcAft>
-                <a:spcPts val="0"/>
-              </a:spcAft>
-              <a:buNone/>
-            </a:pPr>
-            <a:r>
-              <a:rPr b="1" lang="en" sz="1600" u="sng"/>
-              <a:t>Takeaway:</a:t>
-            </a:r>
-            <a:endParaRPr b="1" sz="1600" u="sng"/>
-          </a:p>
-          <a:p>
-            <a:pPr indent="-311150" lvl="0" marL="457200" rtl="0" algn="l">
-              <a:spcBef>
-                <a:spcPts val="1600"/>
-              </a:spcBef>
-              <a:spcAft>
-                <a:spcPts val="0"/>
-              </a:spcAft>
-              <a:buSzPts val="1300"/>
-              <a:buChar char="●"/>
-            </a:pPr>
-            <a:r>
-              <a:rPr lang="en" sz="1300"/>
-              <a:t>Target the top 2 quantiles for intervention for an increase from 0.09 to 0.14 over random sampling</a:t>
-            </a:r>
-            <a:endParaRPr sz="1300"/>
-          </a:p>
-          <a:p>
-            <a:pPr indent="-311150" lvl="0" marL="457200" rtl="0" algn="l">
-              <a:spcBef>
-                <a:spcPts val="0"/>
-              </a:spcBef>
-              <a:spcAft>
-                <a:spcPts val="0"/>
-              </a:spcAft>
-              <a:buSzPts val="1300"/>
-              <a:buChar char="●"/>
-            </a:pPr>
-            <a:r>
-              <a:rPr lang="en" sz="1300"/>
-              <a:t>Model has 1.786 lift for top quantile</a:t>
-            </a:r>
-            <a:endParaRPr sz="1300"/>
-          </a:p>
-          <a:p>
-            <a:pPr indent="-311150" lvl="0" marL="457200" rtl="0" algn="l">
-              <a:spcBef>
-                <a:spcPts val="0"/>
-              </a:spcBef>
-              <a:spcAft>
-                <a:spcPts val="0"/>
-              </a:spcAft>
-              <a:buSzPts val="1300"/>
-              <a:buChar char="●"/>
-            </a:pPr>
-            <a:r>
-              <a:rPr lang="en" sz="1300"/>
-              <a:t>1.604 lift for top two quantiles</a:t>
-            </a:r>
-            <a:endParaRPr sz="1300"/>
-          </a:p>
-          <a:p>
-            <a:pPr indent="0" lvl="0" marL="457200" rtl="0" algn="l">
-              <a:spcBef>
-                <a:spcPts val="1600"/>
-              </a:spcBef>
-              <a:spcAft>
-                <a:spcPts val="0"/>
-              </a:spcAft>
-              <a:buNone/>
-            </a:pPr>
-            <a:r>
-              <a:t/>
-            </a:r>
-            <a:endParaRPr sz="1400"/>
-          </a:p>
-          <a:p>
-            <a:pPr indent="0" lvl="0" marL="0" rtl="0" algn="l">
-              <a:spcBef>
-                <a:spcPts val="1600"/>
-              </a:spcBef>
-              <a:spcAft>
-                <a:spcPts val="0"/>
-              </a:spcAft>
-              <a:buNone/>
-            </a:pPr>
-            <a:r>
-              <a:t/>
-            </a:r>
-            <a:endParaRPr b="1" u="sng"/>
-          </a:p>
-          <a:p>
-            <a:pPr indent="0" lvl="0" marL="0" rtl="0" algn="l">
-              <a:spcBef>
-                <a:spcPts val="1600"/>
-              </a:spcBef>
-              <a:spcAft>
-                <a:spcPts val="1600"/>
-              </a:spcAft>
-              <a:buNone/>
-            </a:pPr>
-            <a:r>
-              <a:t/>
-            </a:r>
-            <a:endParaRPr b="1" u="sng"/>
-          </a:p>
-        </p:txBody>
-      </p:sp>
-      <p:pic>
-        <p:nvPicPr>
-          <p:cNvPr id="382" name="Google Shape;382;p46"/>
-          <p:cNvPicPr preferRelativeResize="0"/>
-          <p:nvPr/>
-        </p:nvPicPr>
-        <p:blipFill>
-          <a:blip r:embed="rId3">
-            <a:alphaModFix/>
-          </a:blip>
-          <a:stretch>
-            <a:fillRect/>
-          </a:stretch>
-        </p:blipFill>
-        <p:spPr>
-          <a:xfrm>
-            <a:off x="4389788" y="3810571"/>
-            <a:ext cx="3827853" cy="652475"/>
-          </a:xfrm>
-          <a:prstGeom prst="rect">
-            <a:avLst/>
-          </a:prstGeom>
-          <a:noFill/>
-          <a:ln>
-            <a:noFill/>
-          </a:ln>
-        </p:spPr>
-      </p:pic>
       <p:cxnSp>
         <p:nvCxnSpPr>
-          <p:cNvPr id="383" name="Google Shape;383;p46"/>
+          <p:cNvPr id="348" name="Google Shape;348;p45"/>
           <p:cNvCxnSpPr/>
           <p:nvPr/>
         </p:nvCxnSpPr>
@@ -20954,7 +19923,7 @@
       </p:cxnSp>
       <p:pic>
         <p:nvPicPr>
-          <p:cNvPr id="384" name="Google Shape;384;p46"/>
+          <p:cNvPr id="349" name="Google Shape;349;p45"/>
           <p:cNvPicPr preferRelativeResize="0"/>
           <p:nvPr/>
         </p:nvPicPr>
@@ -20980,6 +19949,401 @@
           </a:ln>
         </p:spPr>
       </p:pic>
+      <p:pic>
+        <p:nvPicPr>
+          <p:cNvPr id="350" name="Google Shape;350;p45"/>
+          <p:cNvPicPr preferRelativeResize="0"/>
+          <p:nvPr/>
+        </p:nvPicPr>
+        <p:blipFill>
+          <a:blip r:embed="rId5">
+            <a:alphaModFix amt="26000"/>
+          </a:blip>
+          <a:stretch>
+            <a:fillRect/>
+          </a:stretch>
+        </p:blipFill>
+        <p:spPr>
+          <a:xfrm>
+            <a:off x="3717575" y="2215650"/>
+            <a:ext cx="5172325" cy="2195900"/>
+          </a:xfrm>
+          <a:prstGeom prst="rect">
+            <a:avLst/>
+          </a:prstGeom>
+          <a:noFill/>
+          <a:ln>
+            <a:noFill/>
+          </a:ln>
+        </p:spPr>
+      </p:pic>
+    </p:spTree>
+  </p:cSld>
+  <p:clrMapOvr>
+    <a:masterClrMapping/>
+  </p:clrMapOvr>
+</p:sld>
+</file>
+
+<file path=ppt/slides/slide34.xml><?xml version="1.0" encoding="utf-8"?>
+<p:sld xmlns:a="http://schemas.openxmlformats.org/drawingml/2006/main" xmlns:r="http://schemas.openxmlformats.org/officeDocument/2006/relationships" xmlns:mc="http://schemas.openxmlformats.org/markup-compatibility/2006" xmlns:mv="urn:schemas-microsoft-com:mac:vml" xmlns:p="http://schemas.openxmlformats.org/presentationml/2006/main" xmlns:c="http://schemas.openxmlformats.org/drawingml/2006/chart" xmlns:dgm="http://schemas.openxmlformats.org/drawingml/2006/diagram" xmlns:o="urn:schemas-microsoft-com:office:office" xmlns:v="urn:schemas-microsoft-com:vml" xmlns:pvml="urn:schemas-microsoft-com:office:powerpoint" xmlns:com="http://schemas.openxmlformats.org/drawingml/2006/compatibility" xmlns:p14="http://schemas.microsoft.com/office/powerpoint/2010/main" xmlns:p15="http://schemas.microsoft.com/office/powerpoint/2012/main" xmlns:ahyp="http://schemas.microsoft.com/office/drawing/2018/hyperlinkcolor">
+  <p:cSld>
+    <p:spTree>
+      <p:nvGrpSpPr>
+        <p:cNvPr id="354" name="Shape 354"/>
+        <p:cNvGrpSpPr/>
+        <p:nvPr/>
+      </p:nvGrpSpPr>
+      <p:grpSpPr>
+        <a:xfrm>
+          <a:off x="0" y="0"/>
+          <a:ext cx="0" cy="0"/>
+          <a:chOff x="0" y="0"/>
+          <a:chExt cx="0" cy="0"/>
+        </a:xfrm>
+      </p:grpSpPr>
+      <p:sp>
+        <p:nvSpPr>
+          <p:cNvPr id="355" name="Google Shape;355;p46"/>
+          <p:cNvSpPr txBox="1"/>
+          <p:nvPr>
+            <p:ph type="title"/>
+          </p:nvPr>
+        </p:nvSpPr>
+        <p:spPr>
+          <a:xfrm>
+            <a:off x="311700" y="445025"/>
+            <a:ext cx="8520600" cy="572700"/>
+          </a:xfrm>
+          <a:prstGeom prst="rect">
+            <a:avLst/>
+          </a:prstGeom>
+        </p:spPr>
+        <p:txBody>
+          <a:bodyPr anchorCtr="0" anchor="t" bIns="91425" lIns="91425" spcFirstLastPara="1" rIns="91425" wrap="square" tIns="91425">
+            <a:noAutofit/>
+          </a:bodyPr>
+          <a:lstStyle/>
+          <a:p>
+            <a:pPr indent="0" lvl="0" marL="0" rtl="0" algn="l">
+              <a:spcBef>
+                <a:spcPts val="0"/>
+              </a:spcBef>
+              <a:spcAft>
+                <a:spcPts val="0"/>
+              </a:spcAft>
+              <a:buNone/>
+            </a:pPr>
+            <a:r>
+              <a:rPr lang="en"/>
+              <a:t>Model Results - Business Outcome Summary</a:t>
+            </a:r>
+            <a:endParaRPr/>
+          </a:p>
+        </p:txBody>
+      </p:sp>
+      <p:sp>
+        <p:nvSpPr>
+          <p:cNvPr id="356" name="Google Shape;356;p46"/>
+          <p:cNvSpPr txBox="1"/>
+          <p:nvPr>
+            <p:ph idx="1" type="body"/>
+          </p:nvPr>
+        </p:nvSpPr>
+        <p:spPr>
+          <a:xfrm>
+            <a:off x="311700" y="1152475"/>
+            <a:ext cx="3999900" cy="3416400"/>
+          </a:xfrm>
+          <a:prstGeom prst="rect">
+            <a:avLst/>
+          </a:prstGeom>
+        </p:spPr>
+        <p:txBody>
+          <a:bodyPr anchorCtr="0" anchor="t" bIns="91425" lIns="91425" spcFirstLastPara="1" rIns="91425" wrap="square" tIns="91425">
+            <a:noAutofit/>
+          </a:bodyPr>
+          <a:lstStyle/>
+          <a:p>
+            <a:pPr indent="0" lvl="0" marL="0" rtl="0" algn="l">
+              <a:spcBef>
+                <a:spcPts val="0"/>
+              </a:spcBef>
+              <a:spcAft>
+                <a:spcPts val="0"/>
+              </a:spcAft>
+              <a:buNone/>
+            </a:pPr>
+            <a:r>
+              <a:rPr b="1" lang="en" sz="2000" u="sng">
+                <a:solidFill>
+                  <a:schemeClr val="dk1"/>
+                </a:solidFill>
+              </a:rPr>
+              <a:t>Clinical</a:t>
+            </a:r>
+            <a:endParaRPr b="1" sz="2000" u="sng">
+              <a:solidFill>
+                <a:schemeClr val="dk1"/>
+              </a:solidFill>
+            </a:endParaRPr>
+          </a:p>
+          <a:p>
+            <a:pPr indent="0" lvl="0" marL="0" rtl="0" algn="l">
+              <a:spcBef>
+                <a:spcPts val="1600"/>
+              </a:spcBef>
+              <a:spcAft>
+                <a:spcPts val="0"/>
+              </a:spcAft>
+              <a:buNone/>
+            </a:pPr>
+            <a:r>
+              <a:rPr lang="en" sz="1600"/>
+              <a:t>Clinicians should target patient characteristics via feature importance for further research into preventative medicine</a:t>
+            </a:r>
+            <a:endParaRPr sz="1600"/>
+          </a:p>
+          <a:p>
+            <a:pPr indent="0" lvl="0" marL="0" rtl="0" algn="l">
+              <a:spcBef>
+                <a:spcPts val="1600"/>
+              </a:spcBef>
+              <a:spcAft>
+                <a:spcPts val="0"/>
+              </a:spcAft>
+              <a:buNone/>
+            </a:pPr>
+            <a:r>
+              <a:t/>
+            </a:r>
+            <a:endParaRPr sz="1600"/>
+          </a:p>
+          <a:p>
+            <a:pPr indent="0" lvl="0" marL="0" rtl="0" algn="l">
+              <a:spcBef>
+                <a:spcPts val="0"/>
+              </a:spcBef>
+              <a:spcAft>
+                <a:spcPts val="0"/>
+              </a:spcAft>
+              <a:buNone/>
+            </a:pPr>
+            <a:r>
+              <a:rPr b="1" lang="en" sz="1600"/>
+              <a:t>Patient Characteristics to Target</a:t>
+            </a:r>
+            <a:r>
+              <a:rPr b="1" lang="en" sz="1600"/>
+              <a:t>:</a:t>
+            </a:r>
+            <a:endParaRPr b="1" sz="1600"/>
+          </a:p>
+          <a:p>
+            <a:pPr indent="-317500" lvl="0" marL="457200" rtl="0" algn="l">
+              <a:spcBef>
+                <a:spcPts val="0"/>
+              </a:spcBef>
+              <a:spcAft>
+                <a:spcPts val="0"/>
+              </a:spcAft>
+              <a:buSzPts val="1400"/>
+              <a:buChar char="●"/>
+            </a:pPr>
+            <a:r>
+              <a:rPr lang="en"/>
+              <a:t>D</a:t>
+            </a:r>
+            <a:r>
+              <a:rPr lang="en"/>
+              <a:t>ischarged to Home </a:t>
+            </a:r>
+            <a:endParaRPr/>
+          </a:p>
+          <a:p>
+            <a:pPr indent="-317500" lvl="0" marL="457200" rtl="0" algn="l">
+              <a:spcBef>
+                <a:spcPts val="0"/>
+              </a:spcBef>
+              <a:spcAft>
+                <a:spcPts val="0"/>
+              </a:spcAft>
+              <a:buSzPts val="1400"/>
+              <a:buChar char="●"/>
+            </a:pPr>
+            <a:r>
+              <a:rPr lang="en"/>
+              <a:t>High A1c (Over 8%)</a:t>
+            </a:r>
+            <a:endParaRPr/>
+          </a:p>
+          <a:p>
+            <a:pPr indent="-317500" lvl="0" marL="457200" rtl="0" algn="l">
+              <a:spcBef>
+                <a:spcPts val="0"/>
+              </a:spcBef>
+              <a:spcAft>
+                <a:spcPts val="0"/>
+              </a:spcAft>
+              <a:buSzPts val="1400"/>
+              <a:buChar char="●"/>
+            </a:pPr>
+            <a:r>
+              <a:rPr lang="en"/>
+              <a:t>Aged 40-90</a:t>
+            </a:r>
+            <a:endParaRPr/>
+          </a:p>
+          <a:p>
+            <a:pPr indent="-317500" lvl="0" marL="457200" rtl="0" algn="l">
+              <a:spcBef>
+                <a:spcPts val="0"/>
+              </a:spcBef>
+              <a:spcAft>
+                <a:spcPts val="0"/>
+              </a:spcAft>
+              <a:buSzPts val="1400"/>
+              <a:buChar char="●"/>
+            </a:pPr>
+            <a:r>
+              <a:rPr lang="en" sz="1600"/>
+              <a:t>High number of inpatient visits</a:t>
+            </a:r>
+            <a:endParaRPr sz="1600"/>
+          </a:p>
+          <a:p>
+            <a:pPr indent="-330200" lvl="0" marL="457200" rtl="0" algn="l">
+              <a:spcBef>
+                <a:spcPts val="0"/>
+              </a:spcBef>
+              <a:spcAft>
+                <a:spcPts val="0"/>
+              </a:spcAft>
+              <a:buSzPts val="1600"/>
+              <a:buChar char="●"/>
+            </a:pPr>
+            <a:r>
+              <a:rPr lang="en" sz="1600"/>
+              <a:t>Musculoskeletal Disorders</a:t>
+            </a:r>
+            <a:endParaRPr sz="1600"/>
+          </a:p>
+        </p:txBody>
+      </p:sp>
+      <p:sp>
+        <p:nvSpPr>
+          <p:cNvPr id="357" name="Google Shape;357;p46"/>
+          <p:cNvSpPr txBox="1"/>
+          <p:nvPr>
+            <p:ph idx="2" type="body"/>
+          </p:nvPr>
+        </p:nvSpPr>
+        <p:spPr>
+          <a:xfrm>
+            <a:off x="4832400" y="1152475"/>
+            <a:ext cx="3999900" cy="3416400"/>
+          </a:xfrm>
+          <a:prstGeom prst="rect">
+            <a:avLst/>
+          </a:prstGeom>
+        </p:spPr>
+        <p:txBody>
+          <a:bodyPr anchorCtr="0" anchor="t" bIns="91425" lIns="91425" spcFirstLastPara="1" rIns="91425" wrap="square" tIns="91425">
+            <a:noAutofit/>
+          </a:bodyPr>
+          <a:lstStyle/>
+          <a:p>
+            <a:pPr indent="0" lvl="0" marL="0" rtl="0" algn="l">
+              <a:spcBef>
+                <a:spcPts val="0"/>
+              </a:spcBef>
+              <a:spcAft>
+                <a:spcPts val="0"/>
+              </a:spcAft>
+              <a:buNone/>
+            </a:pPr>
+            <a:r>
+              <a:rPr b="1" lang="en" sz="2000" u="sng">
+                <a:solidFill>
+                  <a:schemeClr val="dk1"/>
+                </a:solidFill>
+              </a:rPr>
+              <a:t>Financial</a:t>
+            </a:r>
+            <a:endParaRPr b="1" sz="2000" u="sng">
+              <a:solidFill>
+                <a:schemeClr val="dk1"/>
+              </a:solidFill>
+            </a:endParaRPr>
+          </a:p>
+          <a:p>
+            <a:pPr indent="0" lvl="0" marL="0" rtl="0" algn="l">
+              <a:spcBef>
+                <a:spcPts val="1600"/>
+              </a:spcBef>
+              <a:spcAft>
+                <a:spcPts val="0"/>
+              </a:spcAft>
+              <a:buNone/>
+            </a:pPr>
+            <a:r>
+              <a:rPr lang="en" sz="1600"/>
+              <a:t>Hospital finance department should target the top quantile(s) of patients scored by our model with the highest chance of readmission rather than a random sampling</a:t>
+            </a:r>
+            <a:endParaRPr sz="1600"/>
+          </a:p>
+          <a:p>
+            <a:pPr indent="0" lvl="0" marL="0" rtl="0" algn="l">
+              <a:spcBef>
+                <a:spcPts val="1600"/>
+              </a:spcBef>
+              <a:spcAft>
+                <a:spcPts val="0"/>
+              </a:spcAft>
+              <a:buNone/>
+            </a:pPr>
+            <a:r>
+              <a:rPr b="1" lang="en" sz="1600"/>
+              <a:t>Intervention Targeting Priority:</a:t>
+            </a:r>
+            <a:endParaRPr b="1" sz="1600"/>
+          </a:p>
+          <a:p>
+            <a:pPr indent="-317500" lvl="0" marL="457200" rtl="0" algn="l">
+              <a:spcBef>
+                <a:spcPts val="0"/>
+              </a:spcBef>
+              <a:spcAft>
+                <a:spcPts val="0"/>
+              </a:spcAft>
+              <a:buSzPts val="1400"/>
+              <a:buChar char="●"/>
+            </a:pPr>
+            <a:r>
+              <a:rPr lang="en"/>
+              <a:t>Target the top quantile for max cost efficiency: 15.7% readmitted with 1.78 lift</a:t>
+            </a:r>
+            <a:endParaRPr/>
+          </a:p>
+          <a:p>
+            <a:pPr indent="-317500" lvl="0" marL="457200" rtl="0" algn="l">
+              <a:spcBef>
+                <a:spcPts val="0"/>
+              </a:spcBef>
+              <a:spcAft>
+                <a:spcPts val="0"/>
+              </a:spcAft>
+              <a:buSzPts val="1400"/>
+              <a:buChar char="●"/>
+            </a:pPr>
+            <a:r>
+              <a:rPr lang="en"/>
+              <a:t>Target the top 2 quantiles for larger patient group: 14% readmitted with 1.6 lift</a:t>
+            </a:r>
+            <a:endParaRPr/>
+          </a:p>
+        </p:txBody>
+      </p:sp>
     </p:spTree>
   </p:cSld>
   <p:clrMapOvr>
@@ -20993,7 +20357,7 @@
   <p:cSld>
     <p:spTree>
       <p:nvGrpSpPr>
-        <p:cNvPr id="388" name="Shape 388"/>
+        <p:cNvPr id="361" name="Shape 361"/>
         <p:cNvGrpSpPr/>
         <p:nvPr/>
       </p:nvGrpSpPr>
@@ -21007,7 +20371,7 @@
       </p:grpSpPr>
       <p:sp>
         <p:nvSpPr>
-          <p:cNvPr id="389" name="Google Shape;389;p47"/>
+          <p:cNvPr id="362" name="Google Shape;362;p47"/>
           <p:cNvSpPr txBox="1"/>
           <p:nvPr>
             <p:ph type="title"/>
@@ -21015,8 +20379,48 @@
         </p:nvSpPr>
         <p:spPr>
           <a:xfrm>
-            <a:off x="311700" y="445025"/>
-            <a:ext cx="8520600" cy="572700"/>
+            <a:off x="592125" y="266650"/>
+            <a:ext cx="7852200" cy="861000"/>
+          </a:xfrm>
+          <a:prstGeom prst="rect">
+            <a:avLst/>
+          </a:prstGeom>
+        </p:spPr>
+        <p:txBody>
+          <a:bodyPr anchorCtr="0" anchor="ctr" bIns="91425" lIns="91425" spcFirstLastPara="1" rIns="91425" wrap="square" tIns="91425">
+            <a:noAutofit/>
+          </a:bodyPr>
+          <a:lstStyle/>
+          <a:p>
+            <a:pPr indent="0" lvl="0" marL="0" rtl="0" algn="l">
+              <a:spcBef>
+                <a:spcPts val="0"/>
+              </a:spcBef>
+              <a:spcAft>
+                <a:spcPts val="0"/>
+              </a:spcAft>
+              <a:buNone/>
+            </a:pPr>
+            <a:r>
+              <a:rPr lang="en"/>
+              <a:t>Future Project Goals</a:t>
+            </a:r>
+            <a:endParaRPr/>
+          </a:p>
+        </p:txBody>
+      </p:sp>
+      <p:sp>
+        <p:nvSpPr>
+          <p:cNvPr id="363" name="Google Shape;363;p47"/>
+          <p:cNvSpPr txBox="1"/>
+          <p:nvPr>
+            <p:ph idx="4294967295" type="body"/>
+          </p:nvPr>
+        </p:nvSpPr>
+        <p:spPr>
+          <a:xfrm>
+            <a:off x="311700" y="1152475"/>
+            <a:ext cx="8520600" cy="3416400"/>
           </a:xfrm>
           <a:prstGeom prst="rect">
             <a:avLst/>
@@ -21038,310 +20442,123 @@
               <a:buNone/>
             </a:pPr>
             <a:r>
+              <a:rPr b="1" lang="en" u="sng"/>
+              <a:t>Project Updates</a:t>
+            </a:r>
+            <a:endParaRPr b="1" u="sng"/>
+          </a:p>
+          <a:p>
+            <a:pPr indent="-342900" lvl="0" marL="457200" rtl="0" algn="l">
+              <a:spcBef>
+                <a:spcPts val="1000"/>
+              </a:spcBef>
+              <a:spcAft>
+                <a:spcPts val="0"/>
+              </a:spcAft>
+              <a:buSzPts val="1800"/>
+              <a:buChar char="●"/>
+            </a:pPr>
+            <a:r>
               <a:rPr lang="en"/>
-              <a:t>Model Results - Business Outcome Summary</a:t>
+              <a:t>Exploring other models and techniques to correct for data imbalance and higher predictive accuracy</a:t>
             </a:r>
             <a:endParaRPr/>
           </a:p>
-        </p:txBody>
-      </p:sp>
-      <p:sp>
-        <p:nvSpPr>
-          <p:cNvPr id="390" name="Google Shape;390;p47"/>
-          <p:cNvSpPr txBox="1"/>
-          <p:nvPr>
-            <p:ph idx="1" type="body"/>
-          </p:nvPr>
-        </p:nvSpPr>
-        <p:spPr>
-          <a:xfrm>
-            <a:off x="311700" y="1152475"/>
-            <a:ext cx="3999900" cy="3416400"/>
-          </a:xfrm>
-          <a:prstGeom prst="rect">
-            <a:avLst/>
-          </a:prstGeom>
-        </p:spPr>
-        <p:txBody>
-          <a:bodyPr anchorCtr="0" anchor="t" bIns="91425" lIns="91425" spcFirstLastPara="1" rIns="91425" wrap="square" tIns="91425">
-            <a:noAutofit/>
-          </a:bodyPr>
-          <a:lstStyle/>
           <a:p>
             <a:pPr indent="0" lvl="0" marL="0" rtl="0" algn="l">
               <a:spcBef>
-                <a:spcPts val="0"/>
-              </a:spcBef>
-              <a:spcAft>
-                <a:spcPts val="0"/>
-              </a:spcAft>
-              <a:buNone/>
-            </a:pPr>
-            <a:r>
-              <a:rPr b="1" lang="en" sz="2100">
-                <a:solidFill>
-                  <a:schemeClr val="dk1"/>
-                </a:solidFill>
-              </a:rPr>
-              <a:t>Clinical:</a:t>
-            </a:r>
-            <a:endParaRPr b="1" sz="2100">
-              <a:solidFill>
-                <a:schemeClr val="dk1"/>
-              </a:solidFill>
-            </a:endParaRPr>
+                <a:spcPts val="1000"/>
+              </a:spcBef>
+              <a:spcAft>
+                <a:spcPts val="0"/>
+              </a:spcAft>
+              <a:buNone/>
+            </a:pPr>
+            <a:r>
+              <a:rPr b="1" lang="en" u="sng"/>
+              <a:t>Future Projects</a:t>
+            </a:r>
+            <a:endParaRPr b="1" u="sng"/>
+          </a:p>
+          <a:p>
+            <a:pPr indent="-342900" lvl="0" marL="457200" marR="0" rtl="0" algn="l">
+              <a:lnSpc>
+                <a:spcPct val="115000"/>
+              </a:lnSpc>
+              <a:spcBef>
+                <a:spcPts val="1000"/>
+              </a:spcBef>
+              <a:spcAft>
+                <a:spcPts val="0"/>
+              </a:spcAft>
+              <a:buSzPts val="1800"/>
+              <a:buChar char="●"/>
+            </a:pPr>
+            <a:r>
+              <a:rPr lang="en"/>
+              <a:t>Applying these techniques to analyze readmission rates of other populations</a:t>
+            </a:r>
+            <a:endParaRPr/>
+          </a:p>
+          <a:p>
+            <a:pPr indent="-342900" lvl="0" marL="457200" rtl="0" algn="l">
+              <a:spcBef>
+                <a:spcPts val="1000"/>
+              </a:spcBef>
+              <a:spcAft>
+                <a:spcPts val="0"/>
+              </a:spcAft>
+              <a:buSzPts val="1800"/>
+              <a:buChar char="●"/>
+            </a:pPr>
+            <a:r>
+              <a:rPr lang="en"/>
+              <a:t>Sourcing intervention efficacy rates and the cost of intervention to model the financial impact of such models as ours on hospitals or clinical care institutions</a:t>
+            </a:r>
+            <a:endParaRPr/>
+          </a:p>
+          <a:p>
+            <a:pPr indent="0" lvl="0" marL="457200" rtl="0" algn="l">
+              <a:spcBef>
+                <a:spcPts val="1000"/>
+              </a:spcBef>
+              <a:spcAft>
+                <a:spcPts val="0"/>
+              </a:spcAft>
+              <a:buNone/>
+            </a:pPr>
+            <a:r>
+              <a:t/>
+            </a:r>
+            <a:endParaRPr/>
           </a:p>
           <a:p>
             <a:pPr indent="0" lvl="0" marL="0" rtl="0" algn="l">
               <a:spcBef>
+                <a:spcPts val="1000"/>
+              </a:spcBef>
+              <a:spcAft>
+                <a:spcPts val="0"/>
+              </a:spcAft>
+              <a:buNone/>
+            </a:pPr>
+            <a:r>
+              <a:t/>
+            </a:r>
+            <a:endParaRPr/>
+          </a:p>
+          <a:p>
+            <a:pPr indent="0" lvl="0" marL="0" rtl="0" algn="l">
+              <a:spcBef>
                 <a:spcPts val="1600"/>
               </a:spcBef>
               <a:spcAft>
-                <a:spcPts val="0"/>
-              </a:spcAft>
-              <a:buNone/>
-            </a:pPr>
-            <a:r>
-              <a:rPr lang="en" sz="1600"/>
-              <a:t>Clinicians should target patient characteristics via feature importance for further research into preventative medicine</a:t>
-            </a:r>
-            <a:endParaRPr sz="1600"/>
-          </a:p>
-          <a:p>
-            <a:pPr indent="0" lvl="0" marL="0" rtl="0" algn="l">
-              <a:spcBef>
                 <a:spcPts val="1600"/>
-              </a:spcBef>
-              <a:spcAft>
-                <a:spcPts val="0"/>
               </a:spcAft>
               <a:buNone/>
             </a:pPr>
             <a:r>
               <a:t/>
-            </a:r>
-            <a:endParaRPr sz="1600"/>
-          </a:p>
-          <a:p>
-            <a:pPr indent="0" lvl="0" marL="0" rtl="0" algn="l">
-              <a:spcBef>
-                <a:spcPts val="0"/>
-              </a:spcBef>
-              <a:spcAft>
-                <a:spcPts val="0"/>
-              </a:spcAft>
-              <a:buNone/>
-            </a:pPr>
-            <a:r>
-              <a:rPr b="1" lang="en" sz="1600"/>
-              <a:t>Patient Characteristics to Target</a:t>
-            </a:r>
-            <a:r>
-              <a:rPr b="1" lang="en" sz="1600"/>
-              <a:t>:</a:t>
-            </a:r>
-            <a:endParaRPr b="1" sz="1600"/>
-          </a:p>
-          <a:p>
-            <a:pPr indent="-317500" lvl="0" marL="457200" rtl="0" algn="l">
-              <a:spcBef>
-                <a:spcPts val="0"/>
-              </a:spcBef>
-              <a:spcAft>
-                <a:spcPts val="0"/>
-              </a:spcAft>
-              <a:buSzPts val="1400"/>
-              <a:buChar char="●"/>
-            </a:pPr>
-            <a:r>
-              <a:rPr lang="en"/>
-              <a:t>D</a:t>
-            </a:r>
-            <a:r>
-              <a:rPr lang="en"/>
-              <a:t>ischarged to Home </a:t>
-            </a:r>
-            <a:endParaRPr/>
-          </a:p>
-          <a:p>
-            <a:pPr indent="-317500" lvl="0" marL="457200" rtl="0" algn="l">
-              <a:spcBef>
-                <a:spcPts val="0"/>
-              </a:spcBef>
-              <a:spcAft>
-                <a:spcPts val="0"/>
-              </a:spcAft>
-              <a:buSzPts val="1400"/>
-              <a:buChar char="●"/>
-            </a:pPr>
-            <a:r>
-              <a:rPr lang="en"/>
-              <a:t>High A1c (Over 8%)</a:t>
-            </a:r>
-            <a:endParaRPr/>
-          </a:p>
-          <a:p>
-            <a:pPr indent="-317500" lvl="0" marL="457200" rtl="0" algn="l">
-              <a:spcBef>
-                <a:spcPts val="0"/>
-              </a:spcBef>
-              <a:spcAft>
-                <a:spcPts val="0"/>
-              </a:spcAft>
-              <a:buSzPts val="1400"/>
-              <a:buChar char="●"/>
-            </a:pPr>
-            <a:r>
-              <a:rPr lang="en"/>
-              <a:t>Aged 40-90</a:t>
-            </a:r>
-            <a:endParaRPr/>
-          </a:p>
-          <a:p>
-            <a:pPr indent="-317500" lvl="0" marL="457200" rtl="0" algn="l">
-              <a:spcBef>
-                <a:spcPts val="0"/>
-              </a:spcBef>
-              <a:spcAft>
-                <a:spcPts val="0"/>
-              </a:spcAft>
-              <a:buSzPts val="1400"/>
-              <a:buChar char="●"/>
-            </a:pPr>
-            <a:r>
-              <a:rPr lang="en" sz="1600"/>
-              <a:t>High number of inpatient visits</a:t>
-            </a:r>
-            <a:endParaRPr sz="1600"/>
-          </a:p>
-          <a:p>
-            <a:pPr indent="-330200" lvl="0" marL="457200" rtl="0" algn="l">
-              <a:spcBef>
-                <a:spcPts val="0"/>
-              </a:spcBef>
-              <a:spcAft>
-                <a:spcPts val="0"/>
-              </a:spcAft>
-              <a:buSzPts val="1600"/>
-              <a:buChar char="●"/>
-            </a:pPr>
-            <a:r>
-              <a:rPr lang="en" sz="1600"/>
-              <a:t>Musculoskeletal Disorders</a:t>
-            </a:r>
-            <a:endParaRPr sz="1600"/>
-          </a:p>
-        </p:txBody>
-      </p:sp>
-      <p:sp>
-        <p:nvSpPr>
-          <p:cNvPr id="391" name="Google Shape;391;p47"/>
-          <p:cNvSpPr txBox="1"/>
-          <p:nvPr>
-            <p:ph idx="2" type="body"/>
-          </p:nvPr>
-        </p:nvSpPr>
-        <p:spPr>
-          <a:xfrm>
-            <a:off x="4832400" y="1152475"/>
-            <a:ext cx="3999900" cy="3416400"/>
-          </a:xfrm>
-          <a:prstGeom prst="rect">
-            <a:avLst/>
-          </a:prstGeom>
-        </p:spPr>
-        <p:txBody>
-          <a:bodyPr anchorCtr="0" anchor="t" bIns="91425" lIns="91425" spcFirstLastPara="1" rIns="91425" wrap="square" tIns="91425">
-            <a:noAutofit/>
-          </a:bodyPr>
-          <a:lstStyle/>
-          <a:p>
-            <a:pPr indent="0" lvl="0" marL="0" rtl="0" algn="l">
-              <a:spcBef>
-                <a:spcPts val="0"/>
-              </a:spcBef>
-              <a:spcAft>
-                <a:spcPts val="0"/>
-              </a:spcAft>
-              <a:buNone/>
-            </a:pPr>
-            <a:r>
-              <a:rPr b="1" lang="en" sz="2100">
-                <a:solidFill>
-                  <a:schemeClr val="dk1"/>
-                </a:solidFill>
-              </a:rPr>
-              <a:t>Financial: </a:t>
-            </a:r>
-            <a:endParaRPr b="1" sz="2100">
-              <a:solidFill>
-                <a:schemeClr val="dk1"/>
-              </a:solidFill>
-            </a:endParaRPr>
-          </a:p>
-          <a:p>
-            <a:pPr indent="0" lvl="0" marL="0" rtl="0" algn="l">
-              <a:spcBef>
-                <a:spcPts val="1600"/>
-              </a:spcBef>
-              <a:spcAft>
-                <a:spcPts val="0"/>
-              </a:spcAft>
-              <a:buNone/>
-            </a:pPr>
-            <a:r>
-              <a:rPr lang="en" sz="1600"/>
-              <a:t>Hospital finance department should target the top quantile(s) of patients scored by our model with the highest chance of readmission rather than a random sampling</a:t>
-            </a:r>
-            <a:endParaRPr sz="1600"/>
-          </a:p>
-          <a:p>
-            <a:pPr indent="0" lvl="0" marL="0" rtl="0" algn="l">
-              <a:spcBef>
-                <a:spcPts val="1600"/>
-              </a:spcBef>
-              <a:spcAft>
-                <a:spcPts val="0"/>
-              </a:spcAft>
-              <a:buNone/>
-            </a:pPr>
-            <a:r>
-              <a:rPr b="1" lang="en" sz="1600"/>
-              <a:t>Intervention Targeting Priority:</a:t>
-            </a:r>
-            <a:endParaRPr b="1" sz="1600"/>
-          </a:p>
-          <a:p>
-            <a:pPr indent="-317500" lvl="0" marL="457200" rtl="0" algn="l">
-              <a:spcBef>
-                <a:spcPts val="0"/>
-              </a:spcBef>
-              <a:spcAft>
-                <a:spcPts val="0"/>
-              </a:spcAft>
-              <a:buSzPts val="1400"/>
-              <a:buChar char="●"/>
-            </a:pPr>
-            <a:r>
-              <a:rPr lang="en"/>
-              <a:t>Target the top quantile for max cost efficiency: 15.7% readmitted with 1.78 lift</a:t>
-            </a:r>
-            <a:endParaRPr/>
-          </a:p>
-          <a:p>
-            <a:pPr indent="-317500" lvl="0" marL="457200" rtl="0" algn="l">
-              <a:spcBef>
-                <a:spcPts val="0"/>
-              </a:spcBef>
-              <a:spcAft>
-                <a:spcPts val="0"/>
-              </a:spcAft>
-              <a:buSzPts val="1400"/>
-              <a:buChar char="●"/>
-            </a:pPr>
-            <a:r>
-              <a:rPr lang="en"/>
-              <a:t>Target the top 2 quantiles for larger patient group: 14% readmitted with 1.6 lift</a:t>
             </a:r>
             <a:endParaRPr/>
           </a:p>
@@ -21360,7 +20577,7 @@
   <p:cSld>
     <p:spTree>
       <p:nvGrpSpPr>
-        <p:cNvPr id="395" name="Shape 395"/>
+        <p:cNvPr id="367" name="Shape 367"/>
         <p:cNvGrpSpPr/>
         <p:nvPr/>
       </p:nvGrpSpPr>
@@ -21374,7 +20591,7 @@
       </p:grpSpPr>
       <p:sp>
         <p:nvSpPr>
-          <p:cNvPr id="396" name="Google Shape;396;p48"/>
+          <p:cNvPr id="368" name="Google Shape;368;p48"/>
           <p:cNvSpPr/>
           <p:nvPr/>
         </p:nvSpPr>
@@ -21417,7 +20634,7 @@
       </p:sp>
       <p:sp>
         <p:nvSpPr>
-          <p:cNvPr id="397" name="Google Shape;397;p48"/>
+          <p:cNvPr id="369" name="Google Shape;369;p48"/>
           <p:cNvSpPr txBox="1"/>
           <p:nvPr>
             <p:ph idx="4294967295" type="title"/>
@@ -21465,7 +20682,7 @@
       </p:sp>
       <p:sp>
         <p:nvSpPr>
-          <p:cNvPr id="398" name="Google Shape;398;p48"/>
+          <p:cNvPr id="370" name="Google Shape;370;p48"/>
           <p:cNvSpPr txBox="1"/>
           <p:nvPr>
             <p:ph idx="4294967295" type="title"/>
@@ -21473,7 +20690,7 @@
         </p:nvSpPr>
         <p:spPr>
           <a:xfrm>
-            <a:off x="311700" y="2764725"/>
+            <a:off x="320250" y="2571750"/>
             <a:ext cx="8520600" cy="733500"/>
           </a:xfrm>
           <a:prstGeom prst="rect">
@@ -24009,7 +23226,7 @@
             </a:pPr>
             <a:r>
               <a:rPr b="1" lang="en" sz="2000" u="sng"/>
-              <a:t>Missingness:</a:t>
+              <a:t>Missingness</a:t>
             </a:r>
             <a:endParaRPr b="1" sz="2000" u="sng"/>
           </a:p>
@@ -24246,8 +23463,8 @@
         </p:blipFill>
         <p:spPr>
           <a:xfrm>
-            <a:off x="3923725" y="1281125"/>
-            <a:ext cx="4899476" cy="3205575"/>
+            <a:off x="4060150" y="1281125"/>
+            <a:ext cx="4902225" cy="3207375"/>
           </a:xfrm>
           <a:prstGeom prst="rect">
             <a:avLst/>
@@ -24267,6 +23484,285 @@
 </file>
 
 <file path=ppt/theme/theme1.xml><?xml version="1.0" encoding="utf-8"?>
+<a:theme xmlns:a="http://schemas.openxmlformats.org/drawingml/2006/main" xmlns:r="http://schemas.openxmlformats.org/officeDocument/2006/relationships">
+  <a:themeElements>
+    <a:clrScheme name="Default">
+      <a:dk1>
+        <a:srgbClr val="000000"/>
+      </a:dk1>
+      <a:lt1>
+        <a:srgbClr val="FFFFFF"/>
+      </a:lt1>
+      <a:dk2>
+        <a:srgbClr val="158158"/>
+      </a:dk2>
+      <a:lt2>
+        <a:srgbClr val="F3F3F3"/>
+      </a:lt2>
+      <a:accent1>
+        <a:srgbClr val="058DC7"/>
+      </a:accent1>
+      <a:accent2>
+        <a:srgbClr val="50B432"/>
+      </a:accent2>
+      <a:accent3>
+        <a:srgbClr val="ED561B"/>
+      </a:accent3>
+      <a:accent4>
+        <a:srgbClr val="EDEF00"/>
+      </a:accent4>
+      <a:accent5>
+        <a:srgbClr val="24CBE5"/>
+      </a:accent5>
+      <a:accent6>
+        <a:srgbClr val="64E572"/>
+      </a:accent6>
+      <a:hlink>
+        <a:srgbClr val="2200CC"/>
+      </a:hlink>
+      <a:folHlink>
+        <a:srgbClr val="551A8B"/>
+      </a:folHlink>
+    </a:clrScheme>
+    <a:fontScheme name="Office">
+      <a:majorFont>
+        <a:latin typeface="Arial"/>
+        <a:ea typeface=""/>
+        <a:cs typeface=""/>
+        <a:font script="Jpan" typeface="ＭＳ Ｐゴシック"/>
+        <a:font script="Hang" typeface="맑은 고딕"/>
+        <a:font script="Hans" typeface="宋体"/>
+        <a:font script="Hant" typeface="新細明體"/>
+        <a:font script="Arab" typeface="Times New Roman"/>
+        <a:font script="Hebr" typeface="Times New Roman"/>
+        <a:font script="Thai" typeface="Angsana New"/>
+        <a:font script="Ethi" typeface="Nyala"/>
+        <a:font script="Beng" typeface="Vrinda"/>
+        <a:font script="Gujr" typeface="Shruti"/>
+        <a:font script="Khmr" typeface="MoolBoran"/>
+        <a:font script="Knda" typeface="Tunga"/>
+        <a:font script="Guru" typeface="Raavi"/>
+        <a:font script="Cans" typeface="Euphemia"/>
+        <a:font script="Cher" typeface="Plantagenet Cherokee"/>
+        <a:font script="Yiii" typeface="Microsoft Yi Baiti"/>
+        <a:font script="Tibt" typeface="Microsoft Himalaya"/>
+        <a:font script="Thaa" typeface="MV Boli"/>
+        <a:font script="Deva" typeface="Mangal"/>
+        <a:font script="Telu" typeface="Gautami"/>
+        <a:font script="Taml" typeface="Latha"/>
+        <a:font script="Syrc" typeface="Estrangelo Edessa"/>
+        <a:font script="Orya" typeface="Kalinga"/>
+        <a:font script="Mlym" typeface="Kartika"/>
+        <a:font script="Laoo" typeface="DokChampa"/>
+        <a:font script="Sinh" typeface="Iskoola Pota"/>
+        <a:font script="Mong" typeface="Mongolian Baiti"/>
+        <a:font script="Viet" typeface="Times New Roman"/>
+        <a:font script="Uigh" typeface="Microsoft Uighur"/>
+        <a:font script="Geor" typeface="Sylfaen"/>
+      </a:majorFont>
+      <a:minorFont>
+        <a:latin typeface="Arial"/>
+        <a:ea typeface=""/>
+        <a:cs typeface=""/>
+        <a:font script="Jpan" typeface="ＭＳ Ｐゴシック"/>
+        <a:font script="Hang" typeface="맑은 고딕"/>
+        <a:font script="Hans" typeface="宋体"/>
+        <a:font script="Hant" typeface="新細明體"/>
+        <a:font script="Arab" typeface="Arial"/>
+        <a:font script="Hebr" typeface="Arial"/>
+        <a:font script="Thai" typeface="Cordia New"/>
+        <a:font script="Ethi" typeface="Nyala"/>
+        <a:font script="Beng" typeface="Vrinda"/>
+        <a:font script="Gujr" typeface="Shruti"/>
+        <a:font script="Khmr" typeface="DaunPenh"/>
+        <a:font script="Knda" typeface="Tunga"/>
+        <a:font script="Guru" typeface="Raavi"/>
+        <a:font script="Cans" typeface="Euphemia"/>
+        <a:font script="Cher" typeface="Plantagenet Cherokee"/>
+        <a:font script="Yiii" typeface="Microsoft Yi Baiti"/>
+        <a:font script="Tibt" typeface="Microsoft Himalaya"/>
+        <a:font script="Thaa" typeface="MV Boli"/>
+        <a:font script="Deva" typeface="Mangal"/>
+        <a:font script="Telu" typeface="Gautami"/>
+        <a:font script="Taml" typeface="Latha"/>
+        <a:font script="Syrc" typeface="Estrangelo Edessa"/>
+        <a:font script="Orya" typeface="Kalinga"/>
+        <a:font script="Mlym" typeface="Kartika"/>
+        <a:font script="Laoo" typeface="DokChampa"/>
+        <a:font script="Sinh" typeface="Iskoola Pota"/>
+        <a:font script="Mong" typeface="Mongolian Baiti"/>
+        <a:font script="Viet" typeface="Arial"/>
+        <a:font script="Uigh" typeface="Microsoft Uighur"/>
+        <a:font script="Geor" typeface="Sylfaen"/>
+      </a:minorFont>
+    </a:fontScheme>
+    <a:fmtScheme name="Office">
+      <a:fillStyleLst>
+        <a:solidFill>
+          <a:schemeClr val="phClr"/>
+        </a:solidFill>
+        <a:gradFill rotWithShape="1">
+          <a:gsLst>
+            <a:gs pos="0">
+              <a:schemeClr val="phClr">
+                <a:tint val="50000"/>
+                <a:satMod val="300000"/>
+              </a:schemeClr>
+            </a:gs>
+            <a:gs pos="35000">
+              <a:schemeClr val="phClr">
+                <a:tint val="37000"/>
+                <a:satMod val="300000"/>
+              </a:schemeClr>
+            </a:gs>
+            <a:gs pos="100000">
+              <a:schemeClr val="phClr">
+                <a:tint val="15000"/>
+                <a:satMod val="350000"/>
+              </a:schemeClr>
+            </a:gs>
+          </a:gsLst>
+          <a:lin ang="16200000" scaled="1"/>
+        </a:gradFill>
+        <a:gradFill rotWithShape="1">
+          <a:gsLst>
+            <a:gs pos="0">
+              <a:schemeClr val="phClr">
+                <a:tint val="100000"/>
+                <a:shade val="100000"/>
+                <a:satMod val="130000"/>
+              </a:schemeClr>
+            </a:gs>
+            <a:gs pos="100000">
+              <a:schemeClr val="phClr">
+                <a:tint val="50000"/>
+                <a:shade val="100000"/>
+                <a:satMod val="350000"/>
+              </a:schemeClr>
+            </a:gs>
+          </a:gsLst>
+          <a:lin ang="16200000" scaled="0"/>
+        </a:gradFill>
+      </a:fillStyleLst>
+      <a:lnStyleLst>
+        <a:ln w="9525" cap="flat" cmpd="sng" algn="ctr">
+          <a:solidFill>
+            <a:schemeClr val="phClr">
+              <a:shade val="95000"/>
+              <a:satMod val="105000"/>
+            </a:schemeClr>
+          </a:solidFill>
+          <a:prstDash val="solid"/>
+        </a:ln>
+        <a:ln w="25400" cap="flat" cmpd="sng" algn="ctr">
+          <a:solidFill>
+            <a:schemeClr val="phClr"/>
+          </a:solidFill>
+          <a:prstDash val="solid"/>
+        </a:ln>
+        <a:ln w="38100" cap="flat" cmpd="sng" algn="ctr">
+          <a:solidFill>
+            <a:schemeClr val="phClr"/>
+          </a:solidFill>
+          <a:prstDash val="solid"/>
+        </a:ln>
+      </a:lnStyleLst>
+      <a:effectStyleLst>
+        <a:effectStyle>
+          <a:effectLst>
+            <a:outerShdw blurRad="40000" dist="20000" dir="5400000" rotWithShape="0">
+              <a:srgbClr val="000000">
+                <a:alpha val="38000"/>
+              </a:srgbClr>
+            </a:outerShdw>
+          </a:effectLst>
+        </a:effectStyle>
+        <a:effectStyle>
+          <a:effectLst>
+            <a:outerShdw blurRad="40000" dist="23000" dir="5400000" rotWithShape="0">
+              <a:srgbClr val="000000">
+                <a:alpha val="35000"/>
+              </a:srgbClr>
+            </a:outerShdw>
+          </a:effectLst>
+        </a:effectStyle>
+        <a:effectStyle>
+          <a:effectLst>
+            <a:outerShdw blurRad="40000" dist="23000" dir="5400000" rotWithShape="0">
+              <a:srgbClr val="000000">
+                <a:alpha val="35000"/>
+              </a:srgbClr>
+            </a:outerShdw>
+          </a:effectLst>
+          <a:scene3d>
+            <a:camera prst="orthographicFront">
+              <a:rot lat="0" lon="0" rev="0"/>
+            </a:camera>
+            <a:lightRig rig="threePt" dir="t">
+              <a:rot lat="0" lon="0" rev="1200000"/>
+            </a:lightRig>
+          </a:scene3d>
+          <a:sp3d>
+            <a:bevelT w="63500" h="25400"/>
+          </a:sp3d>
+        </a:effectStyle>
+      </a:effectStyleLst>
+      <a:bgFillStyleLst>
+        <a:solidFill>
+          <a:schemeClr val="phClr"/>
+        </a:solidFill>
+        <a:gradFill rotWithShape="1">
+          <a:gsLst>
+            <a:gs pos="0">
+              <a:schemeClr val="phClr">
+                <a:tint val="40000"/>
+                <a:satMod val="350000"/>
+              </a:schemeClr>
+            </a:gs>
+            <a:gs pos="40000">
+              <a:schemeClr val="phClr">
+                <a:tint val="45000"/>
+                <a:shade val="99000"/>
+                <a:satMod val="350000"/>
+              </a:schemeClr>
+            </a:gs>
+            <a:gs pos="100000">
+              <a:schemeClr val="phClr">
+                <a:shade val="20000"/>
+                <a:satMod val="255000"/>
+              </a:schemeClr>
+            </a:gs>
+          </a:gsLst>
+          <a:path path="circle">
+            <a:fillToRect l="50000" t="-80000" r="50000" b="180000"/>
+          </a:path>
+        </a:gradFill>
+        <a:gradFill rotWithShape="1">
+          <a:gsLst>
+            <a:gs pos="0">
+              <a:schemeClr val="phClr">
+                <a:tint val="80000"/>
+                <a:satMod val="300000"/>
+              </a:schemeClr>
+            </a:gs>
+            <a:gs pos="100000">
+              <a:schemeClr val="phClr">
+                <a:shade val="30000"/>
+                <a:satMod val="200000"/>
+              </a:schemeClr>
+            </a:gs>
+          </a:gsLst>
+          <a:path path="circle">
+            <a:fillToRect l="50000" t="50000" r="50000" b="50000"/>
+          </a:path>
+        </a:gradFill>
+      </a:bgFillStyleLst>
+    </a:fmtScheme>
+  </a:themeElements>
+</a:theme>
+</file>
+
+<file path=ppt/theme/theme2.xml><?xml version="1.0" encoding="utf-8"?>
 <a:theme xmlns:a="http://schemas.openxmlformats.org/drawingml/2006/main" xmlns:r="http://schemas.openxmlformats.org/officeDocument/2006/relationships" name="Slate">
   <a:themeElements>
     <a:clrScheme name="Slate">
@@ -24543,283 +24039,4 @@
     </a:fmtScheme>
   </a:themeElements>
 </a:theme>
-</file>
-
-<file path=ppt/theme/theme2.xml><?xml version="1.0" encoding="utf-8"?>
-<a:theme xmlns:a="http://schemas.openxmlformats.org/drawingml/2006/main" xmlns:r="http://schemas.openxmlformats.org/officeDocument/2006/relationships">
-  <a:themeElements>
-    <a:clrScheme name="Default">
-      <a:dk1>
-        <a:srgbClr val="000000"/>
-      </a:dk1>
-      <a:lt1>
-        <a:srgbClr val="FFFFFF"/>
-      </a:lt1>
-      <a:dk2>
-        <a:srgbClr val="158158"/>
-      </a:dk2>
-      <a:lt2>
-        <a:srgbClr val="F3F3F3"/>
-      </a:lt2>
-      <a:accent1>
-        <a:srgbClr val="058DC7"/>
-      </a:accent1>
-      <a:accent2>
-        <a:srgbClr val="50B432"/>
-      </a:accent2>
-      <a:accent3>
-        <a:srgbClr val="ED561B"/>
-      </a:accent3>
-      <a:accent4>
-        <a:srgbClr val="EDEF00"/>
-      </a:accent4>
-      <a:accent5>
-        <a:srgbClr val="24CBE5"/>
-      </a:accent5>
-      <a:accent6>
-        <a:srgbClr val="64E572"/>
-      </a:accent6>
-      <a:hlink>
-        <a:srgbClr val="2200CC"/>
-      </a:hlink>
-      <a:folHlink>
-        <a:srgbClr val="551A8B"/>
-      </a:folHlink>
-    </a:clrScheme>
-    <a:fontScheme name="Office">
-      <a:majorFont>
-        <a:latin typeface="Arial"/>
-        <a:ea typeface=""/>
-        <a:cs typeface=""/>
-        <a:font script="Jpan" typeface="ＭＳ Ｐゴシック"/>
-        <a:font script="Hang" typeface="맑은 고딕"/>
-        <a:font script="Hans" typeface="宋体"/>
-        <a:font script="Hant" typeface="新細明體"/>
-        <a:font script="Arab" typeface="Times New Roman"/>
-        <a:font script="Hebr" typeface="Times New Roman"/>
-        <a:font script="Thai" typeface="Angsana New"/>
-        <a:font script="Ethi" typeface="Nyala"/>
-        <a:font script="Beng" typeface="Vrinda"/>
-        <a:font script="Gujr" typeface="Shruti"/>
-        <a:font script="Khmr" typeface="MoolBoran"/>
-        <a:font script="Knda" typeface="Tunga"/>
-        <a:font script="Guru" typeface="Raavi"/>
-        <a:font script="Cans" typeface="Euphemia"/>
-        <a:font script="Cher" typeface="Plantagenet Cherokee"/>
-        <a:font script="Yiii" typeface="Microsoft Yi Baiti"/>
-        <a:font script="Tibt" typeface="Microsoft Himalaya"/>
-        <a:font script="Thaa" typeface="MV Boli"/>
-        <a:font script="Deva" typeface="Mangal"/>
-        <a:font script="Telu" typeface="Gautami"/>
-        <a:font script="Taml" typeface="Latha"/>
-        <a:font script="Syrc" typeface="Estrangelo Edessa"/>
-        <a:font script="Orya" typeface="Kalinga"/>
-        <a:font script="Mlym" typeface="Kartika"/>
-        <a:font script="Laoo" typeface="DokChampa"/>
-        <a:font script="Sinh" typeface="Iskoola Pota"/>
-        <a:font script="Mong" typeface="Mongolian Baiti"/>
-        <a:font script="Viet" typeface="Times New Roman"/>
-        <a:font script="Uigh" typeface="Microsoft Uighur"/>
-        <a:font script="Geor" typeface="Sylfaen"/>
-      </a:majorFont>
-      <a:minorFont>
-        <a:latin typeface="Arial"/>
-        <a:ea typeface=""/>
-        <a:cs typeface=""/>
-        <a:font script="Jpan" typeface="ＭＳ Ｐゴシック"/>
-        <a:font script="Hang" typeface="맑은 고딕"/>
-        <a:font script="Hans" typeface="宋体"/>
-        <a:font script="Hant" typeface="新細明體"/>
-        <a:font script="Arab" typeface="Arial"/>
-        <a:font script="Hebr" typeface="Arial"/>
-        <a:font script="Thai" typeface="Cordia New"/>
-        <a:font script="Ethi" typeface="Nyala"/>
-        <a:font script="Beng" typeface="Vrinda"/>
-        <a:font script="Gujr" typeface="Shruti"/>
-        <a:font script="Khmr" typeface="DaunPenh"/>
-        <a:font script="Knda" typeface="Tunga"/>
-        <a:font script="Guru" typeface="Raavi"/>
-        <a:font script="Cans" typeface="Euphemia"/>
-        <a:font script="Cher" typeface="Plantagenet Cherokee"/>
-        <a:font script="Yiii" typeface="Microsoft Yi Baiti"/>
-        <a:font script="Tibt" typeface="Microsoft Himalaya"/>
-        <a:font script="Thaa" typeface="MV Boli"/>
-        <a:font script="Deva" typeface="Mangal"/>
-        <a:font script="Telu" typeface="Gautami"/>
-        <a:font script="Taml" typeface="Latha"/>
-        <a:font script="Syrc" typeface="Estrangelo Edessa"/>
-        <a:font script="Orya" typeface="Kalinga"/>
-        <a:font script="Mlym" typeface="Kartika"/>
-        <a:font script="Laoo" typeface="DokChampa"/>
-        <a:font script="Sinh" typeface="Iskoola Pota"/>
-        <a:font script="Mong" typeface="Mongolian Baiti"/>
-        <a:font script="Viet" typeface="Arial"/>
-        <a:font script="Uigh" typeface="Microsoft Uighur"/>
-        <a:font script="Geor" typeface="Sylfaen"/>
-      </a:minorFont>
-    </a:fontScheme>
-    <a:fmtScheme name="Office">
-      <a:fillStyleLst>
-        <a:solidFill>
-          <a:schemeClr val="phClr"/>
-        </a:solidFill>
-        <a:gradFill rotWithShape="1">
-          <a:gsLst>
-            <a:gs pos="0">
-              <a:schemeClr val="phClr">
-                <a:tint val="50000"/>
-                <a:satMod val="300000"/>
-              </a:schemeClr>
-            </a:gs>
-            <a:gs pos="35000">
-              <a:schemeClr val="phClr">
-                <a:tint val="37000"/>
-                <a:satMod val="300000"/>
-              </a:schemeClr>
-            </a:gs>
-            <a:gs pos="100000">
-              <a:schemeClr val="phClr">
-                <a:tint val="15000"/>
-                <a:satMod val="350000"/>
-              </a:schemeClr>
-            </a:gs>
-          </a:gsLst>
-          <a:lin ang="16200000" scaled="1"/>
-        </a:gradFill>
-        <a:gradFill rotWithShape="1">
-          <a:gsLst>
-            <a:gs pos="0">
-              <a:schemeClr val="phClr">
-                <a:tint val="100000"/>
-                <a:shade val="100000"/>
-                <a:satMod val="130000"/>
-              </a:schemeClr>
-            </a:gs>
-            <a:gs pos="100000">
-              <a:schemeClr val="phClr">
-                <a:tint val="50000"/>
-                <a:shade val="100000"/>
-                <a:satMod val="350000"/>
-              </a:schemeClr>
-            </a:gs>
-          </a:gsLst>
-          <a:lin ang="16200000" scaled="0"/>
-        </a:gradFill>
-      </a:fillStyleLst>
-      <a:lnStyleLst>
-        <a:ln w="9525" cap="flat" cmpd="sng" algn="ctr">
-          <a:solidFill>
-            <a:schemeClr val="phClr">
-              <a:shade val="95000"/>
-              <a:satMod val="105000"/>
-            </a:schemeClr>
-          </a:solidFill>
-          <a:prstDash val="solid"/>
-        </a:ln>
-        <a:ln w="25400" cap="flat" cmpd="sng" algn="ctr">
-          <a:solidFill>
-            <a:schemeClr val="phClr"/>
-          </a:solidFill>
-          <a:prstDash val="solid"/>
-        </a:ln>
-        <a:ln w="38100" cap="flat" cmpd="sng" algn="ctr">
-          <a:solidFill>
-            <a:schemeClr val="phClr"/>
-          </a:solidFill>
-          <a:prstDash val="solid"/>
-        </a:ln>
-      </a:lnStyleLst>
-      <a:effectStyleLst>
-        <a:effectStyle>
-          <a:effectLst>
-            <a:outerShdw blurRad="40000" dist="20000" dir="5400000" rotWithShape="0">
-              <a:srgbClr val="000000">
-                <a:alpha val="38000"/>
-              </a:srgbClr>
-            </a:outerShdw>
-          </a:effectLst>
-        </a:effectStyle>
-        <a:effectStyle>
-          <a:effectLst>
-            <a:outerShdw blurRad="40000" dist="23000" dir="5400000" rotWithShape="0">
-              <a:srgbClr val="000000">
-                <a:alpha val="35000"/>
-              </a:srgbClr>
-            </a:outerShdw>
-          </a:effectLst>
-        </a:effectStyle>
-        <a:effectStyle>
-          <a:effectLst>
-            <a:outerShdw blurRad="40000" dist="23000" dir="5400000" rotWithShape="0">
-              <a:srgbClr val="000000">
-                <a:alpha val="35000"/>
-              </a:srgbClr>
-            </a:outerShdw>
-          </a:effectLst>
-          <a:scene3d>
-            <a:camera prst="orthographicFront">
-              <a:rot lat="0" lon="0" rev="0"/>
-            </a:camera>
-            <a:lightRig rig="threePt" dir="t">
-              <a:rot lat="0" lon="0" rev="1200000"/>
-            </a:lightRig>
-          </a:scene3d>
-          <a:sp3d>
-            <a:bevelT w="63500" h="25400"/>
-          </a:sp3d>
-        </a:effectStyle>
-      </a:effectStyleLst>
-      <a:bgFillStyleLst>
-        <a:solidFill>
-          <a:schemeClr val="phClr"/>
-        </a:solidFill>
-        <a:gradFill rotWithShape="1">
-          <a:gsLst>
-            <a:gs pos="0">
-              <a:schemeClr val="phClr">
-                <a:tint val="40000"/>
-                <a:satMod val="350000"/>
-              </a:schemeClr>
-            </a:gs>
-            <a:gs pos="40000">
-              <a:schemeClr val="phClr">
-                <a:tint val="45000"/>
-                <a:shade val="99000"/>
-                <a:satMod val="350000"/>
-              </a:schemeClr>
-            </a:gs>
-            <a:gs pos="100000">
-              <a:schemeClr val="phClr">
-                <a:shade val="20000"/>
-                <a:satMod val="255000"/>
-              </a:schemeClr>
-            </a:gs>
-          </a:gsLst>
-          <a:path path="circle">
-            <a:fillToRect l="50000" t="-80000" r="50000" b="180000"/>
-          </a:path>
-        </a:gradFill>
-        <a:gradFill rotWithShape="1">
-          <a:gsLst>
-            <a:gs pos="0">
-              <a:schemeClr val="phClr">
-                <a:tint val="80000"/>
-                <a:satMod val="300000"/>
-              </a:schemeClr>
-            </a:gs>
-            <a:gs pos="100000">
-              <a:schemeClr val="phClr">
-                <a:shade val="30000"/>
-                <a:satMod val="200000"/>
-              </a:schemeClr>
-            </a:gs>
-          </a:gsLst>
-          <a:path path="circle">
-            <a:fillToRect l="50000" t="50000" r="50000" b="50000"/>
-          </a:path>
-        </a:gradFill>
-      </a:bgFillStyleLst>
-    </a:fmtScheme>
-  </a:themeElements>
-</a:theme>
 </file>